--- a/resource/10.prepare/Saturn 미완성.pptx
+++ b/resource/10.prepare/Saturn 미완성.pptx
@@ -5,60 +5,61 @@
     <p:sldMasterId id="2147483648" r:id="rId1"/>
   </p:sldMasterIdLst>
   <p:notesMasterIdLst>
-    <p:notesMasterId r:id="rId24"/>
+    <p:notesMasterId r:id="rId25"/>
   </p:notesMasterIdLst>
   <p:sldIdLst>
     <p:sldId id="286" r:id="rId2"/>
     <p:sldId id="257" r:id="rId3"/>
     <p:sldId id="288" r:id="rId4"/>
     <p:sldId id="258" r:id="rId5"/>
-    <p:sldId id="281" r:id="rId6"/>
-    <p:sldId id="280" r:id="rId7"/>
-    <p:sldId id="270" r:id="rId8"/>
-    <p:sldId id="272" r:id="rId9"/>
-    <p:sldId id="274" r:id="rId10"/>
-    <p:sldId id="275" r:id="rId11"/>
-    <p:sldId id="289" r:id="rId12"/>
-    <p:sldId id="265" r:id="rId13"/>
-    <p:sldId id="285" r:id="rId14"/>
-    <p:sldId id="290" r:id="rId15"/>
-    <p:sldId id="284" r:id="rId16"/>
-    <p:sldId id="291" r:id="rId17"/>
-    <p:sldId id="287" r:id="rId18"/>
-    <p:sldId id="293" r:id="rId19"/>
-    <p:sldId id="294" r:id="rId20"/>
-    <p:sldId id="295" r:id="rId21"/>
-    <p:sldId id="292" r:id="rId22"/>
-    <p:sldId id="267" r:id="rId23"/>
+    <p:sldId id="296" r:id="rId6"/>
+    <p:sldId id="281" r:id="rId7"/>
+    <p:sldId id="280" r:id="rId8"/>
+    <p:sldId id="270" r:id="rId9"/>
+    <p:sldId id="272" r:id="rId10"/>
+    <p:sldId id="274" r:id="rId11"/>
+    <p:sldId id="275" r:id="rId12"/>
+    <p:sldId id="289" r:id="rId13"/>
+    <p:sldId id="265" r:id="rId14"/>
+    <p:sldId id="285" r:id="rId15"/>
+    <p:sldId id="290" r:id="rId16"/>
+    <p:sldId id="284" r:id="rId17"/>
+    <p:sldId id="291" r:id="rId18"/>
+    <p:sldId id="287" r:id="rId19"/>
+    <p:sldId id="293" r:id="rId20"/>
+    <p:sldId id="294" r:id="rId21"/>
+    <p:sldId id="295" r:id="rId22"/>
+    <p:sldId id="292" r:id="rId23"/>
+    <p:sldId id="267" r:id="rId24"/>
   </p:sldIdLst>
   <p:sldSz cx="18288000" cy="10287000"/>
   <p:notesSz cx="6858000" cy="9144000"/>
   <p:embeddedFontLst>
     <p:embeddedFont>
       <p:font typeface="나눔고딕" panose="020D0604000000000000" pitchFamily="50" charset="-127"/>
-      <p:regular r:id="rId25"/>
-      <p:bold r:id="rId26"/>
+      <p:regular r:id="rId26"/>
+      <p:bold r:id="rId27"/>
     </p:embeddedFont>
     <p:embeddedFont>
       <p:font typeface="Noto Sans Bold" panose="020B0600000101010101" charset="0"/>
-      <p:regular r:id="rId27"/>
+      <p:regular r:id="rId28"/>
     </p:embeddedFont>
     <p:embeddedFont>
       <p:font typeface="Montserrat Bold" panose="020B0600000101010101" charset="0"/>
-      <p:regular r:id="rId28"/>
+      <p:regular r:id="rId29"/>
     </p:embeddedFont>
     <p:embeddedFont>
       <p:font typeface="맑은 고딕" panose="020B0503020000020004" pitchFamily="50" charset="-127"/>
-      <p:regular r:id="rId29"/>
-      <p:bold r:id="rId30"/>
+      <p:regular r:id="rId30"/>
+      <p:bold r:id="rId31"/>
     </p:embeddedFont>
     <p:embeddedFont>
       <p:font typeface="Noto Sans" panose="020B0600000101010101" charset="0"/>
-      <p:regular r:id="rId31"/>
+      <p:regular r:id="rId32"/>
     </p:embeddedFont>
     <p:embeddedFont>
       <p:font typeface="세방고딕 Regular" panose="00000500000000000000" pitchFamily="2" charset="-127"/>
-      <p:regular r:id="rId32"/>
+      <p:regular r:id="rId33"/>
     </p:embeddedFont>
   </p:embeddedFontLst>
   <p:defaultTextStyle>
@@ -674,7 +675,7 @@
           <a:p>
             <a:fld id="{32E20431-9D19-4268-8A94-B4B7200B6D3D}" type="slidenum">
               <a:rPr lang="ko-KR" altLang="en-US" smtClean="0"/>
-              <a:t>5</a:t>
+              <a:t>6</a:t>
             </a:fld>
             <a:endParaRPr lang="ko-KR" altLang="en-US"/>
           </a:p>
@@ -758,7 +759,7 @@
           <a:p>
             <a:fld id="{32E20431-9D19-4268-8A94-B4B7200B6D3D}" type="slidenum">
               <a:rPr lang="ko-KR" altLang="en-US" smtClean="0"/>
-              <a:t>13</a:t>
+              <a:t>14</a:t>
             </a:fld>
             <a:endParaRPr lang="ko-KR" altLang="en-US"/>
           </a:p>
@@ -4495,6 +4496,480 @@
       </p:grpSpPr>
       <p:pic>
         <p:nvPicPr>
+          <p:cNvPr id="13" name="그림 12"/>
+          <p:cNvPicPr>
+            <a:picLocks noChangeAspect="1"/>
+          </p:cNvPicPr>
+          <p:nvPr/>
+        </p:nvPicPr>
+        <p:blipFill>
+          <a:blip r:embed="rId2"/>
+          <a:stretch>
+            <a:fillRect/>
+          </a:stretch>
+        </p:blipFill>
+        <p:spPr>
+          <a:xfrm>
+            <a:off x="15163800" y="416861"/>
+            <a:ext cx="816084" cy="621422"/>
+          </a:xfrm>
+          <a:prstGeom prst="rect">
+            <a:avLst/>
+          </a:prstGeom>
+        </p:spPr>
+      </p:pic>
+      <p:grpSp>
+        <p:nvGrpSpPr>
+          <p:cNvPr id="4" name="Group 4"/>
+          <p:cNvGrpSpPr/>
+          <p:nvPr/>
+        </p:nvGrpSpPr>
+        <p:grpSpPr>
+          <a:xfrm>
+            <a:off x="762000" y="541020"/>
+            <a:ext cx="16764000" cy="506730"/>
+            <a:chOff x="0" y="-38100"/>
+            <a:chExt cx="22352000" cy="675640"/>
+          </a:xfrm>
+        </p:grpSpPr>
+        <p:sp>
+          <p:nvSpPr>
+            <p:cNvPr id="5" name="AutoShape 5"/>
+            <p:cNvSpPr/>
+            <p:nvPr/>
+          </p:nvSpPr>
+          <p:spPr>
+            <a:xfrm>
+              <a:off x="0" y="637540"/>
+              <a:ext cx="22352000" cy="0"/>
+            </a:xfrm>
+            <a:prstGeom prst="line">
+              <a:avLst/>
+            </a:prstGeom>
+            <a:ln w="38100" cap="rnd">
+              <a:solidFill>
+                <a:srgbClr val="3B8AFF"/>
+              </a:solidFill>
+              <a:prstDash val="solid"/>
+              <a:headEnd type="none" w="sm" len="sm"/>
+              <a:tailEnd type="none" w="sm" len="sm"/>
+            </a:ln>
+          </p:spPr>
+        </p:sp>
+        <p:sp>
+          <p:nvSpPr>
+            <p:cNvPr id="7" name="TextBox 7"/>
+            <p:cNvSpPr txBox="1"/>
+            <p:nvPr/>
+          </p:nvSpPr>
+          <p:spPr>
+            <a:xfrm>
+              <a:off x="0" y="-38100"/>
+              <a:ext cx="5080000" cy="387713"/>
+            </a:xfrm>
+            <a:prstGeom prst="rect">
+              <a:avLst/>
+            </a:prstGeom>
+          </p:spPr>
+          <p:txBody>
+            <a:bodyPr wrap="square" lIns="0" tIns="0" rIns="0" bIns="0" rtlCol="0" anchor="t">
+              <a:spAutoFit/>
+            </a:bodyPr>
+            <a:lstStyle/>
+            <a:p>
+              <a:pPr algn="just">
+                <a:lnSpc>
+                  <a:spcPts val="2520"/>
+                </a:lnSpc>
+              </a:pPr>
+              <a:r>
+                <a:rPr lang="en-US" altLang="ko-KR" b="1" dirty="0">
+                  <a:latin typeface="+mj-ea"/>
+                  <a:cs typeface="Montserrat Bold"/>
+                  <a:sym typeface="Montserrat Bold"/>
+                </a:rPr>
+                <a:t>1. </a:t>
+              </a:r>
+              <a:r>
+                <a:rPr lang="ko-KR" altLang="en-US" b="1" dirty="0">
+                  <a:latin typeface="+mj-ea"/>
+                  <a:cs typeface="Montserrat Bold"/>
+                  <a:sym typeface="Montserrat Bold"/>
+                </a:rPr>
+                <a:t>프로젝트 개요 및 선정 배경 </a:t>
+              </a:r>
+              <a:endParaRPr lang="en-US" altLang="ko-KR" b="1" dirty="0">
+                <a:latin typeface="+mj-ea"/>
+                <a:cs typeface="Montserrat Bold"/>
+                <a:sym typeface="Montserrat Bold"/>
+              </a:endParaRPr>
+            </a:p>
+          </p:txBody>
+        </p:sp>
+      </p:grpSp>
+      <p:pic>
+        <p:nvPicPr>
+          <p:cNvPr id="2" name="그림 1"/>
+          <p:cNvPicPr>
+            <a:picLocks noChangeAspect="1"/>
+          </p:cNvPicPr>
+          <p:nvPr/>
+        </p:nvPicPr>
+        <p:blipFill>
+          <a:blip r:embed="rId3" cstate="print">
+            <a:extLst>
+              <a:ext uri="{28A0092B-C50C-407E-A947-70E740481C1C}">
+                <a14:useLocalDpi xmlns:a14="http://schemas.microsoft.com/office/drawing/2010/main" val="0"/>
+              </a:ext>
+            </a:extLst>
+          </a:blip>
+          <a:stretch>
+            <a:fillRect/>
+          </a:stretch>
+        </p:blipFill>
+        <p:spPr>
+          <a:xfrm>
+            <a:off x="1828800" y="2344883"/>
+            <a:ext cx="10668000" cy="7370617"/>
+          </a:xfrm>
+          <a:prstGeom prst="rect">
+            <a:avLst/>
+          </a:prstGeom>
+        </p:spPr>
+      </p:pic>
+      <p:sp>
+        <p:nvSpPr>
+          <p:cNvPr id="22" name="TextBox 30"/>
+          <p:cNvSpPr txBox="1"/>
+          <p:nvPr/>
+        </p:nvSpPr>
+        <p:spPr>
+          <a:xfrm>
+            <a:off x="14234851" y="502920"/>
+            <a:ext cx="3329251" cy="1316837"/>
+          </a:xfrm>
+          <a:prstGeom prst="rect">
+            <a:avLst/>
+          </a:prstGeom>
+        </p:spPr>
+        <p:txBody>
+          <a:bodyPr lIns="50800" tIns="50800" rIns="50800" bIns="50800" rtlCol="0" anchor="ctr"/>
+          <a:lstStyle/>
+          <a:p>
+            <a:pPr algn="ctr">
+              <a:lnSpc>
+                <a:spcPts val="4000"/>
+              </a:lnSpc>
+            </a:pPr>
+            <a:endParaRPr/>
+          </a:p>
+        </p:txBody>
+      </p:sp>
+      <p:sp>
+        <p:nvSpPr>
+          <p:cNvPr id="26" name="TextBox 19"/>
+          <p:cNvSpPr txBox="1"/>
+          <p:nvPr/>
+        </p:nvSpPr>
+        <p:spPr>
+          <a:xfrm>
+            <a:off x="1270000" y="1656632"/>
+            <a:ext cx="6543961" cy="332655"/>
+          </a:xfrm>
+          <a:prstGeom prst="rect">
+            <a:avLst/>
+          </a:prstGeom>
+        </p:spPr>
+        <p:txBody>
+          <a:bodyPr lIns="0" tIns="0" rIns="0" bIns="0" rtlCol="0" anchor="t">
+            <a:spAutoFit/>
+          </a:bodyPr>
+          <a:lstStyle/>
+          <a:p>
+            <a:pPr>
+              <a:lnSpc>
+                <a:spcPts val="2800"/>
+              </a:lnSpc>
+            </a:pPr>
+            <a:r>
+              <a:rPr lang="en-US" altLang="ko-KR" sz="2000" b="1" dirty="0" smtClean="0">
+                <a:latin typeface="+mj-ea"/>
+                <a:ea typeface="+mj-ea"/>
+                <a:cs typeface="Montserrat Bold"/>
+                <a:sym typeface="Montserrat Bold"/>
+              </a:rPr>
+              <a:t>1-3-3. ERD</a:t>
+            </a:r>
+            <a:endParaRPr lang="en-US" altLang="ko-KR" sz="2000" b="1" dirty="0">
+              <a:latin typeface="+mj-ea"/>
+              <a:ea typeface="+mj-ea"/>
+              <a:cs typeface="Montserrat Bold"/>
+              <a:sym typeface="Montserrat Bold"/>
+            </a:endParaRPr>
+          </a:p>
+        </p:txBody>
+      </p:sp>
+      <p:sp>
+        <p:nvSpPr>
+          <p:cNvPr id="27" name="직사각형 26"/>
+          <p:cNvSpPr/>
+          <p:nvPr/>
+        </p:nvSpPr>
+        <p:spPr>
+          <a:xfrm>
+            <a:off x="13629263" y="2781300"/>
+            <a:ext cx="3505200" cy="1295400"/>
+          </a:xfrm>
+          <a:prstGeom prst="rect">
+            <a:avLst/>
+          </a:prstGeom>
+          <a:solidFill>
+            <a:srgbClr val="3B8AFF"/>
+          </a:solidFill>
+          <a:ln>
+            <a:solidFill>
+              <a:schemeClr val="bg1"/>
+            </a:solidFill>
+          </a:ln>
+        </p:spPr>
+        <p:style>
+          <a:lnRef idx="2">
+            <a:schemeClr val="accent1">
+              <a:shade val="50000"/>
+            </a:schemeClr>
+          </a:lnRef>
+          <a:fillRef idx="1">
+            <a:schemeClr val="accent1"/>
+          </a:fillRef>
+          <a:effectRef idx="0">
+            <a:schemeClr val="accent1"/>
+          </a:effectRef>
+          <a:fontRef idx="minor">
+            <a:schemeClr val="lt1"/>
+          </a:fontRef>
+        </p:style>
+        <p:txBody>
+          <a:bodyPr rtlCol="0" anchor="ctr"/>
+          <a:lstStyle/>
+          <a:p>
+            <a:pPr algn="ctr"/>
+            <a:r>
+              <a:rPr lang="en-US" altLang="ko-KR" sz="4800" dirty="0" smtClean="0"/>
+              <a:t>21 Table</a:t>
+            </a:r>
+            <a:endParaRPr lang="ko-KR" altLang="en-US" sz="4800" dirty="0"/>
+          </a:p>
+        </p:txBody>
+      </p:sp>
+      <p:sp>
+        <p:nvSpPr>
+          <p:cNvPr id="28" name="직사각형 27"/>
+          <p:cNvSpPr/>
+          <p:nvPr/>
+        </p:nvSpPr>
+        <p:spPr>
+          <a:xfrm>
+            <a:off x="13629263" y="5143500"/>
+            <a:ext cx="3505200" cy="1295400"/>
+          </a:xfrm>
+          <a:prstGeom prst="rect">
+            <a:avLst/>
+          </a:prstGeom>
+          <a:solidFill>
+            <a:srgbClr val="3B8AFF"/>
+          </a:solidFill>
+          <a:ln>
+            <a:solidFill>
+              <a:schemeClr val="bg1"/>
+            </a:solidFill>
+          </a:ln>
+        </p:spPr>
+        <p:style>
+          <a:lnRef idx="2">
+            <a:schemeClr val="accent1">
+              <a:shade val="50000"/>
+            </a:schemeClr>
+          </a:lnRef>
+          <a:fillRef idx="1">
+            <a:schemeClr val="accent1"/>
+          </a:fillRef>
+          <a:effectRef idx="0">
+            <a:schemeClr val="accent1"/>
+          </a:effectRef>
+          <a:fontRef idx="minor">
+            <a:schemeClr val="lt1"/>
+          </a:fontRef>
+        </p:style>
+        <p:txBody>
+          <a:bodyPr rtlCol="0" anchor="ctr"/>
+          <a:lstStyle/>
+          <a:p>
+            <a:pPr algn="ctr"/>
+            <a:r>
+              <a:rPr lang="ko-KR" altLang="en-US" sz="3200" b="1" dirty="0" smtClean="0"/>
+              <a:t>구매자</a:t>
+            </a:r>
+            <a:r>
+              <a:rPr lang="en-US" altLang="ko-KR" sz="3200" b="1" dirty="0" smtClean="0"/>
+              <a:t>: Member</a:t>
+            </a:r>
+            <a:endParaRPr lang="ko-KR" altLang="en-US" sz="3200" b="1" dirty="0"/>
+          </a:p>
+        </p:txBody>
+      </p:sp>
+      <p:sp>
+        <p:nvSpPr>
+          <p:cNvPr id="29" name="직사각형 28"/>
+          <p:cNvSpPr/>
+          <p:nvPr/>
+        </p:nvSpPr>
+        <p:spPr>
+          <a:xfrm>
+            <a:off x="13629263" y="7368693"/>
+            <a:ext cx="3505200" cy="1295400"/>
+          </a:xfrm>
+          <a:prstGeom prst="rect">
+            <a:avLst/>
+          </a:prstGeom>
+          <a:solidFill>
+            <a:srgbClr val="3B8AFF"/>
+          </a:solidFill>
+          <a:ln>
+            <a:solidFill>
+              <a:schemeClr val="bg1"/>
+            </a:solidFill>
+          </a:ln>
+        </p:spPr>
+        <p:style>
+          <a:lnRef idx="2">
+            <a:schemeClr val="accent1">
+              <a:shade val="50000"/>
+            </a:schemeClr>
+          </a:lnRef>
+          <a:fillRef idx="1">
+            <a:schemeClr val="accent1"/>
+          </a:fillRef>
+          <a:effectRef idx="0">
+            <a:schemeClr val="accent1"/>
+          </a:effectRef>
+          <a:fontRef idx="minor">
+            <a:schemeClr val="lt1"/>
+          </a:fontRef>
+        </p:style>
+        <p:txBody>
+          <a:bodyPr rtlCol="0" anchor="ctr"/>
+          <a:lstStyle/>
+          <a:p>
+            <a:pPr algn="ctr"/>
+            <a:r>
+              <a:rPr lang="ko-KR" altLang="en-US" sz="3200" b="1" dirty="0" smtClean="0"/>
+              <a:t>관리자</a:t>
+            </a:r>
+            <a:r>
+              <a:rPr lang="en-US" altLang="ko-KR" sz="3200" b="1" dirty="0" smtClean="0"/>
+              <a:t>, </a:t>
+            </a:r>
+            <a:r>
+              <a:rPr lang="ko-KR" altLang="en-US" sz="3200" b="1" dirty="0" smtClean="0"/>
+              <a:t>판매자</a:t>
+            </a:r>
+            <a:r>
+              <a:rPr lang="en-US" altLang="ko-KR" sz="3200" b="1" dirty="0" smtClean="0"/>
+              <a:t>: Manager</a:t>
+            </a:r>
+            <a:endParaRPr lang="ko-KR" altLang="en-US" sz="3200" b="1" dirty="0"/>
+          </a:p>
+        </p:txBody>
+      </p:sp>
+      <p:sp>
+        <p:nvSpPr>
+          <p:cNvPr id="12" name="TextBox 4"/>
+          <p:cNvSpPr txBox="1"/>
+          <p:nvPr/>
+        </p:nvSpPr>
+        <p:spPr>
+          <a:xfrm>
+            <a:off x="15381864" y="541020"/>
+            <a:ext cx="2144138" cy="297517"/>
+          </a:xfrm>
+          <a:prstGeom prst="rect">
+            <a:avLst/>
+          </a:prstGeom>
+        </p:spPr>
+        <p:txBody>
+          <a:bodyPr lIns="0" tIns="0" rIns="0" bIns="0" rtlCol="0" anchor="t">
+            <a:spAutoFit/>
+          </a:bodyPr>
+          <a:lstStyle/>
+          <a:p>
+            <a:pPr algn="r">
+              <a:lnSpc>
+                <a:spcPts val="2520"/>
+              </a:lnSpc>
+            </a:pPr>
+            <a:r>
+              <a:rPr lang="en-US" b="1" dirty="0" smtClean="0">
+                <a:solidFill>
+                  <a:srgbClr val="3B8AFF"/>
+                </a:solidFill>
+                <a:latin typeface="Montserrat Bold"/>
+                <a:ea typeface="Montserrat Bold"/>
+                <a:cs typeface="Montserrat Bold"/>
+                <a:sym typeface="Montserrat Bold"/>
+              </a:rPr>
+              <a:t>Bravo My Life</a:t>
+            </a:r>
+            <a:endParaRPr lang="en-US" sz="1800" b="1" dirty="0">
+              <a:solidFill>
+                <a:srgbClr val="3B8AFF"/>
+              </a:solidFill>
+              <a:latin typeface="Montserrat Bold"/>
+              <a:ea typeface="Montserrat Bold"/>
+              <a:cs typeface="Montserrat Bold"/>
+              <a:sym typeface="Montserrat Bold"/>
+            </a:endParaRPr>
+          </a:p>
+        </p:txBody>
+      </p:sp>
+    </p:spTree>
+    <p:extLst>
+      <p:ext uri="{BB962C8B-B14F-4D97-AF65-F5344CB8AC3E}">
+        <p14:creationId xmlns:p14="http://schemas.microsoft.com/office/powerpoint/2010/main" val="3710381535"/>
+      </p:ext>
+    </p:extLst>
+  </p:cSld>
+  <p:clrMapOvr>
+    <a:masterClrMapping/>
+  </p:clrMapOvr>
+  <p:timing>
+    <p:tnLst>
+      <p:par>
+        <p:cTn id="1" dur="indefinite" restart="never" nodeType="tmRoot"/>
+      </p:par>
+    </p:tnLst>
+  </p:timing>
+</p:sld>
+</file>
+
+<file path=ppt/slides/slide11.xml><?xml version="1.0" encoding="utf-8"?>
+<p:sld xmlns:a="http://schemas.openxmlformats.org/drawingml/2006/main" xmlns:r="http://schemas.openxmlformats.org/officeDocument/2006/relationships" xmlns:p="http://schemas.openxmlformats.org/presentationml/2006/main">
+  <p:cSld>
+    <p:spTree>
+      <p:nvGrpSpPr>
+        <p:cNvPr id="1" name=""/>
+        <p:cNvGrpSpPr/>
+        <p:nvPr/>
+      </p:nvGrpSpPr>
+      <p:grpSpPr>
+        <a:xfrm>
+          <a:off x="0" y="0"/>
+          <a:ext cx="0" cy="0"/>
+          <a:chOff x="0" y="0"/>
+          <a:chExt cx="0" cy="0"/>
+        </a:xfrm>
+      </p:grpSpPr>
+      <p:pic>
+        <p:nvPicPr>
           <p:cNvPr id="12" name="그림 11"/>
           <p:cNvPicPr>
             <a:picLocks noChangeAspect="1"/>
@@ -4817,7 +5292,7 @@
 </p:sld>
 </file>
 
-<file path=ppt/slides/slide11.xml><?xml version="1.0" encoding="utf-8"?>
+<file path=ppt/slides/slide12.xml><?xml version="1.0" encoding="utf-8"?>
 <p:sld xmlns:a="http://schemas.openxmlformats.org/drawingml/2006/main" xmlns:r="http://schemas.openxmlformats.org/officeDocument/2006/relationships" xmlns:p="http://schemas.openxmlformats.org/presentationml/2006/main">
   <p:cSld>
     <p:spTree>
@@ -5375,7 +5850,7 @@
 </p:sld>
 </file>
 
-<file path=ppt/slides/slide12.xml><?xml version="1.0" encoding="utf-8"?>
+<file path=ppt/slides/slide13.xml><?xml version="1.0" encoding="utf-8"?>
 <p:sld xmlns:a="http://schemas.openxmlformats.org/drawingml/2006/main" xmlns:r="http://schemas.openxmlformats.org/officeDocument/2006/relationships" xmlns:p="http://schemas.openxmlformats.org/presentationml/2006/main">
   <p:cSld>
     <p:spTree>
@@ -12628,7 +13103,7 @@
 </p:sld>
 </file>
 
-<file path=ppt/slides/slide13.xml><?xml version="1.0" encoding="utf-8"?>
+<file path=ppt/slides/slide14.xml><?xml version="1.0" encoding="utf-8"?>
 <p:sld xmlns:a="http://schemas.openxmlformats.org/drawingml/2006/main" xmlns:r="http://schemas.openxmlformats.org/officeDocument/2006/relationships" xmlns:p="http://schemas.openxmlformats.org/presentationml/2006/main">
   <p:cSld>
     <p:spTree>
@@ -22723,7 +23198,7 @@
 </p:sld>
 </file>
 
-<file path=ppt/slides/slide14.xml><?xml version="1.0" encoding="utf-8"?>
+<file path=ppt/slides/slide15.xml><?xml version="1.0" encoding="utf-8"?>
 <p:sld xmlns:a="http://schemas.openxmlformats.org/drawingml/2006/main" xmlns:r="http://schemas.openxmlformats.org/officeDocument/2006/relationships" xmlns:p="http://schemas.openxmlformats.org/presentationml/2006/main">
   <p:cSld>
     <p:spTree>
@@ -23281,7 +23756,7 @@
 </p:sld>
 </file>
 
-<file path=ppt/slides/slide15.xml><?xml version="1.0" encoding="utf-8"?>
+<file path=ppt/slides/slide16.xml><?xml version="1.0" encoding="utf-8"?>
 <p:sld xmlns:a="http://schemas.openxmlformats.org/drawingml/2006/main" xmlns:r="http://schemas.openxmlformats.org/officeDocument/2006/relationships" xmlns:p="http://schemas.openxmlformats.org/presentationml/2006/main">
   <p:cSld>
     <p:spTree>
@@ -23576,7 +24051,7 @@
 </p:sld>
 </file>
 
-<file path=ppt/slides/slide16.xml><?xml version="1.0" encoding="utf-8"?>
+<file path=ppt/slides/slide17.xml><?xml version="1.0" encoding="utf-8"?>
 <p:sld xmlns:a="http://schemas.openxmlformats.org/drawingml/2006/main" xmlns:r="http://schemas.openxmlformats.org/officeDocument/2006/relationships" xmlns:p="http://schemas.openxmlformats.org/presentationml/2006/main">
   <p:cSld>
     <p:spTree>
@@ -24134,7 +24609,7 @@
 </p:sld>
 </file>
 
-<file path=ppt/slides/slide17.xml><?xml version="1.0" encoding="utf-8"?>
+<file path=ppt/slides/slide18.xml><?xml version="1.0" encoding="utf-8"?>
 <p:sld xmlns:a="http://schemas.openxmlformats.org/drawingml/2006/main" xmlns:r="http://schemas.openxmlformats.org/officeDocument/2006/relationships" xmlns:p="http://schemas.openxmlformats.org/presentationml/2006/main">
   <p:cSld>
     <p:spTree>
@@ -24423,7 +24898,7 @@
 </p:sld>
 </file>
 
-<file path=ppt/slides/slide18.xml><?xml version="1.0" encoding="utf-8"?>
+<file path=ppt/slides/slide19.xml><?xml version="1.0" encoding="utf-8"?>
 <p:sld xmlns:a="http://schemas.openxmlformats.org/drawingml/2006/main" xmlns:r="http://schemas.openxmlformats.org/officeDocument/2006/relationships" xmlns:p="http://schemas.openxmlformats.org/presentationml/2006/main">
   <p:cSld>
     <p:spTree>
@@ -24720,295 +25195,6 @@
     <p:extLst>
       <p:ext uri="{BB962C8B-B14F-4D97-AF65-F5344CB8AC3E}">
         <p14:creationId xmlns:p14="http://schemas.microsoft.com/office/powerpoint/2010/main" val="2263351590"/>
-      </p:ext>
-    </p:extLst>
-  </p:cSld>
-  <p:clrMapOvr>
-    <a:masterClrMapping/>
-  </p:clrMapOvr>
-  <p:timing>
-    <p:tnLst>
-      <p:par>
-        <p:cTn id="1" dur="indefinite" restart="never" nodeType="tmRoot"/>
-      </p:par>
-    </p:tnLst>
-  </p:timing>
-</p:sld>
-</file>
-
-<file path=ppt/slides/slide19.xml><?xml version="1.0" encoding="utf-8"?>
-<p:sld xmlns:a="http://schemas.openxmlformats.org/drawingml/2006/main" xmlns:r="http://schemas.openxmlformats.org/officeDocument/2006/relationships" xmlns:p="http://schemas.openxmlformats.org/presentationml/2006/main">
-  <p:cSld>
-    <p:spTree>
-      <p:nvGrpSpPr>
-        <p:cNvPr id="1" name=""/>
-        <p:cNvGrpSpPr/>
-        <p:nvPr/>
-      </p:nvGrpSpPr>
-      <p:grpSpPr>
-        <a:xfrm>
-          <a:off x="0" y="0"/>
-          <a:ext cx="0" cy="0"/>
-          <a:chOff x="0" y="0"/>
-          <a:chExt cx="0" cy="0"/>
-        </a:xfrm>
-      </p:grpSpPr>
-      <p:pic>
-        <p:nvPicPr>
-          <p:cNvPr id="10" name="그림 9"/>
-          <p:cNvPicPr>
-            <a:picLocks noChangeAspect="1"/>
-          </p:cNvPicPr>
-          <p:nvPr/>
-        </p:nvPicPr>
-        <p:blipFill>
-          <a:blip r:embed="rId2"/>
-          <a:stretch>
-            <a:fillRect/>
-          </a:stretch>
-        </p:blipFill>
-        <p:spPr>
-          <a:xfrm>
-            <a:off x="15163800" y="416861"/>
-            <a:ext cx="816084" cy="621422"/>
-          </a:xfrm>
-          <a:prstGeom prst="rect">
-            <a:avLst/>
-          </a:prstGeom>
-        </p:spPr>
-      </p:pic>
-      <p:grpSp>
-        <p:nvGrpSpPr>
-          <p:cNvPr id="4" name="Group 4"/>
-          <p:cNvGrpSpPr/>
-          <p:nvPr/>
-        </p:nvGrpSpPr>
-        <p:grpSpPr>
-          <a:xfrm>
-            <a:off x="762000" y="541020"/>
-            <a:ext cx="16764000" cy="506730"/>
-            <a:chOff x="0" y="-38100"/>
-            <a:chExt cx="22352000" cy="675640"/>
-          </a:xfrm>
-        </p:grpSpPr>
-        <p:sp>
-          <p:nvSpPr>
-            <p:cNvPr id="5" name="AutoShape 5"/>
-            <p:cNvSpPr/>
-            <p:nvPr/>
-          </p:nvSpPr>
-          <p:spPr>
-            <a:xfrm>
-              <a:off x="0" y="637540"/>
-              <a:ext cx="22352000" cy="0"/>
-            </a:xfrm>
-            <a:prstGeom prst="line">
-              <a:avLst/>
-            </a:prstGeom>
-            <a:ln w="38100" cap="rnd">
-              <a:solidFill>
-                <a:srgbClr val="3B8AFF"/>
-              </a:solidFill>
-              <a:prstDash val="solid"/>
-              <a:headEnd type="none" w="sm" len="sm"/>
-              <a:tailEnd type="none" w="sm" len="sm"/>
-            </a:ln>
-          </p:spPr>
-        </p:sp>
-        <p:sp>
-          <p:nvSpPr>
-            <p:cNvPr id="7" name="TextBox 7"/>
-            <p:cNvSpPr txBox="1"/>
-            <p:nvPr/>
-          </p:nvSpPr>
-          <p:spPr>
-            <a:xfrm>
-              <a:off x="0" y="-38100"/>
-              <a:ext cx="5080000" cy="427468"/>
-            </a:xfrm>
-            <a:prstGeom prst="rect">
-              <a:avLst/>
-            </a:prstGeom>
-          </p:spPr>
-          <p:txBody>
-            <a:bodyPr wrap="square" lIns="0" tIns="0" rIns="0" bIns="0" rtlCol="0" anchor="t">
-              <a:spAutoFit/>
-            </a:bodyPr>
-            <a:lstStyle/>
-            <a:p>
-              <a:pPr algn="just">
-                <a:lnSpc>
-                  <a:spcPts val="2520"/>
-                </a:lnSpc>
-              </a:pPr>
-              <a:r>
-                <a:rPr lang="en-US" altLang="ko-KR" b="1" dirty="0">
-                  <a:latin typeface="+mj-ea"/>
-                  <a:ea typeface="+mj-ea"/>
-                  <a:cs typeface="Montserrat Bold"/>
-                  <a:sym typeface="Montserrat Bold"/>
-                </a:rPr>
-                <a:t>4</a:t>
-              </a:r>
-              <a:r>
-                <a:rPr lang="en-US" altLang="ko-KR" b="1" dirty="0" smtClean="0">
-                  <a:latin typeface="+mj-ea"/>
-                  <a:ea typeface="+mj-ea"/>
-                  <a:cs typeface="Montserrat Bold"/>
-                  <a:sym typeface="Montserrat Bold"/>
-                </a:rPr>
-                <a:t>. </a:t>
-              </a:r>
-              <a:r>
-                <a:rPr lang="ko-KR" altLang="en-US" b="1" dirty="0" smtClean="0">
-                  <a:latin typeface="+mj-ea"/>
-                  <a:ea typeface="+mj-ea"/>
-                  <a:cs typeface="Montserrat Bold"/>
-                  <a:sym typeface="Montserrat Bold"/>
-                </a:rPr>
-                <a:t>프로젝트 수행 결과</a:t>
-              </a:r>
-              <a:endParaRPr lang="en-US" sz="1800" b="1" dirty="0">
-                <a:latin typeface="+mj-ea"/>
-                <a:ea typeface="+mj-ea"/>
-                <a:cs typeface="Montserrat Bold"/>
-                <a:sym typeface="Montserrat Bold"/>
-              </a:endParaRPr>
-            </a:p>
-          </p:txBody>
-        </p:sp>
-      </p:grpSp>
-      <p:sp>
-        <p:nvSpPr>
-          <p:cNvPr id="69" name="TextBox 19"/>
-          <p:cNvSpPr txBox="1"/>
-          <p:nvPr/>
-        </p:nvSpPr>
-        <p:spPr>
-          <a:xfrm>
-            <a:off x="1304639" y="1656632"/>
-            <a:ext cx="6543961" cy="359073"/>
-          </a:xfrm>
-          <a:prstGeom prst="rect">
-            <a:avLst/>
-          </a:prstGeom>
-        </p:spPr>
-        <p:txBody>
-          <a:bodyPr lIns="0" tIns="0" rIns="0" bIns="0" rtlCol="0" anchor="t">
-            <a:spAutoFit/>
-          </a:bodyPr>
-          <a:lstStyle/>
-          <a:p>
-            <a:pPr algn="l">
-              <a:lnSpc>
-                <a:spcPts val="2800"/>
-              </a:lnSpc>
-            </a:pPr>
-            <a:r>
-              <a:rPr lang="en-US" sz="2000" b="1" dirty="0" smtClean="0">
-                <a:latin typeface="+mj-ea"/>
-                <a:ea typeface="+mj-ea"/>
-                <a:cs typeface="Montserrat Bold"/>
-                <a:sym typeface="Montserrat Bold"/>
-              </a:rPr>
-              <a:t>4-3. </a:t>
-            </a:r>
-            <a:r>
-              <a:rPr lang="ko-KR" altLang="en-US" sz="2000" b="1" dirty="0" smtClean="0">
-                <a:latin typeface="+mj-ea"/>
-                <a:ea typeface="+mj-ea"/>
-                <a:cs typeface="Montserrat Bold"/>
-                <a:sym typeface="Montserrat Bold"/>
-              </a:rPr>
-              <a:t>회원 아이디 찾기</a:t>
-            </a:r>
-            <a:endParaRPr lang="en-US" sz="2000" b="1" dirty="0">
-              <a:latin typeface="+mj-ea"/>
-              <a:ea typeface="+mj-ea"/>
-              <a:cs typeface="Montserrat Bold"/>
-              <a:sym typeface="Montserrat Bold"/>
-            </a:endParaRPr>
-          </a:p>
-        </p:txBody>
-      </p:sp>
-      <p:sp>
-        <p:nvSpPr>
-          <p:cNvPr id="9" name="TextBox 4"/>
-          <p:cNvSpPr txBox="1"/>
-          <p:nvPr/>
-        </p:nvSpPr>
-        <p:spPr>
-          <a:xfrm>
-            <a:off x="15381864" y="541020"/>
-            <a:ext cx="2144138" cy="297517"/>
-          </a:xfrm>
-          <a:prstGeom prst="rect">
-            <a:avLst/>
-          </a:prstGeom>
-        </p:spPr>
-        <p:txBody>
-          <a:bodyPr lIns="0" tIns="0" rIns="0" bIns="0" rtlCol="0" anchor="t">
-            <a:spAutoFit/>
-          </a:bodyPr>
-          <a:lstStyle/>
-          <a:p>
-            <a:pPr algn="r">
-              <a:lnSpc>
-                <a:spcPts val="2520"/>
-              </a:lnSpc>
-            </a:pPr>
-            <a:r>
-              <a:rPr lang="en-US" b="1" dirty="0" smtClean="0">
-                <a:solidFill>
-                  <a:srgbClr val="3B8AFF"/>
-                </a:solidFill>
-                <a:latin typeface="Montserrat Bold"/>
-                <a:ea typeface="Montserrat Bold"/>
-                <a:cs typeface="Montserrat Bold"/>
-                <a:sym typeface="Montserrat Bold"/>
-              </a:rPr>
-              <a:t>Bravo My Life</a:t>
-            </a:r>
-            <a:endParaRPr lang="en-US" sz="1800" b="1" dirty="0">
-              <a:solidFill>
-                <a:srgbClr val="3B8AFF"/>
-              </a:solidFill>
-              <a:latin typeface="Montserrat Bold"/>
-              <a:ea typeface="Montserrat Bold"/>
-              <a:cs typeface="Montserrat Bold"/>
-              <a:sym typeface="Montserrat Bold"/>
-            </a:endParaRPr>
-          </a:p>
-        </p:txBody>
-      </p:sp>
-      <p:pic>
-        <p:nvPicPr>
-          <p:cNvPr id="2" name="그림 1"/>
-          <p:cNvPicPr>
-            <a:picLocks noChangeAspect="1"/>
-          </p:cNvPicPr>
-          <p:nvPr/>
-        </p:nvPicPr>
-        <p:blipFill>
-          <a:blip r:embed="rId3"/>
-          <a:stretch>
-            <a:fillRect/>
-          </a:stretch>
-        </p:blipFill>
-        <p:spPr>
-          <a:xfrm>
-            <a:off x="1066800" y="2633459"/>
-            <a:ext cx="5496692" cy="6001588"/>
-          </a:xfrm>
-          <a:prstGeom prst="rect">
-            <a:avLst/>
-          </a:prstGeom>
-        </p:spPr>
-      </p:pic>
-    </p:spTree>
-    <p:extLst>
-      <p:ext uri="{BB962C8B-B14F-4D97-AF65-F5344CB8AC3E}">
-        <p14:creationId xmlns:p14="http://schemas.microsoft.com/office/powerpoint/2010/main" val="3152103844"/>
       </p:ext>
     </p:extLst>
   </p:cSld>
@@ -26493,6 +26679,295 @@
                 <a:cs typeface="Montserrat Bold"/>
                 <a:sym typeface="Montserrat Bold"/>
               </a:rPr>
+              <a:t>4-3. </a:t>
+            </a:r>
+            <a:r>
+              <a:rPr lang="ko-KR" altLang="en-US" sz="2000" b="1" dirty="0" smtClean="0">
+                <a:latin typeface="+mj-ea"/>
+                <a:ea typeface="+mj-ea"/>
+                <a:cs typeface="Montserrat Bold"/>
+                <a:sym typeface="Montserrat Bold"/>
+              </a:rPr>
+              <a:t>회원 아이디 찾기</a:t>
+            </a:r>
+            <a:endParaRPr lang="en-US" sz="2000" b="1" dirty="0">
+              <a:latin typeface="+mj-ea"/>
+              <a:ea typeface="+mj-ea"/>
+              <a:cs typeface="Montserrat Bold"/>
+              <a:sym typeface="Montserrat Bold"/>
+            </a:endParaRPr>
+          </a:p>
+        </p:txBody>
+      </p:sp>
+      <p:sp>
+        <p:nvSpPr>
+          <p:cNvPr id="9" name="TextBox 4"/>
+          <p:cNvSpPr txBox="1"/>
+          <p:nvPr/>
+        </p:nvSpPr>
+        <p:spPr>
+          <a:xfrm>
+            <a:off x="15381864" y="541020"/>
+            <a:ext cx="2144138" cy="297517"/>
+          </a:xfrm>
+          <a:prstGeom prst="rect">
+            <a:avLst/>
+          </a:prstGeom>
+        </p:spPr>
+        <p:txBody>
+          <a:bodyPr lIns="0" tIns="0" rIns="0" bIns="0" rtlCol="0" anchor="t">
+            <a:spAutoFit/>
+          </a:bodyPr>
+          <a:lstStyle/>
+          <a:p>
+            <a:pPr algn="r">
+              <a:lnSpc>
+                <a:spcPts val="2520"/>
+              </a:lnSpc>
+            </a:pPr>
+            <a:r>
+              <a:rPr lang="en-US" b="1" dirty="0" smtClean="0">
+                <a:solidFill>
+                  <a:srgbClr val="3B8AFF"/>
+                </a:solidFill>
+                <a:latin typeface="Montserrat Bold"/>
+                <a:ea typeface="Montserrat Bold"/>
+                <a:cs typeface="Montserrat Bold"/>
+                <a:sym typeface="Montserrat Bold"/>
+              </a:rPr>
+              <a:t>Bravo My Life</a:t>
+            </a:r>
+            <a:endParaRPr lang="en-US" sz="1800" b="1" dirty="0">
+              <a:solidFill>
+                <a:srgbClr val="3B8AFF"/>
+              </a:solidFill>
+              <a:latin typeface="Montserrat Bold"/>
+              <a:ea typeface="Montserrat Bold"/>
+              <a:cs typeface="Montserrat Bold"/>
+              <a:sym typeface="Montserrat Bold"/>
+            </a:endParaRPr>
+          </a:p>
+        </p:txBody>
+      </p:sp>
+      <p:pic>
+        <p:nvPicPr>
+          <p:cNvPr id="2" name="그림 1"/>
+          <p:cNvPicPr>
+            <a:picLocks noChangeAspect="1"/>
+          </p:cNvPicPr>
+          <p:nvPr/>
+        </p:nvPicPr>
+        <p:blipFill>
+          <a:blip r:embed="rId3"/>
+          <a:stretch>
+            <a:fillRect/>
+          </a:stretch>
+        </p:blipFill>
+        <p:spPr>
+          <a:xfrm>
+            <a:off x="1066800" y="2633459"/>
+            <a:ext cx="5496692" cy="6001588"/>
+          </a:xfrm>
+          <a:prstGeom prst="rect">
+            <a:avLst/>
+          </a:prstGeom>
+        </p:spPr>
+      </p:pic>
+    </p:spTree>
+    <p:extLst>
+      <p:ext uri="{BB962C8B-B14F-4D97-AF65-F5344CB8AC3E}">
+        <p14:creationId xmlns:p14="http://schemas.microsoft.com/office/powerpoint/2010/main" val="3152103844"/>
+      </p:ext>
+    </p:extLst>
+  </p:cSld>
+  <p:clrMapOvr>
+    <a:masterClrMapping/>
+  </p:clrMapOvr>
+  <p:timing>
+    <p:tnLst>
+      <p:par>
+        <p:cTn id="1" dur="indefinite" restart="never" nodeType="tmRoot"/>
+      </p:par>
+    </p:tnLst>
+  </p:timing>
+</p:sld>
+</file>
+
+<file path=ppt/slides/slide21.xml><?xml version="1.0" encoding="utf-8"?>
+<p:sld xmlns:a="http://schemas.openxmlformats.org/drawingml/2006/main" xmlns:r="http://schemas.openxmlformats.org/officeDocument/2006/relationships" xmlns:p="http://schemas.openxmlformats.org/presentationml/2006/main">
+  <p:cSld>
+    <p:spTree>
+      <p:nvGrpSpPr>
+        <p:cNvPr id="1" name=""/>
+        <p:cNvGrpSpPr/>
+        <p:nvPr/>
+      </p:nvGrpSpPr>
+      <p:grpSpPr>
+        <a:xfrm>
+          <a:off x="0" y="0"/>
+          <a:ext cx="0" cy="0"/>
+          <a:chOff x="0" y="0"/>
+          <a:chExt cx="0" cy="0"/>
+        </a:xfrm>
+      </p:grpSpPr>
+      <p:pic>
+        <p:nvPicPr>
+          <p:cNvPr id="10" name="그림 9"/>
+          <p:cNvPicPr>
+            <a:picLocks noChangeAspect="1"/>
+          </p:cNvPicPr>
+          <p:nvPr/>
+        </p:nvPicPr>
+        <p:blipFill>
+          <a:blip r:embed="rId2"/>
+          <a:stretch>
+            <a:fillRect/>
+          </a:stretch>
+        </p:blipFill>
+        <p:spPr>
+          <a:xfrm>
+            <a:off x="15163800" y="416861"/>
+            <a:ext cx="816084" cy="621422"/>
+          </a:xfrm>
+          <a:prstGeom prst="rect">
+            <a:avLst/>
+          </a:prstGeom>
+        </p:spPr>
+      </p:pic>
+      <p:grpSp>
+        <p:nvGrpSpPr>
+          <p:cNvPr id="4" name="Group 4"/>
+          <p:cNvGrpSpPr/>
+          <p:nvPr/>
+        </p:nvGrpSpPr>
+        <p:grpSpPr>
+          <a:xfrm>
+            <a:off x="762000" y="541020"/>
+            <a:ext cx="16764000" cy="506730"/>
+            <a:chOff x="0" y="-38100"/>
+            <a:chExt cx="22352000" cy="675640"/>
+          </a:xfrm>
+        </p:grpSpPr>
+        <p:sp>
+          <p:nvSpPr>
+            <p:cNvPr id="5" name="AutoShape 5"/>
+            <p:cNvSpPr/>
+            <p:nvPr/>
+          </p:nvSpPr>
+          <p:spPr>
+            <a:xfrm>
+              <a:off x="0" y="637540"/>
+              <a:ext cx="22352000" cy="0"/>
+            </a:xfrm>
+            <a:prstGeom prst="line">
+              <a:avLst/>
+            </a:prstGeom>
+            <a:ln w="38100" cap="rnd">
+              <a:solidFill>
+                <a:srgbClr val="3B8AFF"/>
+              </a:solidFill>
+              <a:prstDash val="solid"/>
+              <a:headEnd type="none" w="sm" len="sm"/>
+              <a:tailEnd type="none" w="sm" len="sm"/>
+            </a:ln>
+          </p:spPr>
+        </p:sp>
+        <p:sp>
+          <p:nvSpPr>
+            <p:cNvPr id="7" name="TextBox 7"/>
+            <p:cNvSpPr txBox="1"/>
+            <p:nvPr/>
+          </p:nvSpPr>
+          <p:spPr>
+            <a:xfrm>
+              <a:off x="0" y="-38100"/>
+              <a:ext cx="5080000" cy="427468"/>
+            </a:xfrm>
+            <a:prstGeom prst="rect">
+              <a:avLst/>
+            </a:prstGeom>
+          </p:spPr>
+          <p:txBody>
+            <a:bodyPr wrap="square" lIns="0" tIns="0" rIns="0" bIns="0" rtlCol="0" anchor="t">
+              <a:spAutoFit/>
+            </a:bodyPr>
+            <a:lstStyle/>
+            <a:p>
+              <a:pPr algn="just">
+                <a:lnSpc>
+                  <a:spcPts val="2520"/>
+                </a:lnSpc>
+              </a:pPr>
+              <a:r>
+                <a:rPr lang="en-US" altLang="ko-KR" b="1" dirty="0">
+                  <a:latin typeface="+mj-ea"/>
+                  <a:ea typeface="+mj-ea"/>
+                  <a:cs typeface="Montserrat Bold"/>
+                  <a:sym typeface="Montserrat Bold"/>
+                </a:rPr>
+                <a:t>4</a:t>
+              </a:r>
+              <a:r>
+                <a:rPr lang="en-US" altLang="ko-KR" b="1" dirty="0" smtClean="0">
+                  <a:latin typeface="+mj-ea"/>
+                  <a:ea typeface="+mj-ea"/>
+                  <a:cs typeface="Montserrat Bold"/>
+                  <a:sym typeface="Montserrat Bold"/>
+                </a:rPr>
+                <a:t>. </a:t>
+              </a:r>
+              <a:r>
+                <a:rPr lang="ko-KR" altLang="en-US" b="1" dirty="0" smtClean="0">
+                  <a:latin typeface="+mj-ea"/>
+                  <a:ea typeface="+mj-ea"/>
+                  <a:cs typeface="Montserrat Bold"/>
+                  <a:sym typeface="Montserrat Bold"/>
+                </a:rPr>
+                <a:t>프로젝트 수행 결과</a:t>
+              </a:r>
+              <a:endParaRPr lang="en-US" sz="1800" b="1" dirty="0">
+                <a:latin typeface="+mj-ea"/>
+                <a:ea typeface="+mj-ea"/>
+                <a:cs typeface="Montserrat Bold"/>
+                <a:sym typeface="Montserrat Bold"/>
+              </a:endParaRPr>
+            </a:p>
+          </p:txBody>
+        </p:sp>
+      </p:grpSp>
+      <p:sp>
+        <p:nvSpPr>
+          <p:cNvPr id="69" name="TextBox 19"/>
+          <p:cNvSpPr txBox="1"/>
+          <p:nvPr/>
+        </p:nvSpPr>
+        <p:spPr>
+          <a:xfrm>
+            <a:off x="1304639" y="1656632"/>
+            <a:ext cx="6543961" cy="359073"/>
+          </a:xfrm>
+          <a:prstGeom prst="rect">
+            <a:avLst/>
+          </a:prstGeom>
+        </p:spPr>
+        <p:txBody>
+          <a:bodyPr lIns="0" tIns="0" rIns="0" bIns="0" rtlCol="0" anchor="t">
+            <a:spAutoFit/>
+          </a:bodyPr>
+          <a:lstStyle/>
+          <a:p>
+            <a:pPr algn="l">
+              <a:lnSpc>
+                <a:spcPts val="2800"/>
+              </a:lnSpc>
+            </a:pPr>
+            <a:r>
+              <a:rPr lang="en-US" sz="2000" b="1" dirty="0" smtClean="0">
+                <a:latin typeface="+mj-ea"/>
+                <a:ea typeface="+mj-ea"/>
+                <a:cs typeface="Montserrat Bold"/>
+                <a:sym typeface="Montserrat Bold"/>
+              </a:rPr>
               <a:t>4-4. </a:t>
             </a:r>
             <a:r>
@@ -26607,7 +27082,7 @@
 </p:sld>
 </file>
 
-<file path=ppt/slides/slide21.xml><?xml version="1.0" encoding="utf-8"?>
+<file path=ppt/slides/slide22.xml><?xml version="1.0" encoding="utf-8"?>
 <p:sld xmlns:a="http://schemas.openxmlformats.org/drawingml/2006/main" xmlns:r="http://schemas.openxmlformats.org/officeDocument/2006/relationships" xmlns:p="http://schemas.openxmlformats.org/presentationml/2006/main">
   <p:cSld>
     <p:spTree>
@@ -27173,7 +27648,7 @@
 </p:sld>
 </file>
 
-<file path=ppt/slides/slide22.xml><?xml version="1.0" encoding="utf-8"?>
+<file path=ppt/slides/slide23.xml><?xml version="1.0" encoding="utf-8"?>
 <p:sld xmlns:a="http://schemas.openxmlformats.org/drawingml/2006/main" xmlns:r="http://schemas.openxmlformats.org/officeDocument/2006/relationships" xmlns:p="http://schemas.openxmlformats.org/presentationml/2006/main">
   <p:cSld>
     <p:bg>
@@ -28127,6 +28602,523 @@
           </p:spPr>
         </p:sp>
       </p:grpSp>
+      <p:sp>
+        <p:nvSpPr>
+          <p:cNvPr id="22" name="TextBox 19"/>
+          <p:cNvSpPr txBox="1"/>
+          <p:nvPr/>
+        </p:nvSpPr>
+        <p:spPr>
+          <a:xfrm>
+            <a:off x="1270000" y="1656632"/>
+            <a:ext cx="6543961" cy="328808"/>
+          </a:xfrm>
+          <a:prstGeom prst="rect">
+            <a:avLst/>
+          </a:prstGeom>
+        </p:spPr>
+        <p:txBody>
+          <a:bodyPr lIns="0" tIns="0" rIns="0" bIns="0" rtlCol="0" anchor="t">
+            <a:spAutoFit/>
+          </a:bodyPr>
+          <a:lstStyle/>
+          <a:p>
+            <a:pPr algn="l">
+              <a:lnSpc>
+                <a:spcPts val="2800"/>
+              </a:lnSpc>
+            </a:pPr>
+            <a:r>
+              <a:rPr lang="en-US" altLang="ko-KR" sz="2000" b="1" dirty="0" smtClean="0">
+                <a:latin typeface="+mj-ea"/>
+                <a:ea typeface="+mj-ea"/>
+                <a:cs typeface="Montserrat Bold"/>
+                <a:sym typeface="Montserrat Bold"/>
+              </a:rPr>
+              <a:t>1-1. </a:t>
+            </a:r>
+            <a:r>
+              <a:rPr lang="ko-KR" altLang="en-US" sz="2000" b="1" dirty="0" smtClean="0">
+                <a:latin typeface="+mj-ea"/>
+                <a:ea typeface="+mj-ea"/>
+                <a:cs typeface="Montserrat Bold"/>
+                <a:sym typeface="Montserrat Bold"/>
+              </a:rPr>
+              <a:t>프로젝트 주제 및 선정 배경</a:t>
+            </a:r>
+            <a:r>
+              <a:rPr lang="en-US" altLang="ko-KR" sz="2000" b="1" dirty="0" smtClean="0">
+                <a:latin typeface="+mj-ea"/>
+                <a:ea typeface="+mj-ea"/>
+                <a:cs typeface="Montserrat Bold"/>
+                <a:sym typeface="Montserrat Bold"/>
+              </a:rPr>
+              <a:t>, </a:t>
+            </a:r>
+            <a:r>
+              <a:rPr lang="ko-KR" altLang="en-US" sz="2000" b="1" dirty="0" smtClean="0">
+                <a:latin typeface="+mj-ea"/>
+                <a:ea typeface="+mj-ea"/>
+                <a:cs typeface="Montserrat Bold"/>
+                <a:sym typeface="Montserrat Bold"/>
+              </a:rPr>
+              <a:t>기획 의도</a:t>
+            </a:r>
+            <a:endParaRPr lang="en-US" sz="2000" b="1" dirty="0">
+              <a:latin typeface="+mj-ea"/>
+              <a:ea typeface="+mj-ea"/>
+              <a:cs typeface="Montserrat Bold"/>
+              <a:sym typeface="Montserrat Bold"/>
+            </a:endParaRPr>
+          </a:p>
+        </p:txBody>
+      </p:sp>
+      <p:sp>
+        <p:nvSpPr>
+          <p:cNvPr id="24" name="TextBox 4"/>
+          <p:cNvSpPr txBox="1"/>
+          <p:nvPr/>
+        </p:nvSpPr>
+        <p:spPr>
+          <a:xfrm>
+            <a:off x="15381864" y="541020"/>
+            <a:ext cx="2144138" cy="297517"/>
+          </a:xfrm>
+          <a:prstGeom prst="rect">
+            <a:avLst/>
+          </a:prstGeom>
+        </p:spPr>
+        <p:txBody>
+          <a:bodyPr lIns="0" tIns="0" rIns="0" bIns="0" rtlCol="0" anchor="t">
+            <a:spAutoFit/>
+          </a:bodyPr>
+          <a:lstStyle/>
+          <a:p>
+            <a:pPr algn="r">
+              <a:lnSpc>
+                <a:spcPts val="2520"/>
+              </a:lnSpc>
+            </a:pPr>
+            <a:r>
+              <a:rPr lang="en-US" b="1" dirty="0" smtClean="0">
+                <a:solidFill>
+                  <a:srgbClr val="3B8AFF"/>
+                </a:solidFill>
+                <a:latin typeface="Montserrat Bold"/>
+                <a:ea typeface="Montserrat Bold"/>
+                <a:cs typeface="Montserrat Bold"/>
+                <a:sym typeface="Montserrat Bold"/>
+              </a:rPr>
+              <a:t>Bravo My Life</a:t>
+            </a:r>
+            <a:endParaRPr lang="en-US" sz="1800" b="1" dirty="0">
+              <a:solidFill>
+                <a:srgbClr val="3B8AFF"/>
+              </a:solidFill>
+              <a:latin typeface="Montserrat Bold"/>
+              <a:ea typeface="Montserrat Bold"/>
+              <a:cs typeface="Montserrat Bold"/>
+              <a:sym typeface="Montserrat Bold"/>
+            </a:endParaRPr>
+          </a:p>
+        </p:txBody>
+      </p:sp>
+      <p:sp>
+        <p:nvSpPr>
+          <p:cNvPr id="2" name="TextBox 1"/>
+          <p:cNvSpPr txBox="1"/>
+          <p:nvPr/>
+        </p:nvSpPr>
+        <p:spPr>
+          <a:xfrm>
+            <a:off x="1524000" y="3086100"/>
+            <a:ext cx="13182600" cy="3693319"/>
+          </a:xfrm>
+          <a:prstGeom prst="rect">
+            <a:avLst/>
+          </a:prstGeom>
+          <a:noFill/>
+        </p:spPr>
+        <p:txBody>
+          <a:bodyPr wrap="square" rtlCol="0">
+            <a:spAutoFit/>
+          </a:bodyPr>
+          <a:lstStyle/>
+          <a:p>
+            <a:pPr marL="285750" indent="-285750">
+              <a:buFontTx/>
+              <a:buChar char="-"/>
+            </a:pPr>
+            <a:r>
+              <a:rPr lang="ko-KR" altLang="en-US" dirty="0" smtClean="0"/>
+              <a:t>배경 </a:t>
+            </a:r>
+            <a:r>
+              <a:rPr lang="en-US" altLang="ko-KR" dirty="0"/>
+              <a:t>: </a:t>
+            </a:r>
+            <a:r>
+              <a:rPr lang="ko-KR" altLang="en-US" dirty="0"/>
+              <a:t>이른바 </a:t>
+            </a:r>
+            <a:r>
+              <a:rPr lang="en-US" altLang="ko-KR" dirty="0"/>
+              <a:t>100</a:t>
+            </a:r>
+            <a:r>
+              <a:rPr lang="ko-KR" altLang="en-US" dirty="0"/>
+              <a:t>세 시대를 살고있는 사람들에게 가장 큰 관심은 무엇보다 건강일 것이다</a:t>
+            </a:r>
+            <a:r>
+              <a:rPr lang="en-US" altLang="ko-KR" dirty="0"/>
+              <a:t>. </a:t>
+            </a:r>
+            <a:r>
+              <a:rPr lang="ko-KR" altLang="en-US" dirty="0" err="1"/>
+              <a:t>그중에서도</a:t>
+            </a:r>
+            <a:r>
+              <a:rPr lang="ko-KR" altLang="en-US" dirty="0"/>
+              <a:t> 대한민국은 통계청의 조사에 따르면 </a:t>
+            </a:r>
+            <a:r>
+              <a:rPr lang="en-US" altLang="ko-KR" dirty="0"/>
+              <a:t>25</a:t>
+            </a:r>
+            <a:r>
+              <a:rPr lang="ko-KR" altLang="en-US" dirty="0"/>
+              <a:t>년을 기점으로 전체 인구의 </a:t>
+            </a:r>
+            <a:r>
+              <a:rPr lang="en-US" altLang="ko-KR" dirty="0"/>
+              <a:t>20.6%</a:t>
+            </a:r>
+            <a:r>
+              <a:rPr lang="ko-KR" altLang="en-US" dirty="0"/>
+              <a:t>가 </a:t>
+            </a:r>
+            <a:r>
+              <a:rPr lang="en-US" altLang="ko-KR" dirty="0"/>
+              <a:t>65</a:t>
+            </a:r>
+            <a:r>
+              <a:rPr lang="ko-KR" altLang="en-US" dirty="0"/>
+              <a:t>세 이상인 </a:t>
+            </a:r>
+            <a:r>
+              <a:rPr lang="ko-KR" altLang="en-US" dirty="0" err="1"/>
+              <a:t>초고령화</a:t>
+            </a:r>
+            <a:r>
+              <a:rPr lang="ko-KR" altLang="en-US" dirty="0"/>
+              <a:t> 사회로 진입하게 된다</a:t>
+            </a:r>
+            <a:r>
+              <a:rPr lang="en-US" altLang="ko-KR" dirty="0"/>
+              <a:t>. </a:t>
+            </a:r>
+            <a:r>
+              <a:rPr lang="ko-KR" altLang="en-US" dirty="0" err="1"/>
+              <a:t>이와같이</a:t>
+            </a:r>
+            <a:r>
+              <a:rPr lang="ko-KR" altLang="en-US" dirty="0"/>
+              <a:t> 건강에 대한 관심이 커지는 만큼 노령층이 빠르게 증가하는 사회 </a:t>
+            </a:r>
+            <a:r>
+              <a:rPr lang="ko-KR" altLang="en-US" dirty="0" err="1"/>
+              <a:t>구조속에서</a:t>
+            </a:r>
+            <a:r>
+              <a:rPr lang="ko-KR" altLang="en-US" dirty="0"/>
+              <a:t> 노령층을 속여 허가 받지 않은 사업자들이 각종 불법 건강기능식품을 허위 광고로 강매하는 사기가 </a:t>
+            </a:r>
+            <a:r>
+              <a:rPr lang="ko-KR" altLang="en-US" dirty="0" err="1"/>
+              <a:t>횡횡해</a:t>
+            </a:r>
+            <a:r>
+              <a:rPr lang="ko-KR" altLang="en-US" dirty="0"/>
+              <a:t> 황금빛 노후를 그리는 수 없이 많은 꿈을 좌절시키고 있다</a:t>
+            </a:r>
+            <a:r>
+              <a:rPr lang="en-US" altLang="ko-KR" dirty="0"/>
+              <a:t>. </a:t>
+            </a:r>
+            <a:r>
+              <a:rPr lang="ko-KR" altLang="en-US" dirty="0"/>
+              <a:t>이러한 세태의 주요 원인은 </a:t>
+            </a:r>
+            <a:r>
+              <a:rPr lang="ko-KR" altLang="en-US" dirty="0" err="1"/>
+              <a:t>중장년층과</a:t>
+            </a:r>
+            <a:r>
+              <a:rPr lang="ko-KR" altLang="en-US" dirty="0"/>
+              <a:t> 달리 </a:t>
+            </a:r>
+            <a:r>
+              <a:rPr lang="ko-KR" altLang="en-US" dirty="0" err="1"/>
+              <a:t>키오스크와</a:t>
+            </a:r>
+            <a:r>
+              <a:rPr lang="ko-KR" altLang="en-US" dirty="0"/>
+              <a:t> 같은 복잡한 기능 및 온라인에 익숙하지 않은 노령층의 불법 건강기능식품을 판별하는 능력 부족이 가장 큰 것으로 분석된다</a:t>
+            </a:r>
+            <a:r>
+              <a:rPr lang="en-US" altLang="ko-KR" dirty="0" smtClean="0"/>
+              <a:t>.</a:t>
+            </a:r>
+          </a:p>
+          <a:p>
+            <a:pPr marL="285750" indent="-285750">
+              <a:buFontTx/>
+              <a:buChar char="-"/>
+            </a:pPr>
+            <a:endParaRPr lang="en-US" altLang="ko-KR" dirty="0"/>
+          </a:p>
+          <a:p>
+            <a:pPr marL="285750" indent="-285750">
+              <a:buFontTx/>
+              <a:buChar char="-"/>
+            </a:pPr>
+            <a:endParaRPr lang="en-US" altLang="ko-KR" dirty="0" smtClean="0"/>
+          </a:p>
+          <a:p>
+            <a:pPr marL="285750" indent="-285750">
+              <a:buFontTx/>
+              <a:buChar char="-"/>
+            </a:pPr>
+            <a:endParaRPr lang="en-US" altLang="ko-KR" dirty="0"/>
+          </a:p>
+          <a:p>
+            <a:r>
+              <a:rPr lang="en-US" altLang="ko-KR" dirty="0"/>
+              <a:t>- </a:t>
+            </a:r>
+            <a:r>
+              <a:rPr lang="ko-KR" altLang="en-US" dirty="0"/>
+              <a:t>개요 및 </a:t>
+            </a:r>
+            <a:r>
+              <a:rPr lang="ko-KR" altLang="en-US" dirty="0" err="1"/>
+              <a:t>차별점</a:t>
+            </a:r>
+            <a:r>
+              <a:rPr lang="ko-KR" altLang="en-US" dirty="0"/>
+              <a:t> </a:t>
+            </a:r>
+            <a:r>
+              <a:rPr lang="en-US" altLang="ko-KR" dirty="0"/>
+              <a:t>: </a:t>
+            </a:r>
+            <a:r>
+              <a:rPr lang="ko-KR" altLang="en-US" dirty="0"/>
+              <a:t>그러므로 </a:t>
+            </a:r>
+            <a:r>
+              <a:rPr lang="ko-KR" altLang="en-US" dirty="0" err="1"/>
+              <a:t>브라브</a:t>
+            </a:r>
+            <a:r>
+              <a:rPr lang="ko-KR" altLang="en-US" dirty="0"/>
+              <a:t> 마이 라이프 프로젝트는 오늘날 건강한 내일을 꿈꾸는 노령층이 더 이상 이런 피해를 입지 않게끔 사태를 미연에 방지하기 위하여 </a:t>
+            </a:r>
+            <a:r>
+              <a:rPr lang="ko-KR" altLang="en-US" dirty="0" err="1"/>
+              <a:t>노령층에게도</a:t>
+            </a:r>
+            <a:r>
+              <a:rPr lang="ko-KR" altLang="en-US" dirty="0"/>
+              <a:t> 친숙하게 다가갈 수 있는 간편하고 직관적인 </a:t>
+            </a:r>
+            <a:r>
+              <a:rPr lang="en-US" altLang="ko-KR" dirty="0"/>
+              <a:t>UI</a:t>
+            </a:r>
+            <a:r>
+              <a:rPr lang="ko-KR" altLang="en-US" dirty="0"/>
+              <a:t>를 기반으로 건강기능식품이 </a:t>
+            </a:r>
+            <a:r>
+              <a:rPr lang="ko-KR" altLang="en-US" dirty="0" err="1"/>
+              <a:t>식약처에</a:t>
+            </a:r>
+            <a:r>
+              <a:rPr lang="ko-KR" altLang="en-US" dirty="0"/>
+              <a:t> 등록된 합법적인 것인지를 알려주는 </a:t>
+            </a:r>
+            <a:r>
+              <a:rPr lang="ko-KR" altLang="en-US" dirty="0" err="1"/>
+              <a:t>공공데이터</a:t>
+            </a:r>
+            <a:r>
+              <a:rPr lang="ko-KR" altLang="en-US" dirty="0"/>
+              <a:t> </a:t>
+            </a:r>
+            <a:r>
+              <a:rPr lang="en-US" altLang="ko-KR" dirty="0"/>
+              <a:t>API</a:t>
+            </a:r>
+            <a:r>
+              <a:rPr lang="ko-KR" altLang="en-US" dirty="0"/>
+              <a:t>서비스를 제공함과 동시에 이 서비스를 이용하려고 방문하는 노령층들 또는 그 자식들에게 합리적이고 안전한 건강기능식품을 판매하는 것을 목표로 한다</a:t>
+            </a:r>
+            <a:r>
+              <a:rPr lang="en-US" altLang="ko-KR" dirty="0"/>
+              <a:t>.</a:t>
+            </a:r>
+          </a:p>
+        </p:txBody>
+      </p:sp>
+    </p:spTree>
+  </p:cSld>
+  <p:clrMapOvr>
+    <a:masterClrMapping/>
+  </p:clrMapOvr>
+  <p:timing>
+    <p:tnLst>
+      <p:par>
+        <p:cTn id="1" dur="indefinite" restart="never" nodeType="tmRoot"/>
+      </p:par>
+    </p:tnLst>
+  </p:timing>
+</p:sld>
+</file>
+
+<file path=ppt/slides/slide5.xml><?xml version="1.0" encoding="utf-8"?>
+<p:sld xmlns:a="http://schemas.openxmlformats.org/drawingml/2006/main" xmlns:r="http://schemas.openxmlformats.org/officeDocument/2006/relationships" xmlns:p="http://schemas.openxmlformats.org/presentationml/2006/main">
+  <p:cSld>
+    <p:spTree>
+      <p:nvGrpSpPr>
+        <p:cNvPr id="1" name=""/>
+        <p:cNvGrpSpPr/>
+        <p:nvPr/>
+      </p:nvGrpSpPr>
+      <p:grpSpPr>
+        <a:xfrm>
+          <a:off x="0" y="0"/>
+          <a:ext cx="0" cy="0"/>
+          <a:chOff x="0" y="0"/>
+          <a:chExt cx="0" cy="0"/>
+        </a:xfrm>
+      </p:grpSpPr>
+      <p:pic>
+        <p:nvPicPr>
+          <p:cNvPr id="23" name="그림 22"/>
+          <p:cNvPicPr>
+            <a:picLocks noChangeAspect="1"/>
+          </p:cNvPicPr>
+          <p:nvPr/>
+        </p:nvPicPr>
+        <p:blipFill>
+          <a:blip r:embed="rId2"/>
+          <a:stretch>
+            <a:fillRect/>
+          </a:stretch>
+        </p:blipFill>
+        <p:spPr>
+          <a:xfrm>
+            <a:off x="15163800" y="416861"/>
+            <a:ext cx="816084" cy="621422"/>
+          </a:xfrm>
+          <a:prstGeom prst="rect">
+            <a:avLst/>
+          </a:prstGeom>
+        </p:spPr>
+      </p:pic>
+      <p:grpSp>
+        <p:nvGrpSpPr>
+          <p:cNvPr id="4" name="Group 4"/>
+          <p:cNvGrpSpPr/>
+          <p:nvPr/>
+        </p:nvGrpSpPr>
+        <p:grpSpPr>
+          <a:xfrm>
+            <a:off x="762000" y="541020"/>
+            <a:ext cx="16764000" cy="506730"/>
+            <a:chOff x="0" y="-38100"/>
+            <a:chExt cx="22352000" cy="675640"/>
+          </a:xfrm>
+        </p:grpSpPr>
+        <p:sp>
+          <p:nvSpPr>
+            <p:cNvPr id="7" name="TextBox 7"/>
+            <p:cNvSpPr txBox="1"/>
+            <p:nvPr/>
+          </p:nvSpPr>
+          <p:spPr>
+            <a:xfrm>
+              <a:off x="0" y="-38100"/>
+              <a:ext cx="5080000" cy="390108"/>
+            </a:xfrm>
+            <a:prstGeom prst="rect">
+              <a:avLst/>
+            </a:prstGeom>
+          </p:spPr>
+          <p:txBody>
+            <a:bodyPr wrap="square" lIns="0" tIns="0" rIns="0" bIns="0" rtlCol="0" anchor="t">
+              <a:spAutoFit/>
+            </a:bodyPr>
+            <a:lstStyle/>
+            <a:p>
+              <a:pPr algn="just">
+                <a:lnSpc>
+                  <a:spcPts val="2520"/>
+                </a:lnSpc>
+              </a:pPr>
+              <a:r>
+                <a:rPr lang="en-US" altLang="ko-KR" b="1" dirty="0" smtClean="0">
+                  <a:latin typeface="+mj-ea"/>
+                  <a:ea typeface="+mj-ea"/>
+                  <a:cs typeface="Montserrat Bold"/>
+                  <a:sym typeface="Montserrat Bold"/>
+                </a:rPr>
+                <a:t>1. </a:t>
+              </a:r>
+              <a:r>
+                <a:rPr lang="ko-KR" altLang="en-US" b="1" dirty="0" smtClean="0">
+                  <a:latin typeface="+mj-ea"/>
+                  <a:ea typeface="+mj-ea"/>
+                  <a:cs typeface="Montserrat Bold"/>
+                  <a:sym typeface="Montserrat Bold"/>
+                </a:rPr>
+                <a:t>프로젝트 개요 및 선정 배경 </a:t>
+              </a:r>
+              <a:endParaRPr lang="en-US" sz="1800" b="1" dirty="0">
+                <a:latin typeface="+mj-ea"/>
+                <a:ea typeface="+mj-ea"/>
+                <a:cs typeface="Montserrat Bold"/>
+                <a:sym typeface="Montserrat Bold"/>
+              </a:endParaRPr>
+            </a:p>
+          </p:txBody>
+        </p:sp>
+        <p:sp>
+          <p:nvSpPr>
+            <p:cNvPr id="5" name="AutoShape 5"/>
+            <p:cNvSpPr/>
+            <p:nvPr/>
+          </p:nvSpPr>
+          <p:spPr>
+            <a:xfrm>
+              <a:off x="0" y="637540"/>
+              <a:ext cx="22352000" cy="0"/>
+            </a:xfrm>
+            <a:prstGeom prst="line">
+              <a:avLst/>
+            </a:prstGeom>
+            <a:ln w="38100" cap="rnd">
+              <a:solidFill>
+                <a:srgbClr val="3B8AFF"/>
+              </a:solidFill>
+              <a:prstDash val="solid"/>
+              <a:headEnd type="none" w="sm" len="sm"/>
+              <a:tailEnd type="none" w="sm" len="sm"/>
+            </a:ln>
+          </p:spPr>
+        </p:sp>
+      </p:grpSp>
       <p:pic>
         <p:nvPicPr>
           <p:cNvPr id="11" name="Picture 6"/>
@@ -28752,6 +29744,11 @@
         </p:txBody>
       </p:sp>
     </p:spTree>
+    <p:extLst>
+      <p:ext uri="{BB962C8B-B14F-4D97-AF65-F5344CB8AC3E}">
+        <p14:creationId xmlns:p14="http://schemas.microsoft.com/office/powerpoint/2010/main" val="438346630"/>
+      </p:ext>
+    </p:extLst>
   </p:cSld>
   <p:clrMapOvr>
     <a:masterClrMapping/>
@@ -28766,7 +29763,7 @@
 </p:sld>
 </file>
 
-<file path=ppt/slides/slide5.xml><?xml version="1.0" encoding="utf-8"?>
+<file path=ppt/slides/slide6.xml><?xml version="1.0" encoding="utf-8"?>
 <p:sld xmlns:a="http://schemas.openxmlformats.org/drawingml/2006/main" xmlns:r="http://schemas.openxmlformats.org/officeDocument/2006/relationships" xmlns:p="http://schemas.openxmlformats.org/presentationml/2006/main">
   <p:cSld>
     <p:spTree>
@@ -29884,7 +30881,7 @@
 </p:sld>
 </file>
 
-<file path=ppt/slides/slide6.xml><?xml version="1.0" encoding="utf-8"?>
+<file path=ppt/slides/slide7.xml><?xml version="1.0" encoding="utf-8"?>
 <p:sld xmlns:a="http://schemas.openxmlformats.org/drawingml/2006/main" xmlns:r="http://schemas.openxmlformats.org/officeDocument/2006/relationships" xmlns:p="http://schemas.openxmlformats.org/presentationml/2006/main">
   <p:cSld>
     <p:spTree>
@@ -30599,7 +31596,7 @@
 </p:sld>
 </file>
 
-<file path=ppt/slides/slide7.xml><?xml version="1.0" encoding="utf-8"?>
+<file path=ppt/slides/slide8.xml><?xml version="1.0" encoding="utf-8"?>
 <p:sld xmlns:a="http://schemas.openxmlformats.org/drawingml/2006/main" xmlns:r="http://schemas.openxmlformats.org/officeDocument/2006/relationships" xmlns:p="http://schemas.openxmlformats.org/presentationml/2006/main">
   <p:cSld>
     <p:spTree>
@@ -31930,7 +32927,7 @@
 </p:sld>
 </file>
 
-<file path=ppt/slides/slide8.xml><?xml version="1.0" encoding="utf-8"?>
+<file path=ppt/slides/slide9.xml><?xml version="1.0" encoding="utf-8"?>
 <p:sld xmlns:a="http://schemas.openxmlformats.org/drawingml/2006/main" xmlns:r="http://schemas.openxmlformats.org/officeDocument/2006/relationships" xmlns:p="http://schemas.openxmlformats.org/presentationml/2006/main">
   <p:cSld>
     <p:spTree>
@@ -34864,480 +35861,6 @@
 </p:sld>
 </file>
 
-<file path=ppt/slides/slide9.xml><?xml version="1.0" encoding="utf-8"?>
-<p:sld xmlns:a="http://schemas.openxmlformats.org/drawingml/2006/main" xmlns:r="http://schemas.openxmlformats.org/officeDocument/2006/relationships" xmlns:p="http://schemas.openxmlformats.org/presentationml/2006/main">
-  <p:cSld>
-    <p:spTree>
-      <p:nvGrpSpPr>
-        <p:cNvPr id="1" name=""/>
-        <p:cNvGrpSpPr/>
-        <p:nvPr/>
-      </p:nvGrpSpPr>
-      <p:grpSpPr>
-        <a:xfrm>
-          <a:off x="0" y="0"/>
-          <a:ext cx="0" cy="0"/>
-          <a:chOff x="0" y="0"/>
-          <a:chExt cx="0" cy="0"/>
-        </a:xfrm>
-      </p:grpSpPr>
-      <p:pic>
-        <p:nvPicPr>
-          <p:cNvPr id="13" name="그림 12"/>
-          <p:cNvPicPr>
-            <a:picLocks noChangeAspect="1"/>
-          </p:cNvPicPr>
-          <p:nvPr/>
-        </p:nvPicPr>
-        <p:blipFill>
-          <a:blip r:embed="rId2"/>
-          <a:stretch>
-            <a:fillRect/>
-          </a:stretch>
-        </p:blipFill>
-        <p:spPr>
-          <a:xfrm>
-            <a:off x="15163800" y="416861"/>
-            <a:ext cx="816084" cy="621422"/>
-          </a:xfrm>
-          <a:prstGeom prst="rect">
-            <a:avLst/>
-          </a:prstGeom>
-        </p:spPr>
-      </p:pic>
-      <p:grpSp>
-        <p:nvGrpSpPr>
-          <p:cNvPr id="4" name="Group 4"/>
-          <p:cNvGrpSpPr/>
-          <p:nvPr/>
-        </p:nvGrpSpPr>
-        <p:grpSpPr>
-          <a:xfrm>
-            <a:off x="762000" y="541020"/>
-            <a:ext cx="16764000" cy="506730"/>
-            <a:chOff x="0" y="-38100"/>
-            <a:chExt cx="22352000" cy="675640"/>
-          </a:xfrm>
-        </p:grpSpPr>
-        <p:sp>
-          <p:nvSpPr>
-            <p:cNvPr id="5" name="AutoShape 5"/>
-            <p:cNvSpPr/>
-            <p:nvPr/>
-          </p:nvSpPr>
-          <p:spPr>
-            <a:xfrm>
-              <a:off x="0" y="637540"/>
-              <a:ext cx="22352000" cy="0"/>
-            </a:xfrm>
-            <a:prstGeom prst="line">
-              <a:avLst/>
-            </a:prstGeom>
-            <a:ln w="38100" cap="rnd">
-              <a:solidFill>
-                <a:srgbClr val="3B8AFF"/>
-              </a:solidFill>
-              <a:prstDash val="solid"/>
-              <a:headEnd type="none" w="sm" len="sm"/>
-              <a:tailEnd type="none" w="sm" len="sm"/>
-            </a:ln>
-          </p:spPr>
-        </p:sp>
-        <p:sp>
-          <p:nvSpPr>
-            <p:cNvPr id="7" name="TextBox 7"/>
-            <p:cNvSpPr txBox="1"/>
-            <p:nvPr/>
-          </p:nvSpPr>
-          <p:spPr>
-            <a:xfrm>
-              <a:off x="0" y="-38100"/>
-              <a:ext cx="5080000" cy="387713"/>
-            </a:xfrm>
-            <a:prstGeom prst="rect">
-              <a:avLst/>
-            </a:prstGeom>
-          </p:spPr>
-          <p:txBody>
-            <a:bodyPr wrap="square" lIns="0" tIns="0" rIns="0" bIns="0" rtlCol="0" anchor="t">
-              <a:spAutoFit/>
-            </a:bodyPr>
-            <a:lstStyle/>
-            <a:p>
-              <a:pPr algn="just">
-                <a:lnSpc>
-                  <a:spcPts val="2520"/>
-                </a:lnSpc>
-              </a:pPr>
-              <a:r>
-                <a:rPr lang="en-US" altLang="ko-KR" b="1" dirty="0">
-                  <a:latin typeface="+mj-ea"/>
-                  <a:cs typeface="Montserrat Bold"/>
-                  <a:sym typeface="Montserrat Bold"/>
-                </a:rPr>
-                <a:t>1. </a:t>
-              </a:r>
-              <a:r>
-                <a:rPr lang="ko-KR" altLang="en-US" b="1" dirty="0">
-                  <a:latin typeface="+mj-ea"/>
-                  <a:cs typeface="Montserrat Bold"/>
-                  <a:sym typeface="Montserrat Bold"/>
-                </a:rPr>
-                <a:t>프로젝트 개요 및 선정 배경 </a:t>
-              </a:r>
-              <a:endParaRPr lang="en-US" altLang="ko-KR" b="1" dirty="0">
-                <a:latin typeface="+mj-ea"/>
-                <a:cs typeface="Montserrat Bold"/>
-                <a:sym typeface="Montserrat Bold"/>
-              </a:endParaRPr>
-            </a:p>
-          </p:txBody>
-        </p:sp>
-      </p:grpSp>
-      <p:pic>
-        <p:nvPicPr>
-          <p:cNvPr id="2" name="그림 1"/>
-          <p:cNvPicPr>
-            <a:picLocks noChangeAspect="1"/>
-          </p:cNvPicPr>
-          <p:nvPr/>
-        </p:nvPicPr>
-        <p:blipFill>
-          <a:blip r:embed="rId3" cstate="print">
-            <a:extLst>
-              <a:ext uri="{28A0092B-C50C-407E-A947-70E740481C1C}">
-                <a14:useLocalDpi xmlns:a14="http://schemas.microsoft.com/office/drawing/2010/main" val="0"/>
-              </a:ext>
-            </a:extLst>
-          </a:blip>
-          <a:stretch>
-            <a:fillRect/>
-          </a:stretch>
-        </p:blipFill>
-        <p:spPr>
-          <a:xfrm>
-            <a:off x="1828800" y="2344883"/>
-            <a:ext cx="10668000" cy="7370617"/>
-          </a:xfrm>
-          <a:prstGeom prst="rect">
-            <a:avLst/>
-          </a:prstGeom>
-        </p:spPr>
-      </p:pic>
-      <p:sp>
-        <p:nvSpPr>
-          <p:cNvPr id="22" name="TextBox 30"/>
-          <p:cNvSpPr txBox="1"/>
-          <p:nvPr/>
-        </p:nvSpPr>
-        <p:spPr>
-          <a:xfrm>
-            <a:off x="14234851" y="502920"/>
-            <a:ext cx="3329251" cy="1316837"/>
-          </a:xfrm>
-          <a:prstGeom prst="rect">
-            <a:avLst/>
-          </a:prstGeom>
-        </p:spPr>
-        <p:txBody>
-          <a:bodyPr lIns="50800" tIns="50800" rIns="50800" bIns="50800" rtlCol="0" anchor="ctr"/>
-          <a:lstStyle/>
-          <a:p>
-            <a:pPr algn="ctr">
-              <a:lnSpc>
-                <a:spcPts val="4000"/>
-              </a:lnSpc>
-            </a:pPr>
-            <a:endParaRPr/>
-          </a:p>
-        </p:txBody>
-      </p:sp>
-      <p:sp>
-        <p:nvSpPr>
-          <p:cNvPr id="26" name="TextBox 19"/>
-          <p:cNvSpPr txBox="1"/>
-          <p:nvPr/>
-        </p:nvSpPr>
-        <p:spPr>
-          <a:xfrm>
-            <a:off x="1270000" y="1656632"/>
-            <a:ext cx="6543961" cy="332655"/>
-          </a:xfrm>
-          <a:prstGeom prst="rect">
-            <a:avLst/>
-          </a:prstGeom>
-        </p:spPr>
-        <p:txBody>
-          <a:bodyPr lIns="0" tIns="0" rIns="0" bIns="0" rtlCol="0" anchor="t">
-            <a:spAutoFit/>
-          </a:bodyPr>
-          <a:lstStyle/>
-          <a:p>
-            <a:pPr>
-              <a:lnSpc>
-                <a:spcPts val="2800"/>
-              </a:lnSpc>
-            </a:pPr>
-            <a:r>
-              <a:rPr lang="en-US" altLang="ko-KR" sz="2000" b="1" dirty="0" smtClean="0">
-                <a:latin typeface="+mj-ea"/>
-                <a:ea typeface="+mj-ea"/>
-                <a:cs typeface="Montserrat Bold"/>
-                <a:sym typeface="Montserrat Bold"/>
-              </a:rPr>
-              <a:t>1-3-3. ERD</a:t>
-            </a:r>
-            <a:endParaRPr lang="en-US" altLang="ko-KR" sz="2000" b="1" dirty="0">
-              <a:latin typeface="+mj-ea"/>
-              <a:ea typeface="+mj-ea"/>
-              <a:cs typeface="Montserrat Bold"/>
-              <a:sym typeface="Montserrat Bold"/>
-            </a:endParaRPr>
-          </a:p>
-        </p:txBody>
-      </p:sp>
-      <p:sp>
-        <p:nvSpPr>
-          <p:cNvPr id="27" name="직사각형 26"/>
-          <p:cNvSpPr/>
-          <p:nvPr/>
-        </p:nvSpPr>
-        <p:spPr>
-          <a:xfrm>
-            <a:off x="13629263" y="2781300"/>
-            <a:ext cx="3505200" cy="1295400"/>
-          </a:xfrm>
-          <a:prstGeom prst="rect">
-            <a:avLst/>
-          </a:prstGeom>
-          <a:solidFill>
-            <a:srgbClr val="3B8AFF"/>
-          </a:solidFill>
-          <a:ln>
-            <a:solidFill>
-              <a:schemeClr val="bg1"/>
-            </a:solidFill>
-          </a:ln>
-        </p:spPr>
-        <p:style>
-          <a:lnRef idx="2">
-            <a:schemeClr val="accent1">
-              <a:shade val="50000"/>
-            </a:schemeClr>
-          </a:lnRef>
-          <a:fillRef idx="1">
-            <a:schemeClr val="accent1"/>
-          </a:fillRef>
-          <a:effectRef idx="0">
-            <a:schemeClr val="accent1"/>
-          </a:effectRef>
-          <a:fontRef idx="minor">
-            <a:schemeClr val="lt1"/>
-          </a:fontRef>
-        </p:style>
-        <p:txBody>
-          <a:bodyPr rtlCol="0" anchor="ctr"/>
-          <a:lstStyle/>
-          <a:p>
-            <a:pPr algn="ctr"/>
-            <a:r>
-              <a:rPr lang="en-US" altLang="ko-KR" sz="4800" dirty="0" smtClean="0"/>
-              <a:t>21 Table</a:t>
-            </a:r>
-            <a:endParaRPr lang="ko-KR" altLang="en-US" sz="4800" dirty="0"/>
-          </a:p>
-        </p:txBody>
-      </p:sp>
-      <p:sp>
-        <p:nvSpPr>
-          <p:cNvPr id="28" name="직사각형 27"/>
-          <p:cNvSpPr/>
-          <p:nvPr/>
-        </p:nvSpPr>
-        <p:spPr>
-          <a:xfrm>
-            <a:off x="13629263" y="5143500"/>
-            <a:ext cx="3505200" cy="1295400"/>
-          </a:xfrm>
-          <a:prstGeom prst="rect">
-            <a:avLst/>
-          </a:prstGeom>
-          <a:solidFill>
-            <a:srgbClr val="3B8AFF"/>
-          </a:solidFill>
-          <a:ln>
-            <a:solidFill>
-              <a:schemeClr val="bg1"/>
-            </a:solidFill>
-          </a:ln>
-        </p:spPr>
-        <p:style>
-          <a:lnRef idx="2">
-            <a:schemeClr val="accent1">
-              <a:shade val="50000"/>
-            </a:schemeClr>
-          </a:lnRef>
-          <a:fillRef idx="1">
-            <a:schemeClr val="accent1"/>
-          </a:fillRef>
-          <a:effectRef idx="0">
-            <a:schemeClr val="accent1"/>
-          </a:effectRef>
-          <a:fontRef idx="minor">
-            <a:schemeClr val="lt1"/>
-          </a:fontRef>
-        </p:style>
-        <p:txBody>
-          <a:bodyPr rtlCol="0" anchor="ctr"/>
-          <a:lstStyle/>
-          <a:p>
-            <a:pPr algn="ctr"/>
-            <a:r>
-              <a:rPr lang="ko-KR" altLang="en-US" sz="3200" b="1" dirty="0" smtClean="0"/>
-              <a:t>구매자</a:t>
-            </a:r>
-            <a:r>
-              <a:rPr lang="en-US" altLang="ko-KR" sz="3200" b="1" dirty="0" smtClean="0"/>
-              <a:t>: Member</a:t>
-            </a:r>
-            <a:endParaRPr lang="ko-KR" altLang="en-US" sz="3200" b="1" dirty="0"/>
-          </a:p>
-        </p:txBody>
-      </p:sp>
-      <p:sp>
-        <p:nvSpPr>
-          <p:cNvPr id="29" name="직사각형 28"/>
-          <p:cNvSpPr/>
-          <p:nvPr/>
-        </p:nvSpPr>
-        <p:spPr>
-          <a:xfrm>
-            <a:off x="13629263" y="7368693"/>
-            <a:ext cx="3505200" cy="1295400"/>
-          </a:xfrm>
-          <a:prstGeom prst="rect">
-            <a:avLst/>
-          </a:prstGeom>
-          <a:solidFill>
-            <a:srgbClr val="3B8AFF"/>
-          </a:solidFill>
-          <a:ln>
-            <a:solidFill>
-              <a:schemeClr val="bg1"/>
-            </a:solidFill>
-          </a:ln>
-        </p:spPr>
-        <p:style>
-          <a:lnRef idx="2">
-            <a:schemeClr val="accent1">
-              <a:shade val="50000"/>
-            </a:schemeClr>
-          </a:lnRef>
-          <a:fillRef idx="1">
-            <a:schemeClr val="accent1"/>
-          </a:fillRef>
-          <a:effectRef idx="0">
-            <a:schemeClr val="accent1"/>
-          </a:effectRef>
-          <a:fontRef idx="minor">
-            <a:schemeClr val="lt1"/>
-          </a:fontRef>
-        </p:style>
-        <p:txBody>
-          <a:bodyPr rtlCol="0" anchor="ctr"/>
-          <a:lstStyle/>
-          <a:p>
-            <a:pPr algn="ctr"/>
-            <a:r>
-              <a:rPr lang="ko-KR" altLang="en-US" sz="3200" b="1" dirty="0" smtClean="0"/>
-              <a:t>관리자</a:t>
-            </a:r>
-            <a:r>
-              <a:rPr lang="en-US" altLang="ko-KR" sz="3200" b="1" dirty="0" smtClean="0"/>
-              <a:t>, </a:t>
-            </a:r>
-            <a:r>
-              <a:rPr lang="ko-KR" altLang="en-US" sz="3200" b="1" dirty="0" smtClean="0"/>
-              <a:t>판매자</a:t>
-            </a:r>
-            <a:r>
-              <a:rPr lang="en-US" altLang="ko-KR" sz="3200" b="1" dirty="0" smtClean="0"/>
-              <a:t>: Manager</a:t>
-            </a:r>
-            <a:endParaRPr lang="ko-KR" altLang="en-US" sz="3200" b="1" dirty="0"/>
-          </a:p>
-        </p:txBody>
-      </p:sp>
-      <p:sp>
-        <p:nvSpPr>
-          <p:cNvPr id="12" name="TextBox 4"/>
-          <p:cNvSpPr txBox="1"/>
-          <p:nvPr/>
-        </p:nvSpPr>
-        <p:spPr>
-          <a:xfrm>
-            <a:off x="15381864" y="541020"/>
-            <a:ext cx="2144138" cy="297517"/>
-          </a:xfrm>
-          <a:prstGeom prst="rect">
-            <a:avLst/>
-          </a:prstGeom>
-        </p:spPr>
-        <p:txBody>
-          <a:bodyPr lIns="0" tIns="0" rIns="0" bIns="0" rtlCol="0" anchor="t">
-            <a:spAutoFit/>
-          </a:bodyPr>
-          <a:lstStyle/>
-          <a:p>
-            <a:pPr algn="r">
-              <a:lnSpc>
-                <a:spcPts val="2520"/>
-              </a:lnSpc>
-            </a:pPr>
-            <a:r>
-              <a:rPr lang="en-US" b="1" dirty="0" smtClean="0">
-                <a:solidFill>
-                  <a:srgbClr val="3B8AFF"/>
-                </a:solidFill>
-                <a:latin typeface="Montserrat Bold"/>
-                <a:ea typeface="Montserrat Bold"/>
-                <a:cs typeface="Montserrat Bold"/>
-                <a:sym typeface="Montserrat Bold"/>
-              </a:rPr>
-              <a:t>Bravo My Life</a:t>
-            </a:r>
-            <a:endParaRPr lang="en-US" sz="1800" b="1" dirty="0">
-              <a:solidFill>
-                <a:srgbClr val="3B8AFF"/>
-              </a:solidFill>
-              <a:latin typeface="Montserrat Bold"/>
-              <a:ea typeface="Montserrat Bold"/>
-              <a:cs typeface="Montserrat Bold"/>
-              <a:sym typeface="Montserrat Bold"/>
-            </a:endParaRPr>
-          </a:p>
-        </p:txBody>
-      </p:sp>
-    </p:spTree>
-    <p:extLst>
-      <p:ext uri="{BB962C8B-B14F-4D97-AF65-F5344CB8AC3E}">
-        <p14:creationId xmlns:p14="http://schemas.microsoft.com/office/powerpoint/2010/main" val="3710381535"/>
-      </p:ext>
-    </p:extLst>
-  </p:cSld>
-  <p:clrMapOvr>
-    <a:masterClrMapping/>
-  </p:clrMapOvr>
-  <p:timing>
-    <p:tnLst>
-      <p:par>
-        <p:cTn id="1" dur="indefinite" restart="never" nodeType="tmRoot"/>
-      </p:par>
-    </p:tnLst>
-  </p:timing>
-</p:sld>
-</file>
-
 <file path=ppt/theme/theme1.xml><?xml version="1.0" encoding="utf-8"?>
 <a:theme xmlns:a="http://schemas.openxmlformats.org/drawingml/2006/main" name="Office Theme">
   <a:themeElements>

--- a/resource/10.prepare/Saturn 미완성.pptx
+++ b/resource/10.prepare/Saturn 미완성.pptx
@@ -36,29 +36,29 @@
   <p:notesSz cx="6858000" cy="9144000"/>
   <p:embeddedFontLst>
     <p:embeddedFont>
+      <p:font typeface="Noto Sans" panose="020B0600000101010101" charset="0"/>
+      <p:regular r:id="rId26"/>
+    </p:embeddedFont>
+    <p:embeddedFont>
+      <p:font typeface="세방고딕 Regular" panose="00000500000000000000" charset="-127"/>
+      <p:regular r:id="rId27"/>
+    </p:embeddedFont>
+    <p:embeddedFont>
+      <p:font typeface="맑은 고딕" panose="020B0503020000020004" pitchFamily="50" charset="-127"/>
+      <p:regular r:id="rId28"/>
+      <p:bold r:id="rId29"/>
+    </p:embeddedFont>
+    <p:embeddedFont>
+      <p:font typeface="Montserrat Bold" panose="020B0600000101010101" charset="0"/>
+      <p:regular r:id="rId30"/>
+    </p:embeddedFont>
+    <p:embeddedFont>
       <p:font typeface="나눔고딕" panose="020D0604000000000000" pitchFamily="50" charset="-127"/>
-      <p:regular r:id="rId26"/>
-      <p:bold r:id="rId27"/>
+      <p:regular r:id="rId31"/>
+      <p:bold r:id="rId32"/>
     </p:embeddedFont>
     <p:embeddedFont>
       <p:font typeface="Noto Sans Bold" panose="020B0600000101010101" charset="0"/>
-      <p:regular r:id="rId28"/>
-    </p:embeddedFont>
-    <p:embeddedFont>
-      <p:font typeface="Montserrat Bold" panose="020B0600000101010101" charset="0"/>
-      <p:regular r:id="rId29"/>
-    </p:embeddedFont>
-    <p:embeddedFont>
-      <p:font typeface="맑은 고딕" panose="020B0503020000020004" pitchFamily="50" charset="-127"/>
-      <p:regular r:id="rId30"/>
-      <p:bold r:id="rId31"/>
-    </p:embeddedFont>
-    <p:embeddedFont>
-      <p:font typeface="Noto Sans" panose="020B0600000101010101" charset="0"/>
-      <p:regular r:id="rId32"/>
-    </p:embeddedFont>
-    <p:embeddedFont>
-      <p:font typeface="세방고딕 Regular" panose="00000500000000000000" pitchFamily="2" charset="-127"/>
       <p:regular r:id="rId33"/>
     </p:embeddedFont>
   </p:embeddedFontLst>
@@ -5827,7 +5827,7 @@
             <a:blip r:embed="rId3">
               <a:extLst>
                 <a:ext uri="{96DAC541-7B7A-43D3-8B79-37D633B846F1}">
-                  <asvg:svgBlip xmlns:asvg="http://schemas.microsoft.com/office/drawing/2016/SVG/main" xmlns="" r:embed="rId5"/>
+                  <asvg:svgBlip xmlns="" xmlns:asvg="http://schemas.microsoft.com/office/drawing/2016/SVG/main" r:embed="rId5"/>
                 </a:ext>
               </a:extLst>
             </a:blip>
@@ -8257,7 +8257,7 @@
             <a:blip r:embed="rId3">
               <a:extLst>
                 <a:ext uri="{96DAC541-7B7A-43D3-8B79-37D633B846F1}">
-                  <asvg:svgBlip xmlns="" xmlns:asvg="http://schemas.microsoft.com/office/drawing/2016/SVG/main" r:embed="rId15"/>
+                  <asvg:svgBlip xmlns:asvg="http://schemas.microsoft.com/office/drawing/2016/SVG/main" xmlns="" r:embed="rId15"/>
                 </a:ext>
               </a:extLst>
             </a:blip>
@@ -8539,7 +8539,7 @@
             <a:blip r:embed="rId3">
               <a:extLst>
                 <a:ext uri="{96DAC541-7B7A-43D3-8B79-37D633B846F1}">
-                  <asvg:svgBlip xmlns="" xmlns:asvg="http://schemas.microsoft.com/office/drawing/2016/SVG/main" r:embed="rId15"/>
+                  <asvg:svgBlip xmlns:asvg="http://schemas.microsoft.com/office/drawing/2016/SVG/main" xmlns="" r:embed="rId15"/>
                 </a:ext>
               </a:extLst>
             </a:blip>
@@ -8821,7 +8821,7 @@
             <a:blip r:embed="rId3">
               <a:extLst>
                 <a:ext uri="{96DAC541-7B7A-43D3-8B79-37D633B846F1}">
-                  <asvg:svgBlip xmlns="" xmlns:asvg="http://schemas.microsoft.com/office/drawing/2016/SVG/main" r:embed="rId15"/>
+                  <asvg:svgBlip xmlns:asvg="http://schemas.microsoft.com/office/drawing/2016/SVG/main" xmlns="" r:embed="rId15"/>
                 </a:ext>
               </a:extLst>
             </a:blip>
@@ -9103,7 +9103,7 @@
             <a:blip r:embed="rId3">
               <a:extLst>
                 <a:ext uri="{96DAC541-7B7A-43D3-8B79-37D633B846F1}">
-                  <asvg:svgBlip xmlns="" xmlns:asvg="http://schemas.microsoft.com/office/drawing/2016/SVG/main" r:embed="rId15"/>
+                  <asvg:svgBlip xmlns:asvg="http://schemas.microsoft.com/office/drawing/2016/SVG/main" xmlns="" r:embed="rId15"/>
                 </a:ext>
               </a:extLst>
             </a:blip>
@@ -9385,7 +9385,7 @@
             <a:blip r:embed="rId3">
               <a:extLst>
                 <a:ext uri="{96DAC541-7B7A-43D3-8B79-37D633B846F1}">
-                  <asvg:svgBlip xmlns="" xmlns:asvg="http://schemas.microsoft.com/office/drawing/2016/SVG/main" r:embed="rId15"/>
+                  <asvg:svgBlip xmlns:asvg="http://schemas.microsoft.com/office/drawing/2016/SVG/main" xmlns="" r:embed="rId15"/>
                 </a:ext>
               </a:extLst>
             </a:blip>
@@ -9635,7 +9635,7 @@
             <a:blip r:embed="rId3">
               <a:extLst>
                 <a:ext uri="{96DAC541-7B7A-43D3-8B79-37D633B846F1}">
-                  <asvg:svgBlip xmlns="" xmlns:asvg="http://schemas.microsoft.com/office/drawing/2016/SVG/main" r:embed="rId15"/>
+                  <asvg:svgBlip xmlns:asvg="http://schemas.microsoft.com/office/drawing/2016/SVG/main" xmlns="" r:embed="rId15"/>
                 </a:ext>
               </a:extLst>
             </a:blip>
@@ -9917,7 +9917,7 @@
             <a:blip r:embed="rId3">
               <a:extLst>
                 <a:ext uri="{96DAC541-7B7A-43D3-8B79-37D633B846F1}">
-                  <asvg:svgBlip xmlns="" xmlns:asvg="http://schemas.microsoft.com/office/drawing/2016/SVG/main" r:embed="rId15"/>
+                  <asvg:svgBlip xmlns:asvg="http://schemas.microsoft.com/office/drawing/2016/SVG/main" xmlns="" r:embed="rId15"/>
                 </a:ext>
               </a:extLst>
             </a:blip>
@@ -10199,7 +10199,7 @@
             <a:blip r:embed="rId3">
               <a:extLst>
                 <a:ext uri="{96DAC541-7B7A-43D3-8B79-37D633B846F1}">
-                  <asvg:svgBlip xmlns="" xmlns:asvg="http://schemas.microsoft.com/office/drawing/2016/SVG/main" r:embed="rId15"/>
+                  <asvg:svgBlip xmlns:asvg="http://schemas.microsoft.com/office/drawing/2016/SVG/main" xmlns="" r:embed="rId15"/>
                 </a:ext>
               </a:extLst>
             </a:blip>
@@ -10481,7 +10481,7 @@
             <a:blip r:embed="rId3">
               <a:extLst>
                 <a:ext uri="{96DAC541-7B7A-43D3-8B79-37D633B846F1}">
-                  <asvg:svgBlip xmlns="" xmlns:asvg="http://schemas.microsoft.com/office/drawing/2016/SVG/main" r:embed="rId15"/>
+                  <asvg:svgBlip xmlns:asvg="http://schemas.microsoft.com/office/drawing/2016/SVG/main" xmlns="" r:embed="rId15"/>
                 </a:ext>
               </a:extLst>
             </a:blip>
@@ -10763,7 +10763,7 @@
             <a:blip r:embed="rId3">
               <a:extLst>
                 <a:ext uri="{96DAC541-7B7A-43D3-8B79-37D633B846F1}">
-                  <asvg:svgBlip xmlns="" xmlns:asvg="http://schemas.microsoft.com/office/drawing/2016/SVG/main" r:embed="rId15"/>
+                  <asvg:svgBlip xmlns:asvg="http://schemas.microsoft.com/office/drawing/2016/SVG/main" xmlns="" r:embed="rId15"/>
                 </a:ext>
               </a:extLst>
             </a:blip>
@@ -11045,7 +11045,7 @@
             <a:blip r:embed="rId3">
               <a:extLst>
                 <a:ext uri="{96DAC541-7B7A-43D3-8B79-37D633B846F1}">
-                  <asvg:svgBlip xmlns="" xmlns:asvg="http://schemas.microsoft.com/office/drawing/2016/SVG/main" r:embed="rId15"/>
+                  <asvg:svgBlip xmlns:asvg="http://schemas.microsoft.com/office/drawing/2016/SVG/main" xmlns="" r:embed="rId15"/>
                 </a:ext>
               </a:extLst>
             </a:blip>
@@ -11327,7 +11327,7 @@
             <a:blip r:embed="rId3">
               <a:extLst>
                 <a:ext uri="{96DAC541-7B7A-43D3-8B79-37D633B846F1}">
-                  <asvg:svgBlip xmlns="" xmlns:asvg="http://schemas.microsoft.com/office/drawing/2016/SVG/main" r:embed="rId15"/>
+                  <asvg:svgBlip xmlns:asvg="http://schemas.microsoft.com/office/drawing/2016/SVG/main" xmlns="" r:embed="rId15"/>
                 </a:ext>
               </a:extLst>
             </a:blip>
@@ -11609,7 +11609,7 @@
             <a:blip r:embed="rId3">
               <a:extLst>
                 <a:ext uri="{96DAC541-7B7A-43D3-8B79-37D633B846F1}">
-                  <asvg:svgBlip xmlns="" xmlns:asvg="http://schemas.microsoft.com/office/drawing/2016/SVG/main" r:embed="rId15"/>
+                  <asvg:svgBlip xmlns:asvg="http://schemas.microsoft.com/office/drawing/2016/SVG/main" xmlns="" r:embed="rId15"/>
                 </a:ext>
               </a:extLst>
             </a:blip>
@@ -11891,7 +11891,7 @@
             <a:blip r:embed="rId3">
               <a:extLst>
                 <a:ext uri="{96DAC541-7B7A-43D3-8B79-37D633B846F1}">
-                  <asvg:svgBlip xmlns="" xmlns:asvg="http://schemas.microsoft.com/office/drawing/2016/SVG/main" r:embed="rId15"/>
+                  <asvg:svgBlip xmlns:asvg="http://schemas.microsoft.com/office/drawing/2016/SVG/main" xmlns="" r:embed="rId15"/>
                 </a:ext>
               </a:extLst>
             </a:blip>
@@ -12173,7 +12173,7 @@
             <a:blip r:embed="rId3">
               <a:extLst>
                 <a:ext uri="{96DAC541-7B7A-43D3-8B79-37D633B846F1}">
-                  <asvg:svgBlip xmlns="" xmlns:asvg="http://schemas.microsoft.com/office/drawing/2016/SVG/main" r:embed="rId15"/>
+                  <asvg:svgBlip xmlns:asvg="http://schemas.microsoft.com/office/drawing/2016/SVG/main" xmlns="" r:embed="rId15"/>
                 </a:ext>
               </a:extLst>
             </a:blip>
@@ -12455,7 +12455,7 @@
             <a:blip r:embed="rId3">
               <a:extLst>
                 <a:ext uri="{96DAC541-7B7A-43D3-8B79-37D633B846F1}">
-                  <asvg:svgBlip xmlns="" xmlns:asvg="http://schemas.microsoft.com/office/drawing/2016/SVG/main" r:embed="rId15"/>
+                  <asvg:svgBlip xmlns:asvg="http://schemas.microsoft.com/office/drawing/2016/SVG/main" xmlns="" r:embed="rId15"/>
                 </a:ext>
               </a:extLst>
             </a:blip>
@@ -12737,7 +12737,7 @@
             <a:blip r:embed="rId3">
               <a:extLst>
                 <a:ext uri="{96DAC541-7B7A-43D3-8B79-37D633B846F1}">
-                  <asvg:svgBlip xmlns="" xmlns:asvg="http://schemas.microsoft.com/office/drawing/2016/SVG/main" r:embed="rId15"/>
+                  <asvg:svgBlip xmlns:asvg="http://schemas.microsoft.com/office/drawing/2016/SVG/main" xmlns="" r:embed="rId15"/>
                 </a:ext>
               </a:extLst>
             </a:blip>
@@ -13019,7 +13019,7 @@
             <a:blip r:embed="rId3">
               <a:extLst>
                 <a:ext uri="{96DAC541-7B7A-43D3-8B79-37D633B846F1}">
-                  <asvg:svgBlip xmlns="" xmlns:asvg="http://schemas.microsoft.com/office/drawing/2016/SVG/main" r:embed="rId15"/>
+                  <asvg:svgBlip xmlns:asvg="http://schemas.microsoft.com/office/drawing/2016/SVG/main" xmlns="" r:embed="rId15"/>
                 </a:ext>
               </a:extLst>
             </a:blip>
@@ -13926,23 +13926,6 @@
                         </a:rPr>
                         <a:t>) </a:t>
                       </a:r>
-                      <a:endParaRPr lang="en-US" altLang="ko-KR" sz="1600" b="1" kern="1200" dirty="0" smtClean="0">
-                        <a:ln>
-                          <a:solidFill>
-                            <a:schemeClr val="bg1">
-                              <a:alpha val="0"/>
-                            </a:schemeClr>
-                          </a:solidFill>
-                        </a:ln>
-                        <a:solidFill>
-                          <a:schemeClr val="bg2">
-                            <a:lumMod val="25000"/>
-                          </a:schemeClr>
-                        </a:solidFill>
-                        <a:latin typeface="맑은 고딕" panose="020B0503020000020004" pitchFamily="50" charset="-127"/>
-                        <a:ea typeface="+mn-ea"/>
-                        <a:cs typeface="+mn-cs"/>
-                      </a:endParaRPr>
                     </a:p>
                     <a:p>
                       <a:pPr marL="0" marR="0" lvl="0" indent="0" algn="ctr" defTabSz="914400" rtl="0" eaLnBrk="1" fontAlgn="auto" latinLnBrk="1" hangingPunct="1">
@@ -14477,47 +14460,7 @@
                           <a:ea typeface="+mn-ea"/>
                           <a:cs typeface="+mn-cs"/>
                         </a:rPr>
-                        <a:t>) </a:t>
-                      </a:r>
-                      <a:r>
-                        <a:rPr lang="en-US" altLang="ko-KR" sz="1600" b="1" kern="1200" dirty="0" smtClean="0">
-                          <a:ln>
-                            <a:solidFill>
-                              <a:schemeClr val="bg1">
-                                <a:alpha val="0"/>
-                              </a:schemeClr>
-                            </a:solidFill>
-                          </a:ln>
-                          <a:solidFill>
-                            <a:schemeClr val="bg2">
-                              <a:lumMod val="25000"/>
-                            </a:schemeClr>
-                          </a:solidFill>
-                          <a:latin typeface="맑은 고딕" panose="020B0503020000020004" pitchFamily="50" charset="-127"/>
-                          <a:ea typeface="+mn-ea"/>
-                          <a:cs typeface="+mn-cs"/>
-                        </a:rPr>
-                        <a:t>~ </a:t>
-                      </a:r>
-                      <a:r>
-                        <a:rPr lang="en-US" altLang="ko-KR" sz="1600" b="1" kern="1200" dirty="0" smtClean="0">
-                          <a:ln>
-                            <a:solidFill>
-                              <a:schemeClr val="bg1">
-                                <a:alpha val="0"/>
-                              </a:schemeClr>
-                            </a:solidFill>
-                          </a:ln>
-                          <a:solidFill>
-                            <a:schemeClr val="bg2">
-                              <a:lumMod val="25000"/>
-                            </a:schemeClr>
-                          </a:solidFill>
-                          <a:latin typeface="맑은 고딕" panose="020B0503020000020004" pitchFamily="50" charset="-127"/>
-                          <a:ea typeface="+mn-ea"/>
-                          <a:cs typeface="+mn-cs"/>
-                        </a:rPr>
-                        <a:t>10/03(</a:t>
+                        <a:t>) ~ 10/03(</a:t>
                       </a:r>
                       <a:r>
                         <a:rPr lang="ko-KR" altLang="en-US" sz="1600" b="1" kern="1200" dirty="0" smtClean="0">
@@ -14559,23 +14502,6 @@
                         </a:rPr>
                         <a:t>)</a:t>
                       </a:r>
-                      <a:endParaRPr lang="en-US" altLang="ko-KR" sz="1600" b="1" kern="1200" dirty="0" smtClean="0">
-                        <a:ln>
-                          <a:solidFill>
-                            <a:schemeClr val="bg1">
-                              <a:alpha val="0"/>
-                            </a:schemeClr>
-                          </a:solidFill>
-                        </a:ln>
-                        <a:solidFill>
-                          <a:schemeClr val="bg2">
-                            <a:lumMod val="25000"/>
-                          </a:schemeClr>
-                        </a:solidFill>
-                        <a:latin typeface="맑은 고딕" panose="020B0503020000020004" pitchFamily="50" charset="-127"/>
-                        <a:ea typeface="+mn-ea"/>
-                        <a:cs typeface="+mn-cs"/>
-                      </a:endParaRPr>
                     </a:p>
                     <a:p>
                       <a:pPr marL="0" marR="0" lvl="0" indent="0" algn="ctr" defTabSz="914400" rtl="0" eaLnBrk="1" fontAlgn="auto" latinLnBrk="1" hangingPunct="1">
@@ -15131,27 +15057,7 @@
                           <a:ea typeface="+mn-ea"/>
                           <a:cs typeface="+mn-cs"/>
                         </a:rPr>
-                        <a:t>) ~ </a:t>
-                      </a:r>
-                      <a:r>
-                        <a:rPr lang="en-US" altLang="ko-KR" sz="1600" b="1" kern="1200" dirty="0" smtClean="0">
-                          <a:ln>
-                            <a:solidFill>
-                              <a:schemeClr val="bg1">
-                                <a:alpha val="0"/>
-                              </a:schemeClr>
-                            </a:solidFill>
-                          </a:ln>
-                          <a:solidFill>
-                            <a:schemeClr val="bg2">
-                              <a:lumMod val="25000"/>
-                            </a:schemeClr>
-                          </a:solidFill>
-                          <a:latin typeface="맑은 고딕" panose="020B0503020000020004" pitchFamily="50" charset="-127"/>
-                          <a:ea typeface="+mn-ea"/>
-                          <a:cs typeface="+mn-cs"/>
-                        </a:rPr>
-                        <a:t>10/04(</a:t>
+                        <a:t>) ~ 10/04(</a:t>
                       </a:r>
                       <a:r>
                         <a:rPr lang="ko-KR" altLang="en-US" sz="1600" b="1" kern="1200" dirty="0" smtClean="0">
@@ -15193,23 +15099,6 @@
                         </a:rPr>
                         <a:t>)</a:t>
                       </a:r>
-                      <a:endParaRPr lang="en-US" altLang="ko-KR" sz="1600" b="1" kern="1200" dirty="0" smtClean="0">
-                        <a:ln>
-                          <a:solidFill>
-                            <a:schemeClr val="bg1">
-                              <a:alpha val="0"/>
-                            </a:schemeClr>
-                          </a:solidFill>
-                        </a:ln>
-                        <a:solidFill>
-                          <a:schemeClr val="bg2">
-                            <a:lumMod val="25000"/>
-                          </a:schemeClr>
-                        </a:solidFill>
-                        <a:latin typeface="맑은 고딕" panose="020B0503020000020004" pitchFamily="50" charset="-127"/>
-                        <a:ea typeface="+mn-ea"/>
-                        <a:cs typeface="+mn-cs"/>
-                      </a:endParaRPr>
                     </a:p>
                     <a:p>
                       <a:pPr marL="0" marR="0" lvl="0" indent="0" algn="ctr" defTabSz="914400" rtl="0" eaLnBrk="1" fontAlgn="auto" latinLnBrk="1" hangingPunct="1">
@@ -15709,27 +15598,7 @@
                           <a:ea typeface="+mn-ea"/>
                           <a:cs typeface="+mn-cs"/>
                         </a:rPr>
-                        <a:t>) </a:t>
-                      </a:r>
-                      <a:r>
-                        <a:rPr lang="en-US" altLang="ko-KR" sz="1600" b="1" kern="1200" dirty="0" smtClean="0">
-                          <a:ln>
-                            <a:solidFill>
-                              <a:schemeClr val="bg1">
-                                <a:alpha val="0"/>
-                              </a:schemeClr>
-                            </a:solidFill>
-                          </a:ln>
-                          <a:solidFill>
-                            <a:schemeClr val="bg2">
-                              <a:lumMod val="25000"/>
-                            </a:schemeClr>
-                          </a:solidFill>
-                          <a:latin typeface="맑은 고딕" panose="020B0503020000020004" pitchFamily="50" charset="-127"/>
-                          <a:ea typeface="+mn-ea"/>
-                          <a:cs typeface="+mn-cs"/>
-                        </a:rPr>
-                        <a:t>~</a:t>
+                        <a:t>) ~</a:t>
                       </a:r>
                       <a:r>
                         <a:rPr lang="en-US" altLang="ko-KR" sz="1600" b="1" kern="1200" baseline="0" dirty="0" smtClean="0">
@@ -16993,27 +16862,7 @@
                           <a:ea typeface="+mn-ea"/>
                           <a:cs typeface="+mn-cs"/>
                         </a:rPr>
-                        <a:t>) </a:t>
-                      </a:r>
-                      <a:r>
-                        <a:rPr lang="en-US" altLang="ko-KR" sz="1600" b="1" kern="1200" dirty="0" smtClean="0">
-                          <a:ln>
-                            <a:solidFill>
-                              <a:schemeClr val="bg1">
-                                <a:alpha val="0"/>
-                              </a:schemeClr>
-                            </a:solidFill>
-                          </a:ln>
-                          <a:solidFill>
-                            <a:schemeClr val="bg2">
-                              <a:lumMod val="25000"/>
-                            </a:schemeClr>
-                          </a:solidFill>
-                          <a:latin typeface="맑은 고딕" panose="020B0503020000020004" pitchFamily="50" charset="-127"/>
-                          <a:ea typeface="+mn-ea"/>
-                          <a:cs typeface="+mn-cs"/>
-                        </a:rPr>
-                        <a:t>~ 11/21(</a:t>
+                        <a:t>) ~ 11/21(</a:t>
                       </a:r>
                       <a:r>
                         <a:rPr lang="ko-KR" altLang="en-US" sz="1600" b="1" kern="1200" dirty="0" smtClean="0">
@@ -17622,7 +17471,7 @@
             <a:blip r:embed="rId4">
               <a:extLst>
                 <a:ext uri="{96DAC541-7B7A-43D3-8B79-37D633B846F1}">
-                  <asvg:svgBlip xmlns="" xmlns:asvg="http://schemas.microsoft.com/office/drawing/2016/SVG/main" r:embed="rId15"/>
+                  <asvg:svgBlip xmlns:asvg="http://schemas.microsoft.com/office/drawing/2016/SVG/main" xmlns="" r:embed="rId15"/>
                 </a:ext>
               </a:extLst>
             </a:blip>
@@ -17904,7 +17753,7 @@
             <a:blip r:embed="rId4">
               <a:extLst>
                 <a:ext uri="{96DAC541-7B7A-43D3-8B79-37D633B846F1}">
-                  <asvg:svgBlip xmlns="" xmlns:asvg="http://schemas.microsoft.com/office/drawing/2016/SVG/main" r:embed="rId15"/>
+                  <asvg:svgBlip xmlns:asvg="http://schemas.microsoft.com/office/drawing/2016/SVG/main" xmlns="" r:embed="rId15"/>
                 </a:ext>
               </a:extLst>
             </a:blip>
@@ -18190,7 +18039,7 @@
             <a:blip r:embed="rId4">
               <a:extLst>
                 <a:ext uri="{96DAC541-7B7A-43D3-8B79-37D633B846F1}">
-                  <asvg:svgBlip xmlns="" xmlns:asvg="http://schemas.microsoft.com/office/drawing/2016/SVG/main" r:embed="rId15"/>
+                  <asvg:svgBlip xmlns:asvg="http://schemas.microsoft.com/office/drawing/2016/SVG/main" xmlns="" r:embed="rId15"/>
                 </a:ext>
               </a:extLst>
             </a:blip>
@@ -18470,7 +18319,7 @@
             <a:blip r:embed="rId4">
               <a:extLst>
                 <a:ext uri="{96DAC541-7B7A-43D3-8B79-37D633B846F1}">
-                  <asvg:svgBlip xmlns="" xmlns:asvg="http://schemas.microsoft.com/office/drawing/2016/SVG/main" r:embed="rId15"/>
+                  <asvg:svgBlip xmlns:asvg="http://schemas.microsoft.com/office/drawing/2016/SVG/main" xmlns="" r:embed="rId15"/>
                 </a:ext>
               </a:extLst>
             </a:blip>
@@ -18777,7 +18626,7 @@
             <a:blip r:embed="rId4">
               <a:extLst>
                 <a:ext uri="{96DAC541-7B7A-43D3-8B79-37D633B846F1}">
-                  <asvg:svgBlip xmlns="" xmlns:asvg="http://schemas.microsoft.com/office/drawing/2016/SVG/main" r:embed="rId15"/>
+                  <asvg:svgBlip xmlns:asvg="http://schemas.microsoft.com/office/drawing/2016/SVG/main" xmlns="" r:embed="rId15"/>
                 </a:ext>
               </a:extLst>
             </a:blip>
@@ -19063,7 +18912,7 @@
             <a:blip r:embed="rId4">
               <a:extLst>
                 <a:ext uri="{96DAC541-7B7A-43D3-8B79-37D633B846F1}">
-                  <asvg:svgBlip xmlns="" xmlns:asvg="http://schemas.microsoft.com/office/drawing/2016/SVG/main" r:embed="rId15"/>
+                  <asvg:svgBlip xmlns:asvg="http://schemas.microsoft.com/office/drawing/2016/SVG/main" xmlns="" r:embed="rId15"/>
                 </a:ext>
               </a:extLst>
             </a:blip>
@@ -19349,7 +19198,7 @@
             <a:blip r:embed="rId4">
               <a:extLst>
                 <a:ext uri="{96DAC541-7B7A-43D3-8B79-37D633B846F1}">
-                  <asvg:svgBlip xmlns="" xmlns:asvg="http://schemas.microsoft.com/office/drawing/2016/SVG/main" r:embed="rId15"/>
+                  <asvg:svgBlip xmlns:asvg="http://schemas.microsoft.com/office/drawing/2016/SVG/main" xmlns="" r:embed="rId15"/>
                 </a:ext>
               </a:extLst>
             </a:blip>
@@ -19635,7 +19484,7 @@
             <a:blip r:embed="rId4">
               <a:extLst>
                 <a:ext uri="{96DAC541-7B7A-43D3-8B79-37D633B846F1}">
-                  <asvg:svgBlip xmlns="" xmlns:asvg="http://schemas.microsoft.com/office/drawing/2016/SVG/main" r:embed="rId15"/>
+                  <asvg:svgBlip xmlns:asvg="http://schemas.microsoft.com/office/drawing/2016/SVG/main" xmlns="" r:embed="rId15"/>
                 </a:ext>
               </a:extLst>
             </a:blip>
@@ -19921,7 +19770,7 @@
             <a:blip r:embed="rId4">
               <a:extLst>
                 <a:ext uri="{96DAC541-7B7A-43D3-8B79-37D633B846F1}">
-                  <asvg:svgBlip xmlns="" xmlns:asvg="http://schemas.microsoft.com/office/drawing/2016/SVG/main" r:embed="rId15"/>
+                  <asvg:svgBlip xmlns:asvg="http://schemas.microsoft.com/office/drawing/2016/SVG/main" xmlns="" r:embed="rId15"/>
                 </a:ext>
               </a:extLst>
             </a:blip>
@@ -20207,7 +20056,7 @@
             <a:blip r:embed="rId4">
               <a:extLst>
                 <a:ext uri="{96DAC541-7B7A-43D3-8B79-37D633B846F1}">
-                  <asvg:svgBlip xmlns="" xmlns:asvg="http://schemas.microsoft.com/office/drawing/2016/SVG/main" r:embed="rId15"/>
+                  <asvg:svgBlip xmlns:asvg="http://schemas.microsoft.com/office/drawing/2016/SVG/main" xmlns="" r:embed="rId15"/>
                 </a:ext>
               </a:extLst>
             </a:blip>
@@ -20493,7 +20342,7 @@
             <a:blip r:embed="rId4">
               <a:extLst>
                 <a:ext uri="{96DAC541-7B7A-43D3-8B79-37D633B846F1}">
-                  <asvg:svgBlip xmlns="" xmlns:asvg="http://schemas.microsoft.com/office/drawing/2016/SVG/main" r:embed="rId15"/>
+                  <asvg:svgBlip xmlns:asvg="http://schemas.microsoft.com/office/drawing/2016/SVG/main" xmlns="" r:embed="rId15"/>
                 </a:ext>
               </a:extLst>
             </a:blip>
@@ -20779,7 +20628,7 @@
             <a:blip r:embed="rId4">
               <a:extLst>
                 <a:ext uri="{96DAC541-7B7A-43D3-8B79-37D633B846F1}">
-                  <asvg:svgBlip xmlns="" xmlns:asvg="http://schemas.microsoft.com/office/drawing/2016/SVG/main" r:embed="rId15"/>
+                  <asvg:svgBlip xmlns:asvg="http://schemas.microsoft.com/office/drawing/2016/SVG/main" xmlns="" r:embed="rId15"/>
                 </a:ext>
               </a:extLst>
             </a:blip>
@@ -21065,7 +20914,7 @@
             <a:blip r:embed="rId4">
               <a:extLst>
                 <a:ext uri="{96DAC541-7B7A-43D3-8B79-37D633B846F1}">
-                  <asvg:svgBlip xmlns="" xmlns:asvg="http://schemas.microsoft.com/office/drawing/2016/SVG/main" r:embed="rId15"/>
+                  <asvg:svgBlip xmlns:asvg="http://schemas.microsoft.com/office/drawing/2016/SVG/main" xmlns="" r:embed="rId15"/>
                 </a:ext>
               </a:extLst>
             </a:blip>
@@ -21351,7 +21200,7 @@
             <a:blip r:embed="rId4">
               <a:extLst>
                 <a:ext uri="{96DAC541-7B7A-43D3-8B79-37D633B846F1}">
-                  <asvg:svgBlip xmlns="" xmlns:asvg="http://schemas.microsoft.com/office/drawing/2016/SVG/main" r:embed="rId15"/>
+                  <asvg:svgBlip xmlns:asvg="http://schemas.microsoft.com/office/drawing/2016/SVG/main" xmlns="" r:embed="rId15"/>
                 </a:ext>
               </a:extLst>
             </a:blip>
@@ -21637,7 +21486,7 @@
             <a:blip r:embed="rId4">
               <a:extLst>
                 <a:ext uri="{96DAC541-7B7A-43D3-8B79-37D633B846F1}">
-                  <asvg:svgBlip xmlns="" xmlns:asvg="http://schemas.microsoft.com/office/drawing/2016/SVG/main" r:embed="rId15"/>
+                  <asvg:svgBlip xmlns:asvg="http://schemas.microsoft.com/office/drawing/2016/SVG/main" xmlns="" r:embed="rId15"/>
                 </a:ext>
               </a:extLst>
             </a:blip>
@@ -21923,7 +21772,7 @@
             <a:blip r:embed="rId4">
               <a:extLst>
                 <a:ext uri="{96DAC541-7B7A-43D3-8B79-37D633B846F1}">
-                  <asvg:svgBlip xmlns="" xmlns:asvg="http://schemas.microsoft.com/office/drawing/2016/SVG/main" r:embed="rId15"/>
+                  <asvg:svgBlip xmlns:asvg="http://schemas.microsoft.com/office/drawing/2016/SVG/main" xmlns="" r:embed="rId15"/>
                 </a:ext>
               </a:extLst>
             </a:blip>
@@ -22209,7 +22058,7 @@
             <a:blip r:embed="rId4">
               <a:extLst>
                 <a:ext uri="{96DAC541-7B7A-43D3-8B79-37D633B846F1}">
-                  <asvg:svgBlip xmlns="" xmlns:asvg="http://schemas.microsoft.com/office/drawing/2016/SVG/main" r:embed="rId15"/>
+                  <asvg:svgBlip xmlns:asvg="http://schemas.microsoft.com/office/drawing/2016/SVG/main" xmlns="" r:embed="rId15"/>
                 </a:ext>
               </a:extLst>
             </a:blip>
@@ -22495,7 +22344,7 @@
             <a:blip r:embed="rId4">
               <a:extLst>
                 <a:ext uri="{96DAC541-7B7A-43D3-8B79-37D633B846F1}">
-                  <asvg:svgBlip xmlns="" xmlns:asvg="http://schemas.microsoft.com/office/drawing/2016/SVG/main" r:embed="rId15"/>
+                  <asvg:svgBlip xmlns:asvg="http://schemas.microsoft.com/office/drawing/2016/SVG/main" xmlns="" r:embed="rId15"/>
                 </a:ext>
               </a:extLst>
             </a:blip>
@@ -22781,7 +22630,7 @@
             <a:blip r:embed="rId4">
               <a:extLst>
                 <a:ext uri="{96DAC541-7B7A-43D3-8B79-37D633B846F1}">
-                  <asvg:svgBlip xmlns="" xmlns:asvg="http://schemas.microsoft.com/office/drawing/2016/SVG/main" r:embed="rId15"/>
+                  <asvg:svgBlip xmlns:asvg="http://schemas.microsoft.com/office/drawing/2016/SVG/main" xmlns="" r:embed="rId15"/>
                 </a:ext>
               </a:extLst>
             </a:blip>
@@ -23109,7 +22958,7 @@
             <a:blip r:embed="rId4">
               <a:extLst>
                 <a:ext uri="{96DAC541-7B7A-43D3-8B79-37D633B846F1}">
-                  <asvg:svgBlip xmlns="" xmlns:asvg="http://schemas.microsoft.com/office/drawing/2016/SVG/main" r:embed="rId15"/>
+                  <asvg:svgBlip xmlns:asvg="http://schemas.microsoft.com/office/drawing/2016/SVG/main" xmlns="" r:embed="rId15"/>
                 </a:ext>
               </a:extLst>
             </a:blip>
@@ -23733,7 +23582,7 @@
             <a:blip r:embed="rId3">
               <a:extLst>
                 <a:ext uri="{96DAC541-7B7A-43D3-8B79-37D633B846F1}">
-                  <asvg:svgBlip xmlns:asvg="http://schemas.microsoft.com/office/drawing/2016/SVG/main" xmlns="" r:embed="rId7"/>
+                  <asvg:svgBlip xmlns="" xmlns:asvg="http://schemas.microsoft.com/office/drawing/2016/SVG/main" r:embed="rId7"/>
                 </a:ext>
               </a:extLst>
             </a:blip>
@@ -24586,7 +24435,7 @@
             <a:blip r:embed="rId3">
               <a:extLst>
                 <a:ext uri="{96DAC541-7B7A-43D3-8B79-37D633B846F1}">
-                  <asvg:svgBlip xmlns:asvg="http://schemas.microsoft.com/office/drawing/2016/SVG/main" xmlns="" r:embed="rId4"/>
+                  <asvg:svgBlip xmlns="" xmlns:asvg="http://schemas.microsoft.com/office/drawing/2016/SVG/main" r:embed="rId4"/>
                 </a:ext>
               </a:extLst>
             </a:blip>
@@ -26376,31 +26225,7 @@
                   <a:cs typeface="Noto Sans Bold"/>
                   <a:sym typeface="Noto Sans Bold"/>
                 </a:rPr>
-                <a:t>프로젝트 기대 효과 </a:t>
-              </a:r>
-              <a:r>
-                <a:rPr lang="ko-KR" altLang="en-US" sz="3000" b="1" dirty="0" smtClean="0">
-                  <a:solidFill>
-                    <a:srgbClr val="FFFFFF"/>
-                  </a:solidFill>
-                  <a:latin typeface="+mj-ea"/>
-                  <a:ea typeface="+mj-ea"/>
-                  <a:cs typeface="Noto Sans Bold"/>
-                  <a:sym typeface="Noto Sans Bold"/>
-                </a:rPr>
-                <a:t>및 자체 </a:t>
-              </a:r>
-              <a:r>
-                <a:rPr lang="ko-KR" altLang="en-US" sz="3000" b="1" dirty="0" smtClean="0">
-                  <a:solidFill>
-                    <a:srgbClr val="FFFFFF"/>
-                  </a:solidFill>
-                  <a:latin typeface="+mj-ea"/>
-                  <a:ea typeface="+mj-ea"/>
-                  <a:cs typeface="Noto Sans Bold"/>
-                  <a:sym typeface="Noto Sans Bold"/>
-                </a:rPr>
-                <a:t>평가 의견</a:t>
+                <a:t>프로젝트 기대 효과 및 자체 평가 의견</a:t>
               </a:r>
               <a:endParaRPr lang="en-US" sz="3000" b="1" dirty="0">
                 <a:solidFill>
@@ -27625,7 +27450,7 @@
             <a:blip r:embed="rId3">
               <a:extLst>
                 <a:ext uri="{96DAC541-7B7A-43D3-8B79-37D633B846F1}">
-                  <asvg:svgBlip xmlns:asvg="http://schemas.microsoft.com/office/drawing/2016/SVG/main" xmlns="" r:embed="rId5"/>
+                  <asvg:svgBlip xmlns="" xmlns:asvg="http://schemas.microsoft.com/office/drawing/2016/SVG/main" r:embed="rId5"/>
                 </a:ext>
               </a:extLst>
             </a:blip>
@@ -28446,7 +28271,7 @@
             <a:blip r:embed="rId3">
               <a:extLst>
                 <a:ext uri="{96DAC541-7B7A-43D3-8B79-37D633B846F1}">
-                  <asvg:svgBlip xmlns:asvg="http://schemas.microsoft.com/office/drawing/2016/SVG/main" xmlns="" r:embed="rId4"/>
+                  <asvg:svgBlip xmlns="" xmlns:asvg="http://schemas.microsoft.com/office/drawing/2016/SVG/main" r:embed="rId4"/>
                 </a:ext>
               </a:extLst>
             </a:blip>
@@ -31411,7 +31236,7 @@
             <a:blip r:embed="rId4">
               <a:extLst>
                 <a:ext uri="{96DAC541-7B7A-43D3-8B79-37D633B846F1}">
-                  <asvg:svgBlip xmlns="" xmlns:asvg="http://schemas.microsoft.com/office/drawing/2016/SVG/main" r:embed="rId5"/>
+                  <asvg:svgBlip xmlns:asvg="http://schemas.microsoft.com/office/drawing/2016/SVG/main" xmlns="" r:embed="rId5"/>
                 </a:ext>
               </a:extLst>
             </a:blip>
@@ -31463,7 +31288,7 @@
             <a:blip r:embed="rId6">
               <a:extLst>
                 <a:ext uri="{96DAC541-7B7A-43D3-8B79-37D633B846F1}">
-                  <asvg:svgBlip xmlns="" xmlns:asvg="http://schemas.microsoft.com/office/drawing/2016/SVG/main" r:embed="rId10"/>
+                  <asvg:svgBlip xmlns:asvg="http://schemas.microsoft.com/office/drawing/2016/SVG/main" xmlns="" r:embed="rId10"/>
                 </a:ext>
               </a:extLst>
             </a:blip>
@@ -31728,1084 +31553,6 @@
       </p:grpSp>
       <p:sp>
         <p:nvSpPr>
-          <p:cNvPr id="44" name="직사각형 43"/>
-          <p:cNvSpPr/>
-          <p:nvPr/>
-        </p:nvSpPr>
-        <p:spPr>
-          <a:xfrm>
-            <a:off x="3232773" y="7937917"/>
-            <a:ext cx="2032774" cy="1242896"/>
-          </a:xfrm>
-          <a:prstGeom prst="rect">
-            <a:avLst/>
-          </a:prstGeom>
-          <a:solidFill>
-            <a:schemeClr val="lt1"/>
-          </a:solidFill>
-        </p:spPr>
-        <p:style>
-          <a:lnRef idx="2">
-            <a:schemeClr val="accent1">
-              <a:shade val="20000"/>
-            </a:schemeClr>
-          </a:lnRef>
-          <a:fillRef idx="1">
-            <a:schemeClr val="accent1"/>
-          </a:fillRef>
-          <a:effectRef idx="0">
-            <a:schemeClr val="accent1"/>
-          </a:effectRef>
-          <a:fontRef idx="minor">
-            <a:schemeClr val="lt1"/>
-          </a:fontRef>
-        </p:style>
-        <p:txBody>
-          <a:bodyPr anchor="ctr"/>
-          <a:lstStyle/>
-          <a:p>
-            <a:pPr algn="ctr">
-              <a:defRPr/>
-            </a:pPr>
-            <a:endParaRPr lang="en-US" altLang="ko-KR"/>
-          </a:p>
-        </p:txBody>
-      </p:sp>
-      <p:sp>
-        <p:nvSpPr>
-          <p:cNvPr id="45" name="직사각형 44"/>
-          <p:cNvSpPr/>
-          <p:nvPr/>
-        </p:nvSpPr>
-        <p:spPr>
-          <a:xfrm>
-            <a:off x="5867400" y="7972708"/>
-            <a:ext cx="2718109" cy="1242896"/>
-          </a:xfrm>
-          <a:prstGeom prst="rect">
-            <a:avLst/>
-          </a:prstGeom>
-          <a:solidFill>
-            <a:schemeClr val="lt1"/>
-          </a:solidFill>
-        </p:spPr>
-        <p:style>
-          <a:lnRef idx="2">
-            <a:schemeClr val="accent1">
-              <a:shade val="20000"/>
-            </a:schemeClr>
-          </a:lnRef>
-          <a:fillRef idx="1">
-            <a:schemeClr val="accent1"/>
-          </a:fillRef>
-          <a:effectRef idx="0">
-            <a:schemeClr val="accent1"/>
-          </a:effectRef>
-          <a:fontRef idx="minor">
-            <a:schemeClr val="lt1"/>
-          </a:fontRef>
-        </p:style>
-        <p:txBody>
-          <a:bodyPr anchor="ctr"/>
-          <a:lstStyle/>
-          <a:p>
-            <a:pPr algn="ctr">
-              <a:defRPr/>
-            </a:pPr>
-            <a:endParaRPr lang="en-US" altLang="ko-KR"/>
-          </a:p>
-        </p:txBody>
-      </p:sp>
-      <p:sp>
-        <p:nvSpPr>
-          <p:cNvPr id="46" name="직사각형 45"/>
-          <p:cNvSpPr/>
-          <p:nvPr/>
-        </p:nvSpPr>
-        <p:spPr>
-          <a:xfrm>
-            <a:off x="9182970" y="7945264"/>
-            <a:ext cx="2032774" cy="1242896"/>
-          </a:xfrm>
-          <a:prstGeom prst="rect">
-            <a:avLst/>
-          </a:prstGeom>
-          <a:solidFill>
-            <a:schemeClr val="lt1"/>
-          </a:solidFill>
-        </p:spPr>
-        <p:style>
-          <a:lnRef idx="2">
-            <a:schemeClr val="accent1">
-              <a:shade val="20000"/>
-            </a:schemeClr>
-          </a:lnRef>
-          <a:fillRef idx="1">
-            <a:schemeClr val="accent1"/>
-          </a:fillRef>
-          <a:effectRef idx="0">
-            <a:schemeClr val="accent1"/>
-          </a:effectRef>
-          <a:fontRef idx="minor">
-            <a:schemeClr val="lt1"/>
-          </a:fontRef>
-        </p:style>
-        <p:txBody>
-          <a:bodyPr anchor="ctr"/>
-          <a:lstStyle/>
-          <a:p>
-            <a:pPr algn="ctr">
-              <a:defRPr/>
-            </a:pPr>
-            <a:endParaRPr lang="en-US" altLang="ko-KR"/>
-          </a:p>
-        </p:txBody>
-      </p:sp>
-      <p:sp>
-        <p:nvSpPr>
-          <p:cNvPr id="47" name="직사각형 46"/>
-          <p:cNvSpPr/>
-          <p:nvPr/>
-        </p:nvSpPr>
-        <p:spPr>
-          <a:xfrm>
-            <a:off x="11836091" y="7960026"/>
-            <a:ext cx="2718109" cy="1242896"/>
-          </a:xfrm>
-          <a:prstGeom prst="rect">
-            <a:avLst/>
-          </a:prstGeom>
-          <a:solidFill>
-            <a:schemeClr val="lt1"/>
-          </a:solidFill>
-        </p:spPr>
-        <p:style>
-          <a:lnRef idx="2">
-            <a:schemeClr val="accent1">
-              <a:shade val="20000"/>
-            </a:schemeClr>
-          </a:lnRef>
-          <a:fillRef idx="1">
-            <a:schemeClr val="accent1"/>
-          </a:fillRef>
-          <a:effectRef idx="0">
-            <a:schemeClr val="accent1"/>
-          </a:effectRef>
-          <a:fontRef idx="minor">
-            <a:schemeClr val="lt1"/>
-          </a:fontRef>
-        </p:style>
-        <p:txBody>
-          <a:bodyPr anchor="ctr"/>
-          <a:lstStyle/>
-          <a:p>
-            <a:pPr algn="ctr">
-              <a:defRPr/>
-            </a:pPr>
-            <a:r>
-              <a:rPr lang="en-US" altLang="ko-KR"/>
-              <a:t>C</a:t>
-            </a:r>
-          </a:p>
-        </p:txBody>
-      </p:sp>
-      <p:sp>
-        <p:nvSpPr>
-          <p:cNvPr id="48" name="직사각형 47"/>
-          <p:cNvSpPr/>
-          <p:nvPr/>
-        </p:nvSpPr>
-        <p:spPr>
-          <a:xfrm>
-            <a:off x="11767292" y="5387197"/>
-            <a:ext cx="2718109" cy="1382287"/>
-          </a:xfrm>
-          <a:prstGeom prst="rect">
-            <a:avLst/>
-          </a:prstGeom>
-          <a:solidFill>
-            <a:schemeClr val="lt1"/>
-          </a:solidFill>
-        </p:spPr>
-        <p:style>
-          <a:lnRef idx="2">
-            <a:schemeClr val="accent1">
-              <a:shade val="20000"/>
-            </a:schemeClr>
-          </a:lnRef>
-          <a:fillRef idx="1">
-            <a:schemeClr val="accent1"/>
-          </a:fillRef>
-          <a:effectRef idx="0">
-            <a:schemeClr val="accent1"/>
-          </a:effectRef>
-          <a:fontRef idx="minor">
-            <a:schemeClr val="lt1"/>
-          </a:fontRef>
-        </p:style>
-        <p:txBody>
-          <a:bodyPr anchor="ctr"/>
-          <a:lstStyle/>
-          <a:p>
-            <a:pPr algn="ctr">
-              <a:defRPr/>
-            </a:pPr>
-            <a:endParaRPr lang="en-US" altLang="ko-KR"/>
-          </a:p>
-        </p:txBody>
-      </p:sp>
-      <p:sp>
-        <p:nvSpPr>
-          <p:cNvPr id="49" name="직사각형 48"/>
-          <p:cNvSpPr/>
-          <p:nvPr/>
-        </p:nvSpPr>
-        <p:spPr>
-          <a:xfrm>
-            <a:off x="7647758" y="5398813"/>
-            <a:ext cx="3264054" cy="1335822"/>
-          </a:xfrm>
-          <a:prstGeom prst="rect">
-            <a:avLst/>
-          </a:prstGeom>
-          <a:solidFill>
-            <a:schemeClr val="lt1"/>
-          </a:solidFill>
-        </p:spPr>
-        <p:style>
-          <a:lnRef idx="2">
-            <a:schemeClr val="accent1">
-              <a:shade val="20000"/>
-            </a:schemeClr>
-          </a:lnRef>
-          <a:fillRef idx="1">
-            <a:schemeClr val="accent1"/>
-          </a:fillRef>
-          <a:effectRef idx="0">
-            <a:schemeClr val="accent1"/>
-          </a:effectRef>
-          <a:fontRef idx="minor">
-            <a:schemeClr val="lt1"/>
-          </a:fontRef>
-        </p:style>
-        <p:txBody>
-          <a:bodyPr anchor="ctr"/>
-          <a:lstStyle/>
-          <a:p>
-            <a:pPr algn="ctr">
-              <a:defRPr/>
-            </a:pPr>
-            <a:endParaRPr lang="en-US" altLang="ko-KR"/>
-          </a:p>
-        </p:txBody>
-      </p:sp>
-      <p:sp>
-        <p:nvSpPr>
-          <p:cNvPr id="50" name="직사각형 49"/>
-          <p:cNvSpPr/>
-          <p:nvPr/>
-        </p:nvSpPr>
-        <p:spPr>
-          <a:xfrm>
-            <a:off x="3235523" y="5401216"/>
-            <a:ext cx="3775152" cy="1335823"/>
-          </a:xfrm>
-          <a:prstGeom prst="rect">
-            <a:avLst/>
-          </a:prstGeom>
-          <a:solidFill>
-            <a:schemeClr val="lt1"/>
-          </a:solidFill>
-          <a:ln>
-            <a:solidFill>
-              <a:srgbClr val="000000"/>
-            </a:solidFill>
-          </a:ln>
-        </p:spPr>
-        <p:style>
-          <a:lnRef idx="2">
-            <a:schemeClr val="accent1">
-              <a:shade val="20000"/>
-            </a:schemeClr>
-          </a:lnRef>
-          <a:fillRef idx="1">
-            <a:schemeClr val="accent1"/>
-          </a:fillRef>
-          <a:effectRef idx="0">
-            <a:schemeClr val="accent1"/>
-          </a:effectRef>
-          <a:fontRef idx="minor">
-            <a:schemeClr val="lt1"/>
-          </a:fontRef>
-        </p:style>
-        <p:txBody>
-          <a:bodyPr anchor="ctr"/>
-          <a:lstStyle/>
-          <a:p>
-            <a:pPr algn="ctr">
-              <a:defRPr/>
-            </a:pPr>
-            <a:endParaRPr lang="en-US" altLang="ko-KR"/>
-          </a:p>
-        </p:txBody>
-      </p:sp>
-      <p:sp>
-        <p:nvSpPr>
-          <p:cNvPr id="51" name="순서도: 처리 50"/>
-          <p:cNvSpPr/>
-          <p:nvPr/>
-        </p:nvSpPr>
-        <p:spPr>
-          <a:xfrm>
-            <a:off x="9906000" y="2781300"/>
-            <a:ext cx="4565031" cy="1417134"/>
-          </a:xfrm>
-          <a:prstGeom prst="flowChartProcess">
-            <a:avLst/>
-          </a:prstGeom>
-          <a:solidFill>
-            <a:schemeClr val="lt1"/>
-          </a:solidFill>
-          <a:ln>
-            <a:solidFill>
-              <a:srgbClr val="000000"/>
-            </a:solidFill>
-          </a:ln>
-        </p:spPr>
-        <p:style>
-          <a:lnRef idx="2">
-            <a:schemeClr val="accent1">
-              <a:shade val="20000"/>
-            </a:schemeClr>
-          </a:lnRef>
-          <a:fillRef idx="1">
-            <a:schemeClr val="accent1"/>
-          </a:fillRef>
-          <a:effectRef idx="0">
-            <a:schemeClr val="accent1"/>
-          </a:effectRef>
-          <a:fontRef idx="minor">
-            <a:schemeClr val="lt1"/>
-          </a:fontRef>
-        </p:style>
-        <p:txBody>
-          <a:bodyPr anchor="ctr"/>
-          <a:lstStyle/>
-          <a:p>
-            <a:pPr algn="ctr">
-              <a:defRPr/>
-            </a:pPr>
-            <a:endParaRPr lang="en-US" altLang="ko-KR"/>
-          </a:p>
-        </p:txBody>
-      </p:sp>
-      <p:sp>
-        <p:nvSpPr>
-          <p:cNvPr id="52" name="순서도: 처리 51"/>
-          <p:cNvSpPr/>
-          <p:nvPr/>
-        </p:nvSpPr>
-        <p:spPr>
-          <a:xfrm>
-            <a:off x="3215266" y="2775914"/>
-            <a:ext cx="4890274" cy="1417134"/>
-          </a:xfrm>
-          <a:prstGeom prst="flowChartProcess">
-            <a:avLst/>
-          </a:prstGeom>
-          <a:solidFill>
-            <a:schemeClr val="lt1"/>
-          </a:solidFill>
-          <a:ln>
-            <a:solidFill>
-              <a:srgbClr val="000000"/>
-            </a:solidFill>
-          </a:ln>
-        </p:spPr>
-        <p:style>
-          <a:lnRef idx="2">
-            <a:schemeClr val="accent1">
-              <a:shade val="20000"/>
-            </a:schemeClr>
-          </a:lnRef>
-          <a:fillRef idx="1">
-            <a:schemeClr val="accent1"/>
-          </a:fillRef>
-          <a:effectRef idx="0">
-            <a:schemeClr val="accent1"/>
-          </a:effectRef>
-          <a:fontRef idx="minor">
-            <a:schemeClr val="lt1"/>
-          </a:fontRef>
-        </p:style>
-        <p:txBody>
-          <a:bodyPr anchor="ctr"/>
-          <a:lstStyle/>
-          <a:p>
-            <a:pPr algn="ctr">
-              <a:defRPr/>
-            </a:pPr>
-            <a:endParaRPr lang="en-US" altLang="ko-KR"/>
-          </a:p>
-        </p:txBody>
-      </p:sp>
-      <p:pic>
-        <p:nvPicPr>
-          <p:cNvPr id="53" name="그림 52"/>
-          <p:cNvPicPr>
-            <a:picLocks noChangeAspect="1"/>
-          </p:cNvPicPr>
-          <p:nvPr/>
-        </p:nvPicPr>
-        <p:blipFill rotWithShape="1">
-          <a:blip r:embed="rId3"/>
-          <a:stretch>
-            <a:fillRect/>
-          </a:stretch>
-        </p:blipFill>
-        <p:spPr>
-          <a:xfrm>
-            <a:off x="4060257" y="2944477"/>
-            <a:ext cx="989388" cy="1072580"/>
-          </a:xfrm>
-          <a:prstGeom prst="rect">
-            <a:avLst/>
-          </a:prstGeom>
-        </p:spPr>
-      </p:pic>
-      <p:sp>
-        <p:nvSpPr>
-          <p:cNvPr id="54" name="TextBox 53"/>
-          <p:cNvSpPr txBox="1"/>
-          <p:nvPr/>
-        </p:nvSpPr>
-        <p:spPr>
-          <a:xfrm>
-            <a:off x="4771790" y="2357744"/>
-            <a:ext cx="1742378" cy="366550"/>
-          </a:xfrm>
-          <a:prstGeom prst="rect">
-            <a:avLst/>
-          </a:prstGeom>
-        </p:spPr>
-        <p:txBody>
-          <a:bodyPr wrap="square">
-            <a:spAutoFit/>
-          </a:bodyPr>
-          <a:lstStyle/>
-          <a:p>
-            <a:pPr algn="ctr">
-              <a:defRPr/>
-            </a:pPr>
-            <a:r>
-              <a:rPr lang="en-US" altLang="ko-KR" dirty="0">
-                <a:solidFill>
-                  <a:schemeClr val="dk1"/>
-                </a:solidFill>
-              </a:rPr>
-              <a:t>Front-End</a:t>
-            </a:r>
-          </a:p>
-        </p:txBody>
-      </p:sp>
-      <p:pic>
-        <p:nvPicPr>
-          <p:cNvPr id="55" name="그림 54"/>
-          <p:cNvPicPr>
-            <a:picLocks noChangeAspect="1"/>
-          </p:cNvPicPr>
-          <p:nvPr/>
-        </p:nvPicPr>
-        <p:blipFill rotWithShape="1">
-          <a:blip r:embed="rId4"/>
-          <a:stretch>
-            <a:fillRect/>
-          </a:stretch>
-        </p:blipFill>
-        <p:spPr>
-          <a:xfrm>
-            <a:off x="3358352" y="2993345"/>
-            <a:ext cx="750119" cy="996427"/>
-          </a:xfrm>
-          <a:prstGeom prst="rect">
-            <a:avLst/>
-          </a:prstGeom>
-        </p:spPr>
-      </p:pic>
-      <p:pic>
-        <p:nvPicPr>
-          <p:cNvPr id="56" name="그림 55"/>
-          <p:cNvPicPr>
-            <a:picLocks noChangeAspect="1"/>
-          </p:cNvPicPr>
-          <p:nvPr/>
-        </p:nvPicPr>
-        <p:blipFill rotWithShape="1">
-          <a:blip r:embed="rId5"/>
-          <a:stretch>
-            <a:fillRect/>
-          </a:stretch>
-        </p:blipFill>
-        <p:spPr>
-          <a:xfrm>
-            <a:off x="5099934" y="3133323"/>
-            <a:ext cx="834414" cy="830091"/>
-          </a:xfrm>
-          <a:prstGeom prst="rect">
-            <a:avLst/>
-          </a:prstGeom>
-        </p:spPr>
-      </p:pic>
-      <p:pic>
-        <p:nvPicPr>
-          <p:cNvPr id="57" name="그림 56"/>
-          <p:cNvPicPr>
-            <a:picLocks noChangeAspect="1"/>
-          </p:cNvPicPr>
-          <p:nvPr/>
-        </p:nvPicPr>
-        <p:blipFill rotWithShape="1">
-          <a:blip r:embed="rId6"/>
-          <a:stretch>
-            <a:fillRect/>
-          </a:stretch>
-        </p:blipFill>
-        <p:spPr>
-          <a:xfrm>
-            <a:off x="6024352" y="3218297"/>
-            <a:ext cx="1897288" cy="608336"/>
-          </a:xfrm>
-          <a:prstGeom prst="rect">
-            <a:avLst/>
-          </a:prstGeom>
-        </p:spPr>
-      </p:pic>
-      <p:sp>
-        <p:nvSpPr>
-          <p:cNvPr id="58" name="TextBox 57"/>
-          <p:cNvSpPr txBox="1"/>
-          <p:nvPr/>
-        </p:nvSpPr>
-        <p:spPr>
-          <a:xfrm>
-            <a:off x="4513267" y="4988854"/>
-            <a:ext cx="1045426" cy="367015"/>
-          </a:xfrm>
-          <a:prstGeom prst="rect">
-            <a:avLst/>
-          </a:prstGeom>
-        </p:spPr>
-        <p:txBody>
-          <a:bodyPr wrap="square">
-            <a:spAutoFit/>
-          </a:bodyPr>
-          <a:lstStyle/>
-          <a:p>
-            <a:pPr algn="ctr">
-              <a:defRPr/>
-            </a:pPr>
-            <a:r>
-              <a:rPr lang="en-US" altLang="ko-KR" dirty="0">
-                <a:solidFill>
-                  <a:schemeClr val="dk1"/>
-                </a:solidFill>
-              </a:rPr>
-              <a:t>IDE</a:t>
-            </a:r>
-          </a:p>
-        </p:txBody>
-      </p:sp>
-      <p:pic>
-        <p:nvPicPr>
-          <p:cNvPr id="59" name="그림 58"/>
-          <p:cNvPicPr>
-            <a:picLocks noChangeAspect="1"/>
-          </p:cNvPicPr>
-          <p:nvPr/>
-        </p:nvPicPr>
-        <p:blipFill rotWithShape="1">
-          <a:blip r:embed="rId7"/>
-          <a:stretch>
-            <a:fillRect/>
-          </a:stretch>
-        </p:blipFill>
-        <p:spPr>
-          <a:xfrm>
-            <a:off x="4544071" y="5754326"/>
-            <a:ext cx="2249942" cy="611006"/>
-          </a:xfrm>
-          <a:prstGeom prst="rect">
-            <a:avLst/>
-          </a:prstGeom>
-        </p:spPr>
-      </p:pic>
-      <p:pic>
-        <p:nvPicPr>
-          <p:cNvPr id="60" name="그림 59"/>
-          <p:cNvPicPr>
-            <a:picLocks noChangeAspect="1"/>
-          </p:cNvPicPr>
-          <p:nvPr/>
-        </p:nvPicPr>
-        <p:blipFill rotWithShape="1">
-          <a:blip r:embed="rId8"/>
-          <a:stretch>
-            <a:fillRect/>
-          </a:stretch>
-        </p:blipFill>
-        <p:spPr>
-          <a:xfrm>
-            <a:off x="3391791" y="5656126"/>
-            <a:ext cx="935621" cy="884083"/>
-          </a:xfrm>
-          <a:prstGeom prst="rect">
-            <a:avLst/>
-          </a:prstGeom>
-        </p:spPr>
-      </p:pic>
-      <p:sp>
-        <p:nvSpPr>
-          <p:cNvPr id="61" name="TextBox 60"/>
-          <p:cNvSpPr txBox="1"/>
-          <p:nvPr/>
-        </p:nvSpPr>
-        <p:spPr>
-          <a:xfrm>
-            <a:off x="9426904" y="7560549"/>
-            <a:ext cx="1661067" cy="359813"/>
-          </a:xfrm>
-          <a:prstGeom prst="rect">
-            <a:avLst/>
-          </a:prstGeom>
-        </p:spPr>
-        <p:txBody>
-          <a:bodyPr wrap="square">
-            <a:spAutoFit/>
-          </a:bodyPr>
-          <a:lstStyle/>
-          <a:p>
-            <a:pPr algn="ctr">
-              <a:defRPr/>
-            </a:pPr>
-            <a:r>
-              <a:rPr lang="en-US" altLang="ko-KR"/>
-              <a:t>Language</a:t>
-            </a:r>
-          </a:p>
-        </p:txBody>
-      </p:sp>
-      <p:pic>
-        <p:nvPicPr>
-          <p:cNvPr id="62" name="그림 61"/>
-          <p:cNvPicPr>
-            <a:picLocks noChangeAspect="1"/>
-          </p:cNvPicPr>
-          <p:nvPr/>
-        </p:nvPicPr>
-        <p:blipFill rotWithShape="1">
-          <a:blip r:embed="rId9"/>
-          <a:stretch>
-            <a:fillRect/>
-          </a:stretch>
-        </p:blipFill>
-        <p:spPr>
-          <a:xfrm>
-            <a:off x="9773460" y="7984643"/>
-            <a:ext cx="849875" cy="1146044"/>
-          </a:xfrm>
-          <a:prstGeom prst="rect">
-            <a:avLst/>
-          </a:prstGeom>
-        </p:spPr>
-      </p:pic>
-      <p:sp>
-        <p:nvSpPr>
-          <p:cNvPr id="63" name="TextBox 62"/>
-          <p:cNvSpPr txBox="1"/>
-          <p:nvPr/>
-        </p:nvSpPr>
-        <p:spPr>
-          <a:xfrm>
-            <a:off x="3254612" y="7551809"/>
-            <a:ext cx="1893384" cy="361207"/>
-          </a:xfrm>
-          <a:prstGeom prst="rect">
-            <a:avLst/>
-          </a:prstGeom>
-        </p:spPr>
-        <p:txBody>
-          <a:bodyPr wrap="square">
-            <a:spAutoFit/>
-          </a:bodyPr>
-          <a:lstStyle/>
-          <a:p>
-            <a:pPr algn="ctr">
-              <a:defRPr/>
-            </a:pPr>
-            <a:r>
-              <a:rPr lang="en-US" altLang="ko-KR"/>
-              <a:t>RPA</a:t>
-            </a:r>
-          </a:p>
-        </p:txBody>
-      </p:sp>
-      <p:pic>
-        <p:nvPicPr>
-          <p:cNvPr id="64" name="그림 63"/>
-          <p:cNvPicPr>
-            <a:picLocks noChangeAspect="1"/>
-          </p:cNvPicPr>
-          <p:nvPr/>
-        </p:nvPicPr>
-        <p:blipFill rotWithShape="1">
-          <a:blip r:embed="rId10"/>
-          <a:stretch>
-            <a:fillRect/>
-          </a:stretch>
-        </p:blipFill>
-        <p:spPr>
-          <a:xfrm>
-            <a:off x="3534921" y="8237448"/>
-            <a:ext cx="1390844" cy="638264"/>
-          </a:xfrm>
-          <a:prstGeom prst="rect">
-            <a:avLst/>
-          </a:prstGeom>
-        </p:spPr>
-      </p:pic>
-      <p:sp>
-        <p:nvSpPr>
-          <p:cNvPr id="65" name="TextBox 64"/>
-          <p:cNvSpPr txBox="1"/>
-          <p:nvPr/>
-        </p:nvSpPr>
-        <p:spPr>
-          <a:xfrm>
-            <a:off x="6596410" y="7598215"/>
-            <a:ext cx="1219664" cy="362833"/>
-          </a:xfrm>
-          <a:prstGeom prst="rect">
-            <a:avLst/>
-          </a:prstGeom>
-        </p:spPr>
-        <p:txBody>
-          <a:bodyPr wrap="square">
-            <a:spAutoFit/>
-          </a:bodyPr>
-          <a:lstStyle/>
-          <a:p>
-            <a:pPr algn="ctr">
-              <a:defRPr/>
-            </a:pPr>
-            <a:r>
-              <a:rPr lang="en-US" altLang="ko-KR"/>
-              <a:t>DB</a:t>
-            </a:r>
-          </a:p>
-        </p:txBody>
-      </p:sp>
-      <p:pic>
-        <p:nvPicPr>
-          <p:cNvPr id="66" name="그림 65"/>
-          <p:cNvPicPr>
-            <a:picLocks noChangeAspect="1"/>
-          </p:cNvPicPr>
-          <p:nvPr/>
-        </p:nvPicPr>
-        <p:blipFill rotWithShape="1">
-          <a:blip r:embed="rId11"/>
-          <a:stretch>
-            <a:fillRect/>
-          </a:stretch>
-        </p:blipFill>
-        <p:spPr>
-          <a:xfrm>
-            <a:off x="6189857" y="8118975"/>
-            <a:ext cx="2041012" cy="979467"/>
-          </a:xfrm>
-          <a:prstGeom prst="rect">
-            <a:avLst/>
-          </a:prstGeom>
-        </p:spPr>
-      </p:pic>
-      <p:sp>
-        <p:nvSpPr>
-          <p:cNvPr id="67" name="TextBox 66"/>
-          <p:cNvSpPr txBox="1"/>
-          <p:nvPr/>
-        </p:nvSpPr>
-        <p:spPr>
-          <a:xfrm>
-            <a:off x="11671610" y="2409592"/>
-            <a:ext cx="1010579" cy="361439"/>
-          </a:xfrm>
-          <a:prstGeom prst="rect">
-            <a:avLst/>
-          </a:prstGeom>
-        </p:spPr>
-        <p:txBody>
-          <a:bodyPr wrap="square">
-            <a:spAutoFit/>
-          </a:bodyPr>
-          <a:lstStyle/>
-          <a:p>
-            <a:pPr algn="ctr">
-              <a:defRPr/>
-            </a:pPr>
-            <a:r>
-              <a:rPr lang="en-US" altLang="ko-KR">
-                <a:solidFill>
-                  <a:schemeClr val="dk1"/>
-                </a:solidFill>
-              </a:rPr>
-              <a:t>CI</a:t>
-            </a:r>
-          </a:p>
-        </p:txBody>
-      </p:sp>
-      <p:pic>
-        <p:nvPicPr>
-          <p:cNvPr id="68" name="그림 67"/>
-          <p:cNvPicPr>
-            <a:picLocks noChangeAspect="1"/>
-          </p:cNvPicPr>
-          <p:nvPr/>
-        </p:nvPicPr>
-        <p:blipFill rotWithShape="1">
-          <a:blip r:embed="rId12"/>
-          <a:stretch>
-            <a:fillRect/>
-          </a:stretch>
-        </p:blipFill>
-        <p:spPr>
-          <a:xfrm>
-            <a:off x="12259057" y="3221254"/>
-            <a:ext cx="1856845" cy="505851"/>
-          </a:xfrm>
-          <a:prstGeom prst="rect">
-            <a:avLst/>
-          </a:prstGeom>
-        </p:spPr>
-      </p:pic>
-      <p:pic>
-        <p:nvPicPr>
-          <p:cNvPr id="69" name="그림 68"/>
-          <p:cNvPicPr>
-            <a:picLocks noChangeAspect="1"/>
-          </p:cNvPicPr>
-          <p:nvPr/>
-        </p:nvPicPr>
-        <p:blipFill rotWithShape="1">
-          <a:blip r:embed="rId13"/>
-          <a:stretch>
-            <a:fillRect/>
-          </a:stretch>
-        </p:blipFill>
-        <p:spPr>
-          <a:xfrm>
-            <a:off x="10266091" y="3133518"/>
-            <a:ext cx="1804993" cy="692672"/>
-          </a:xfrm>
-          <a:prstGeom prst="rect">
-            <a:avLst/>
-          </a:prstGeom>
-        </p:spPr>
-      </p:pic>
-      <p:sp>
-        <p:nvSpPr>
-          <p:cNvPr id="70" name="TextBox 69"/>
-          <p:cNvSpPr txBox="1"/>
-          <p:nvPr/>
-        </p:nvSpPr>
-        <p:spPr>
-          <a:xfrm>
-            <a:off x="11639516" y="5027105"/>
-            <a:ext cx="2973660" cy="363995"/>
-          </a:xfrm>
-          <a:prstGeom prst="rect">
-            <a:avLst/>
-          </a:prstGeom>
-        </p:spPr>
-        <p:txBody>
-          <a:bodyPr wrap="square">
-            <a:spAutoFit/>
-          </a:bodyPr>
-          <a:lstStyle/>
-          <a:p>
-            <a:pPr algn="ctr">
-              <a:defRPr/>
-            </a:pPr>
-            <a:r>
-              <a:rPr lang="en-US" altLang="ko-KR"/>
-              <a:t>virtualization software</a:t>
-            </a:r>
-          </a:p>
-        </p:txBody>
-      </p:sp>
-      <p:pic>
-        <p:nvPicPr>
-          <p:cNvPr id="71" name="그림 70"/>
-          <p:cNvPicPr>
-            <a:picLocks noChangeAspect="1"/>
-          </p:cNvPicPr>
-          <p:nvPr/>
-        </p:nvPicPr>
-        <p:blipFill rotWithShape="1">
-          <a:blip r:embed="rId14"/>
-          <a:stretch>
-            <a:fillRect/>
-          </a:stretch>
-        </p:blipFill>
-        <p:spPr>
-          <a:xfrm>
-            <a:off x="12630979" y="5561829"/>
-            <a:ext cx="990738" cy="1009790"/>
-          </a:xfrm>
-          <a:prstGeom prst="rect">
-            <a:avLst/>
-          </a:prstGeom>
-        </p:spPr>
-      </p:pic>
-      <p:sp>
-        <p:nvSpPr>
-          <p:cNvPr id="72" name="TextBox 71"/>
-          <p:cNvSpPr txBox="1"/>
-          <p:nvPr/>
-        </p:nvSpPr>
-        <p:spPr>
-          <a:xfrm>
-            <a:off x="7554831" y="4957410"/>
-            <a:ext cx="1115122" cy="363763"/>
-          </a:xfrm>
-          <a:prstGeom prst="rect">
-            <a:avLst/>
-          </a:prstGeom>
-        </p:spPr>
-        <p:txBody>
-          <a:bodyPr wrap="square">
-            <a:spAutoFit/>
-          </a:bodyPr>
-          <a:lstStyle/>
-          <a:p>
-            <a:pPr>
-              <a:defRPr/>
-            </a:pPr>
-            <a:endParaRPr lang="en-US" altLang="ko-KR"/>
-          </a:p>
-        </p:txBody>
-      </p:sp>
-      <p:sp>
-        <p:nvSpPr>
-          <p:cNvPr id="73" name="TextBox 72"/>
-          <p:cNvSpPr txBox="1"/>
-          <p:nvPr/>
-        </p:nvSpPr>
-        <p:spPr>
-          <a:xfrm>
-            <a:off x="8658338" y="5015490"/>
-            <a:ext cx="1115122" cy="367247"/>
-          </a:xfrm>
-          <a:prstGeom prst="rect">
-            <a:avLst/>
-          </a:prstGeom>
-        </p:spPr>
-        <p:txBody>
-          <a:bodyPr wrap="square">
-            <a:spAutoFit/>
-          </a:bodyPr>
-          <a:lstStyle/>
-          <a:p>
-            <a:pPr algn="ctr">
-              <a:defRPr/>
-            </a:pPr>
-            <a:r>
-              <a:rPr lang="en-US" altLang="ko-KR"/>
-              <a:t>WAS</a:t>
-            </a:r>
-          </a:p>
-        </p:txBody>
-      </p:sp>
-      <p:pic>
-        <p:nvPicPr>
-          <p:cNvPr id="74" name="그림 73"/>
-          <p:cNvPicPr>
-            <a:picLocks noChangeAspect="1"/>
-          </p:cNvPicPr>
-          <p:nvPr/>
-        </p:nvPicPr>
-        <p:blipFill rotWithShape="1">
-          <a:blip r:embed="rId15"/>
-          <a:stretch>
-            <a:fillRect/>
-          </a:stretch>
-        </p:blipFill>
-        <p:spPr>
-          <a:xfrm>
-            <a:off x="7688044" y="5610101"/>
-            <a:ext cx="3113780" cy="843551"/>
-          </a:xfrm>
-          <a:prstGeom prst="rect">
-            <a:avLst/>
-          </a:prstGeom>
-        </p:spPr>
-      </p:pic>
-      <p:sp>
-        <p:nvSpPr>
-          <p:cNvPr id="75" name="TextBox 74"/>
-          <p:cNvSpPr txBox="1"/>
-          <p:nvPr/>
-        </p:nvSpPr>
-        <p:spPr>
-          <a:xfrm>
-            <a:off x="12822047" y="7598541"/>
-            <a:ext cx="592408" cy="365156"/>
-          </a:xfrm>
-          <a:prstGeom prst="rect">
-            <a:avLst/>
-          </a:prstGeom>
-        </p:spPr>
-        <p:txBody>
-          <a:bodyPr wrap="square">
-            <a:spAutoFit/>
-          </a:bodyPr>
-          <a:lstStyle/>
-          <a:p>
-            <a:pPr algn="ctr">
-              <a:defRPr/>
-            </a:pPr>
-            <a:r>
-              <a:rPr lang="en-US" altLang="ko-KR"/>
-              <a:t>OS</a:t>
-            </a:r>
-          </a:p>
-        </p:txBody>
-      </p:sp>
-      <p:pic>
-        <p:nvPicPr>
-          <p:cNvPr id="76" name="그림 75"/>
-          <p:cNvPicPr>
-            <a:picLocks noChangeAspect="1"/>
-          </p:cNvPicPr>
-          <p:nvPr/>
-        </p:nvPicPr>
-        <p:blipFill rotWithShape="1">
-          <a:blip r:embed="rId16"/>
-          <a:stretch>
-            <a:fillRect/>
-          </a:stretch>
-        </p:blipFill>
-        <p:spPr>
-          <a:xfrm>
-            <a:off x="12001455" y="8174292"/>
-            <a:ext cx="2314898" cy="695422"/>
-          </a:xfrm>
-          <a:prstGeom prst="rect">
-            <a:avLst/>
-          </a:prstGeom>
-        </p:spPr>
-      </p:pic>
-      <p:sp>
-        <p:nvSpPr>
           <p:cNvPr id="79" name="TextBox 19"/>
           <p:cNvSpPr txBox="1"/>
           <p:nvPr/>
@@ -32907,6 +31654,36 @@
           </a:p>
         </p:txBody>
       </p:sp>
+      <p:pic>
+        <p:nvPicPr>
+          <p:cNvPr id="2" name="그림 1"/>
+          <p:cNvPicPr>
+            <a:picLocks noChangeAspect="1"/>
+          </p:cNvPicPr>
+          <p:nvPr/>
+        </p:nvPicPr>
+        <p:blipFill>
+          <a:blip r:embed="rId3">
+            <a:extLst>
+              <a:ext uri="{28A0092B-C50C-407E-A947-70E740481C1C}">
+                <a14:useLocalDpi xmlns:a14="http://schemas.microsoft.com/office/drawing/2010/main" val="0"/>
+              </a:ext>
+            </a:extLst>
+          </a:blip>
+          <a:stretch>
+            <a:fillRect/>
+          </a:stretch>
+        </p:blipFill>
+        <p:spPr>
+          <a:xfrm>
+            <a:off x="1270000" y="2324100"/>
+            <a:ext cx="14709884" cy="7388405"/>
+          </a:xfrm>
+          <a:prstGeom prst="rect">
+            <a:avLst/>
+          </a:prstGeom>
+        </p:spPr>
+      </p:pic>
     </p:spTree>
     <p:extLst>
       <p:ext uri="{BB962C8B-B14F-4D97-AF65-F5344CB8AC3E}">

--- a/resource/10.prepare/Saturn 미완성.pptx
+++ b/resource/10.prepare/Saturn 미완성.pptx
@@ -5,7 +5,7 @@
     <p:sldMasterId id="2147483648" r:id="rId1"/>
   </p:sldMasterIdLst>
   <p:notesMasterIdLst>
-    <p:notesMasterId r:id="rId25"/>
+    <p:notesMasterId r:id="rId26"/>
   </p:notesMasterIdLst>
   <p:sldIdLst>
     <p:sldId id="286" r:id="rId2"/>
@@ -19,47 +19,48 @@
     <p:sldId id="272" r:id="rId10"/>
     <p:sldId id="274" r:id="rId11"/>
     <p:sldId id="275" r:id="rId12"/>
-    <p:sldId id="289" r:id="rId13"/>
-    <p:sldId id="265" r:id="rId14"/>
-    <p:sldId id="285" r:id="rId15"/>
-    <p:sldId id="290" r:id="rId16"/>
-    <p:sldId id="284" r:id="rId17"/>
-    <p:sldId id="291" r:id="rId18"/>
-    <p:sldId id="287" r:id="rId19"/>
-    <p:sldId id="293" r:id="rId20"/>
-    <p:sldId id="294" r:id="rId21"/>
-    <p:sldId id="295" r:id="rId22"/>
-    <p:sldId id="292" r:id="rId23"/>
-    <p:sldId id="267" r:id="rId24"/>
+    <p:sldId id="297" r:id="rId13"/>
+    <p:sldId id="289" r:id="rId14"/>
+    <p:sldId id="265" r:id="rId15"/>
+    <p:sldId id="285" r:id="rId16"/>
+    <p:sldId id="290" r:id="rId17"/>
+    <p:sldId id="284" r:id="rId18"/>
+    <p:sldId id="291" r:id="rId19"/>
+    <p:sldId id="287" r:id="rId20"/>
+    <p:sldId id="293" r:id="rId21"/>
+    <p:sldId id="294" r:id="rId22"/>
+    <p:sldId id="295" r:id="rId23"/>
+    <p:sldId id="292" r:id="rId24"/>
+    <p:sldId id="267" r:id="rId25"/>
   </p:sldIdLst>
   <p:sldSz cx="18288000" cy="10287000"/>
   <p:notesSz cx="6858000" cy="9144000"/>
   <p:embeddedFontLst>
     <p:embeddedFont>
-      <p:font typeface="Noto Sans" panose="020B0600000101010101" charset="0"/>
-      <p:regular r:id="rId26"/>
+      <p:font typeface="나눔고딕" panose="020D0604000000000000" pitchFamily="50" charset="-127"/>
+      <p:regular r:id="rId27"/>
+      <p:bold r:id="rId28"/>
     </p:embeddedFont>
     <p:embeddedFont>
-      <p:font typeface="세방고딕 Regular" panose="00000500000000000000" charset="-127"/>
-      <p:regular r:id="rId27"/>
-    </p:embeddedFont>
-    <p:embeddedFont>
-      <p:font typeface="맑은 고딕" panose="020B0503020000020004" pitchFamily="50" charset="-127"/>
-      <p:regular r:id="rId28"/>
-      <p:bold r:id="rId29"/>
+      <p:font typeface="Noto Sans Bold" panose="020B0600000101010101" charset="0"/>
+      <p:regular r:id="rId29"/>
     </p:embeddedFont>
     <p:embeddedFont>
       <p:font typeface="Montserrat Bold" panose="020B0600000101010101" charset="0"/>
       <p:regular r:id="rId30"/>
     </p:embeddedFont>
     <p:embeddedFont>
-      <p:font typeface="나눔고딕" panose="020D0604000000000000" pitchFamily="50" charset="-127"/>
+      <p:font typeface="맑은 고딕" panose="020B0503020000020004" pitchFamily="50" charset="-127"/>
       <p:regular r:id="rId31"/>
       <p:bold r:id="rId32"/>
     </p:embeddedFont>
     <p:embeddedFont>
-      <p:font typeface="Noto Sans Bold" panose="020B0600000101010101" charset="0"/>
+      <p:font typeface="Noto Sans" panose="020B0600000101010101" charset="0"/>
       <p:regular r:id="rId33"/>
+    </p:embeddedFont>
+    <p:embeddedFont>
+      <p:font typeface="세방고딕 Regular" panose="00000500000000000000" pitchFamily="2" charset="-127"/>
+      <p:regular r:id="rId34"/>
     </p:embeddedFont>
   </p:embeddedFontLst>
   <p:defaultTextStyle>
@@ -759,7 +760,7 @@
           <a:p>
             <a:fld id="{32E20431-9D19-4268-8A94-B4B7200B6D3D}" type="slidenum">
               <a:rPr lang="ko-KR" altLang="en-US" smtClean="0"/>
-              <a:t>14</a:t>
+              <a:t>15</a:t>
             </a:fld>
             <a:endParaRPr lang="ko-KR" altLang="en-US"/>
           </a:p>
@@ -5118,7 +5119,7 @@
         <p:spPr>
           <a:xfrm>
             <a:off x="1270000" y="1656632"/>
-            <a:ext cx="6543961" cy="328808"/>
+            <a:ext cx="6543961" cy="359073"/>
           </a:xfrm>
           <a:prstGeom prst="rect">
             <a:avLst/>
@@ -5151,7 +5152,25 @@
                 <a:cs typeface="Montserrat Bold"/>
                 <a:sym typeface="Montserrat Bold"/>
               </a:rPr>
-              <a:t>프로젝트 구조</a:t>
+              <a:t>프로젝트 </a:t>
+            </a:r>
+            <a:r>
+              <a:rPr lang="ko-KR" altLang="en-US" sz="2000" b="1" dirty="0" smtClean="0">
+                <a:latin typeface="+mj-ea"/>
+                <a:ea typeface="+mj-ea"/>
+                <a:cs typeface="Montserrat Bold"/>
+                <a:sym typeface="Montserrat Bold"/>
+              </a:rPr>
+              <a:t>구조 </a:t>
+            </a:r>
+            <a:r>
+              <a:rPr lang="en-US" altLang="ko-KR" sz="2000" b="1" dirty="0" smtClean="0">
+                <a:latin typeface="+mj-ea"/>
+                <a:ea typeface="+mj-ea"/>
+                <a:cs typeface="Montserrat Bold"/>
+                <a:sym typeface="Montserrat Bold"/>
+              </a:rPr>
+              <a:t>Front</a:t>
             </a:r>
             <a:endParaRPr lang="en-US" sz="2000" b="1" dirty="0">
               <a:latin typeface="+mj-ea"/>
@@ -5162,66 +5181,6 @@
           </a:p>
         </p:txBody>
       </p:sp>
-      <p:pic>
-        <p:nvPicPr>
-          <p:cNvPr id="15" name="그림 14"/>
-          <p:cNvPicPr>
-            <a:picLocks noChangeAspect="1"/>
-          </p:cNvPicPr>
-          <p:nvPr/>
-        </p:nvPicPr>
-        <p:blipFill>
-          <a:blip r:embed="rId3">
-            <a:extLst>
-              <a:ext uri="{28A0092B-C50C-407E-A947-70E740481C1C}">
-                <a14:useLocalDpi xmlns:a14="http://schemas.microsoft.com/office/drawing/2010/main" val="0"/>
-              </a:ext>
-            </a:extLst>
-          </a:blip>
-          <a:stretch>
-            <a:fillRect/>
-          </a:stretch>
-        </p:blipFill>
-        <p:spPr>
-          <a:xfrm>
-            <a:off x="762000" y="3467100"/>
-            <a:ext cx="8383565" cy="5045845"/>
-          </a:xfrm>
-          <a:prstGeom prst="rect">
-            <a:avLst/>
-          </a:prstGeom>
-        </p:spPr>
-      </p:pic>
-      <p:pic>
-        <p:nvPicPr>
-          <p:cNvPr id="16" name="그림 15"/>
-          <p:cNvPicPr>
-            <a:picLocks noChangeAspect="1"/>
-          </p:cNvPicPr>
-          <p:nvPr/>
-        </p:nvPicPr>
-        <p:blipFill>
-          <a:blip r:embed="rId4">
-            <a:extLst>
-              <a:ext uri="{28A0092B-C50C-407E-A947-70E740481C1C}">
-                <a14:useLocalDpi xmlns:a14="http://schemas.microsoft.com/office/drawing/2010/main" val="0"/>
-              </a:ext>
-            </a:extLst>
-          </a:blip>
-          <a:stretch>
-            <a:fillRect/>
-          </a:stretch>
-        </p:blipFill>
-        <p:spPr>
-          <a:xfrm>
-            <a:off x="9296401" y="3467100"/>
-            <a:ext cx="8229600" cy="5045845"/>
-          </a:xfrm>
-          <a:prstGeom prst="rect">
-            <a:avLst/>
-          </a:prstGeom>
-        </p:spPr>
-      </p:pic>
       <p:sp>
         <p:nvSpPr>
           <p:cNvPr id="11" name="TextBox 4"/>
@@ -5272,6 +5231,36 @@
           </a:p>
         </p:txBody>
       </p:sp>
+      <p:pic>
+        <p:nvPicPr>
+          <p:cNvPr id="2" name="그림 1"/>
+          <p:cNvPicPr>
+            <a:picLocks noChangeAspect="1"/>
+          </p:cNvPicPr>
+          <p:nvPr/>
+        </p:nvPicPr>
+        <p:blipFill>
+          <a:blip r:embed="rId3">
+            <a:extLst>
+              <a:ext uri="{28A0092B-C50C-407E-A947-70E740481C1C}">
+                <a14:useLocalDpi xmlns:a14="http://schemas.microsoft.com/office/drawing/2010/main" val="0"/>
+              </a:ext>
+            </a:extLst>
+          </a:blip>
+          <a:stretch>
+            <a:fillRect/>
+          </a:stretch>
+        </p:blipFill>
+        <p:spPr>
+          <a:xfrm>
+            <a:off x="2209800" y="2324100"/>
+            <a:ext cx="13770084" cy="7430164"/>
+          </a:xfrm>
+          <a:prstGeom prst="rect">
+            <a:avLst/>
+          </a:prstGeom>
+        </p:spPr>
+      </p:pic>
     </p:spTree>
     <p:extLst>
       <p:ext uri="{BB962C8B-B14F-4D97-AF65-F5344CB8AC3E}">
@@ -5293,6 +5282,335 @@
 </file>
 
 <file path=ppt/slides/slide12.xml><?xml version="1.0" encoding="utf-8"?>
+<p:sld xmlns:a="http://schemas.openxmlformats.org/drawingml/2006/main" xmlns:r="http://schemas.openxmlformats.org/officeDocument/2006/relationships" xmlns:p="http://schemas.openxmlformats.org/presentationml/2006/main">
+  <p:cSld>
+    <p:spTree>
+      <p:nvGrpSpPr>
+        <p:cNvPr id="1" name=""/>
+        <p:cNvGrpSpPr/>
+        <p:nvPr/>
+      </p:nvGrpSpPr>
+      <p:grpSpPr>
+        <a:xfrm>
+          <a:off x="0" y="0"/>
+          <a:ext cx="0" cy="0"/>
+          <a:chOff x="0" y="0"/>
+          <a:chExt cx="0" cy="0"/>
+        </a:xfrm>
+      </p:grpSpPr>
+      <p:pic>
+        <p:nvPicPr>
+          <p:cNvPr id="12" name="그림 11"/>
+          <p:cNvPicPr>
+            <a:picLocks noChangeAspect="1"/>
+          </p:cNvPicPr>
+          <p:nvPr/>
+        </p:nvPicPr>
+        <p:blipFill>
+          <a:blip r:embed="rId2"/>
+          <a:stretch>
+            <a:fillRect/>
+          </a:stretch>
+        </p:blipFill>
+        <p:spPr>
+          <a:xfrm>
+            <a:off x="15163800" y="416861"/>
+            <a:ext cx="816084" cy="621422"/>
+          </a:xfrm>
+          <a:prstGeom prst="rect">
+            <a:avLst/>
+          </a:prstGeom>
+        </p:spPr>
+      </p:pic>
+      <p:grpSp>
+        <p:nvGrpSpPr>
+          <p:cNvPr id="4" name="Group 4"/>
+          <p:cNvGrpSpPr/>
+          <p:nvPr/>
+        </p:nvGrpSpPr>
+        <p:grpSpPr>
+          <a:xfrm>
+            <a:off x="762000" y="541020"/>
+            <a:ext cx="16764000" cy="506730"/>
+            <a:chOff x="0" y="-38100"/>
+            <a:chExt cx="22352000" cy="675640"/>
+          </a:xfrm>
+        </p:grpSpPr>
+        <p:sp>
+          <p:nvSpPr>
+            <p:cNvPr id="5" name="AutoShape 5"/>
+            <p:cNvSpPr/>
+            <p:nvPr/>
+          </p:nvSpPr>
+          <p:spPr>
+            <a:xfrm>
+              <a:off x="0" y="637540"/>
+              <a:ext cx="22352000" cy="0"/>
+            </a:xfrm>
+            <a:prstGeom prst="line">
+              <a:avLst/>
+            </a:prstGeom>
+            <a:ln w="38100" cap="rnd">
+              <a:solidFill>
+                <a:srgbClr val="3B8AFF"/>
+              </a:solidFill>
+              <a:prstDash val="solid"/>
+              <a:headEnd type="none" w="sm" len="sm"/>
+              <a:tailEnd type="none" w="sm" len="sm"/>
+            </a:ln>
+          </p:spPr>
+        </p:sp>
+        <p:sp>
+          <p:nvSpPr>
+            <p:cNvPr id="7" name="TextBox 7"/>
+            <p:cNvSpPr txBox="1"/>
+            <p:nvPr/>
+          </p:nvSpPr>
+          <p:spPr>
+            <a:xfrm>
+              <a:off x="0" y="-38100"/>
+              <a:ext cx="5080000" cy="387713"/>
+            </a:xfrm>
+            <a:prstGeom prst="rect">
+              <a:avLst/>
+            </a:prstGeom>
+          </p:spPr>
+          <p:txBody>
+            <a:bodyPr wrap="square" lIns="0" tIns="0" rIns="0" bIns="0" rtlCol="0" anchor="t">
+              <a:spAutoFit/>
+            </a:bodyPr>
+            <a:lstStyle/>
+            <a:p>
+              <a:pPr algn="just">
+                <a:lnSpc>
+                  <a:spcPts val="2520"/>
+                </a:lnSpc>
+              </a:pPr>
+              <a:r>
+                <a:rPr lang="en-US" altLang="ko-KR" b="1" dirty="0">
+                  <a:latin typeface="+mj-ea"/>
+                  <a:cs typeface="Montserrat Bold"/>
+                  <a:sym typeface="Montserrat Bold"/>
+                </a:rPr>
+                <a:t>1. </a:t>
+              </a:r>
+              <a:r>
+                <a:rPr lang="ko-KR" altLang="en-US" b="1" dirty="0">
+                  <a:latin typeface="+mj-ea"/>
+                  <a:cs typeface="Montserrat Bold"/>
+                  <a:sym typeface="Montserrat Bold"/>
+                </a:rPr>
+                <a:t>프로젝트 개요 및 선정 배경 </a:t>
+              </a:r>
+              <a:endParaRPr lang="en-US" altLang="ko-KR" b="1" dirty="0">
+                <a:latin typeface="+mj-ea"/>
+                <a:cs typeface="Montserrat Bold"/>
+                <a:sym typeface="Montserrat Bold"/>
+              </a:endParaRPr>
+            </a:p>
+          </p:txBody>
+        </p:sp>
+      </p:grpSp>
+      <p:sp>
+        <p:nvSpPr>
+          <p:cNvPr id="10" name="TextBox 8"/>
+          <p:cNvSpPr txBox="1"/>
+          <p:nvPr/>
+        </p:nvSpPr>
+        <p:spPr>
+          <a:xfrm>
+            <a:off x="2407444" y="1670149"/>
+            <a:ext cx="1052513" cy="1156395"/>
+          </a:xfrm>
+          <a:prstGeom prst="rect">
+            <a:avLst/>
+          </a:prstGeom>
+        </p:spPr>
+        <p:txBody>
+          <a:bodyPr lIns="50800" tIns="50800" rIns="50800" bIns="50800" rtlCol="0" anchor="ctr"/>
+          <a:lstStyle/>
+          <a:p>
+            <a:pPr algn="ctr">
+              <a:lnSpc>
+                <a:spcPts val="4000"/>
+              </a:lnSpc>
+            </a:pPr>
+            <a:endParaRPr/>
+          </a:p>
+        </p:txBody>
+      </p:sp>
+      <p:sp>
+        <p:nvSpPr>
+          <p:cNvPr id="14" name="TextBox 19"/>
+          <p:cNvSpPr txBox="1"/>
+          <p:nvPr/>
+        </p:nvSpPr>
+        <p:spPr>
+          <a:xfrm>
+            <a:off x="1270000" y="1656632"/>
+            <a:ext cx="6543961" cy="359073"/>
+          </a:xfrm>
+          <a:prstGeom prst="rect">
+            <a:avLst/>
+          </a:prstGeom>
+        </p:spPr>
+        <p:txBody>
+          <a:bodyPr lIns="0" tIns="0" rIns="0" bIns="0" rtlCol="0" anchor="t">
+            <a:spAutoFit/>
+          </a:bodyPr>
+          <a:lstStyle/>
+          <a:p>
+            <a:pPr algn="l">
+              <a:lnSpc>
+                <a:spcPts val="2800"/>
+              </a:lnSpc>
+            </a:pPr>
+            <a:r>
+              <a:rPr lang="en-US" altLang="ko-KR" sz="2000" b="1" dirty="0" smtClean="0">
+                <a:latin typeface="+mj-ea"/>
+                <a:ea typeface="+mj-ea"/>
+                <a:cs typeface="Montserrat Bold"/>
+                <a:sym typeface="Montserrat Bold"/>
+              </a:rPr>
+              <a:t>1-4. </a:t>
+            </a:r>
+            <a:r>
+              <a:rPr lang="ko-KR" altLang="en-US" sz="2000" b="1" dirty="0" smtClean="0">
+                <a:latin typeface="+mj-ea"/>
+                <a:ea typeface="+mj-ea"/>
+                <a:cs typeface="Montserrat Bold"/>
+                <a:sym typeface="Montserrat Bold"/>
+              </a:rPr>
+              <a:t>프로젝트 </a:t>
+            </a:r>
+            <a:r>
+              <a:rPr lang="ko-KR" altLang="en-US" sz="2000" b="1" dirty="0" smtClean="0">
+                <a:latin typeface="+mj-ea"/>
+                <a:ea typeface="+mj-ea"/>
+                <a:cs typeface="Montserrat Bold"/>
+                <a:sym typeface="Montserrat Bold"/>
+              </a:rPr>
+              <a:t>구조 </a:t>
+            </a:r>
+            <a:r>
+              <a:rPr lang="en-US" altLang="ko-KR" sz="2000" b="1" dirty="0" err="1" smtClean="0">
+                <a:latin typeface="+mj-ea"/>
+                <a:ea typeface="+mj-ea"/>
+                <a:cs typeface="Montserrat Bold"/>
+                <a:sym typeface="Montserrat Bold"/>
+              </a:rPr>
+              <a:t>Backoffice</a:t>
+            </a:r>
+            <a:endParaRPr lang="en-US" sz="2000" b="1" dirty="0">
+              <a:latin typeface="+mj-ea"/>
+              <a:ea typeface="+mj-ea"/>
+              <a:cs typeface="Montserrat Bold"/>
+              <a:sym typeface="Montserrat Bold"/>
+            </a:endParaRPr>
+          </a:p>
+        </p:txBody>
+      </p:sp>
+      <p:sp>
+        <p:nvSpPr>
+          <p:cNvPr id="11" name="TextBox 4"/>
+          <p:cNvSpPr txBox="1"/>
+          <p:nvPr/>
+        </p:nvSpPr>
+        <p:spPr>
+          <a:xfrm>
+            <a:off x="15381864" y="541020"/>
+            <a:ext cx="2144138" cy="297517"/>
+          </a:xfrm>
+          <a:prstGeom prst="rect">
+            <a:avLst/>
+          </a:prstGeom>
+        </p:spPr>
+        <p:txBody>
+          <a:bodyPr lIns="0" tIns="0" rIns="0" bIns="0" rtlCol="0" anchor="t">
+            <a:spAutoFit/>
+          </a:bodyPr>
+          <a:lstStyle/>
+          <a:p>
+            <a:pPr algn="r">
+              <a:lnSpc>
+                <a:spcPts val="2520"/>
+              </a:lnSpc>
+            </a:pPr>
+            <a:r>
+              <a:rPr lang="en-US" b="1" dirty="0" smtClean="0">
+                <a:solidFill>
+                  <a:srgbClr val="3B8AFF"/>
+                </a:solidFill>
+                <a:latin typeface="Montserrat Bold"/>
+                <a:ea typeface="Montserrat Bold"/>
+                <a:cs typeface="Montserrat Bold"/>
+                <a:sym typeface="Montserrat Bold"/>
+              </a:rPr>
+              <a:t>Bravo My Life</a:t>
+            </a:r>
+            <a:endParaRPr lang="en-US" sz="1800" b="1" dirty="0">
+              <a:solidFill>
+                <a:srgbClr val="3B8AFF"/>
+              </a:solidFill>
+              <a:latin typeface="Montserrat Bold"/>
+              <a:ea typeface="Montserrat Bold"/>
+              <a:cs typeface="Montserrat Bold"/>
+              <a:sym typeface="Montserrat Bold"/>
+            </a:endParaRPr>
+          </a:p>
+        </p:txBody>
+      </p:sp>
+      <p:pic>
+        <p:nvPicPr>
+          <p:cNvPr id="13" name="그림 12"/>
+          <p:cNvPicPr>
+            <a:picLocks noChangeAspect="1"/>
+          </p:cNvPicPr>
+          <p:nvPr/>
+        </p:nvPicPr>
+        <p:blipFill>
+          <a:blip r:embed="rId3">
+            <a:extLst>
+              <a:ext uri="{28A0092B-C50C-407E-A947-70E740481C1C}">
+                <a14:useLocalDpi xmlns:a14="http://schemas.microsoft.com/office/drawing/2010/main" val="0"/>
+              </a:ext>
+            </a:extLst>
+          </a:blip>
+          <a:stretch>
+            <a:fillRect/>
+          </a:stretch>
+        </p:blipFill>
+        <p:spPr>
+          <a:xfrm>
+            <a:off x="2209800" y="2324100"/>
+            <a:ext cx="13770084" cy="7427291"/>
+          </a:xfrm>
+          <a:prstGeom prst="rect">
+            <a:avLst/>
+          </a:prstGeom>
+        </p:spPr>
+      </p:pic>
+    </p:spTree>
+    <p:extLst>
+      <p:ext uri="{BB962C8B-B14F-4D97-AF65-F5344CB8AC3E}">
+        <p14:creationId xmlns:p14="http://schemas.microsoft.com/office/powerpoint/2010/main" val="586510669"/>
+      </p:ext>
+    </p:extLst>
+  </p:cSld>
+  <p:clrMapOvr>
+    <a:masterClrMapping/>
+  </p:clrMapOvr>
+  <p:timing>
+    <p:tnLst>
+      <p:par>
+        <p:cTn id="1" dur="indefinite" restart="never" nodeType="tmRoot"/>
+      </p:par>
+    </p:tnLst>
+  </p:timing>
+</p:sld>
+</file>
+
+<file path=ppt/slides/slide13.xml><?xml version="1.0" encoding="utf-8"?>
 <p:sld xmlns:a="http://schemas.openxmlformats.org/drawingml/2006/main" xmlns:r="http://schemas.openxmlformats.org/officeDocument/2006/relationships" xmlns:p="http://schemas.openxmlformats.org/presentationml/2006/main">
   <p:cSld>
     <p:spTree>
@@ -5827,7 +6145,7 @@
             <a:blip r:embed="rId3">
               <a:extLst>
                 <a:ext uri="{96DAC541-7B7A-43D3-8B79-37D633B846F1}">
-                  <asvg:svgBlip xmlns="" xmlns:asvg="http://schemas.microsoft.com/office/drawing/2016/SVG/main" r:embed="rId5"/>
+                  <asvg:svgBlip xmlns:asvg="http://schemas.microsoft.com/office/drawing/2016/SVG/main" xmlns="" r:embed="rId5"/>
                 </a:ext>
               </a:extLst>
             </a:blip>
@@ -5850,7 +6168,7 @@
 </p:sld>
 </file>
 
-<file path=ppt/slides/slide13.xml><?xml version="1.0" encoding="utf-8"?>
+<file path=ppt/slides/slide14.xml><?xml version="1.0" encoding="utf-8"?>
 <p:sld xmlns:a="http://schemas.openxmlformats.org/drawingml/2006/main" xmlns:r="http://schemas.openxmlformats.org/officeDocument/2006/relationships" xmlns:p="http://schemas.openxmlformats.org/presentationml/2006/main">
   <p:cSld>
     <p:spTree>
@@ -8257,7 +8575,7 @@
             <a:blip r:embed="rId3">
               <a:extLst>
                 <a:ext uri="{96DAC541-7B7A-43D3-8B79-37D633B846F1}">
-                  <asvg:svgBlip xmlns:asvg="http://schemas.microsoft.com/office/drawing/2016/SVG/main" xmlns="" r:embed="rId15"/>
+                  <asvg:svgBlip xmlns="" xmlns:asvg="http://schemas.microsoft.com/office/drawing/2016/SVG/main" r:embed="rId15"/>
                 </a:ext>
               </a:extLst>
             </a:blip>
@@ -8539,7 +8857,7 @@
             <a:blip r:embed="rId3">
               <a:extLst>
                 <a:ext uri="{96DAC541-7B7A-43D3-8B79-37D633B846F1}">
-                  <asvg:svgBlip xmlns:asvg="http://schemas.microsoft.com/office/drawing/2016/SVG/main" xmlns="" r:embed="rId15"/>
+                  <asvg:svgBlip xmlns="" xmlns:asvg="http://schemas.microsoft.com/office/drawing/2016/SVG/main" r:embed="rId15"/>
                 </a:ext>
               </a:extLst>
             </a:blip>
@@ -8821,7 +9139,7 @@
             <a:blip r:embed="rId3">
               <a:extLst>
                 <a:ext uri="{96DAC541-7B7A-43D3-8B79-37D633B846F1}">
-                  <asvg:svgBlip xmlns:asvg="http://schemas.microsoft.com/office/drawing/2016/SVG/main" xmlns="" r:embed="rId15"/>
+                  <asvg:svgBlip xmlns="" xmlns:asvg="http://schemas.microsoft.com/office/drawing/2016/SVG/main" r:embed="rId15"/>
                 </a:ext>
               </a:extLst>
             </a:blip>
@@ -9103,7 +9421,7 @@
             <a:blip r:embed="rId3">
               <a:extLst>
                 <a:ext uri="{96DAC541-7B7A-43D3-8B79-37D633B846F1}">
-                  <asvg:svgBlip xmlns:asvg="http://schemas.microsoft.com/office/drawing/2016/SVG/main" xmlns="" r:embed="rId15"/>
+                  <asvg:svgBlip xmlns="" xmlns:asvg="http://schemas.microsoft.com/office/drawing/2016/SVG/main" r:embed="rId15"/>
                 </a:ext>
               </a:extLst>
             </a:blip>
@@ -9385,7 +9703,7 @@
             <a:blip r:embed="rId3">
               <a:extLst>
                 <a:ext uri="{96DAC541-7B7A-43D3-8B79-37D633B846F1}">
-                  <asvg:svgBlip xmlns:asvg="http://schemas.microsoft.com/office/drawing/2016/SVG/main" xmlns="" r:embed="rId15"/>
+                  <asvg:svgBlip xmlns="" xmlns:asvg="http://schemas.microsoft.com/office/drawing/2016/SVG/main" r:embed="rId15"/>
                 </a:ext>
               </a:extLst>
             </a:blip>
@@ -9635,7 +9953,7 @@
             <a:blip r:embed="rId3">
               <a:extLst>
                 <a:ext uri="{96DAC541-7B7A-43D3-8B79-37D633B846F1}">
-                  <asvg:svgBlip xmlns:asvg="http://schemas.microsoft.com/office/drawing/2016/SVG/main" xmlns="" r:embed="rId15"/>
+                  <asvg:svgBlip xmlns="" xmlns:asvg="http://schemas.microsoft.com/office/drawing/2016/SVG/main" r:embed="rId15"/>
                 </a:ext>
               </a:extLst>
             </a:blip>
@@ -9917,7 +10235,7 @@
             <a:blip r:embed="rId3">
               <a:extLst>
                 <a:ext uri="{96DAC541-7B7A-43D3-8B79-37D633B846F1}">
-                  <asvg:svgBlip xmlns:asvg="http://schemas.microsoft.com/office/drawing/2016/SVG/main" xmlns="" r:embed="rId15"/>
+                  <asvg:svgBlip xmlns="" xmlns:asvg="http://schemas.microsoft.com/office/drawing/2016/SVG/main" r:embed="rId15"/>
                 </a:ext>
               </a:extLst>
             </a:blip>
@@ -10199,7 +10517,7 @@
             <a:blip r:embed="rId3">
               <a:extLst>
                 <a:ext uri="{96DAC541-7B7A-43D3-8B79-37D633B846F1}">
-                  <asvg:svgBlip xmlns:asvg="http://schemas.microsoft.com/office/drawing/2016/SVG/main" xmlns="" r:embed="rId15"/>
+                  <asvg:svgBlip xmlns="" xmlns:asvg="http://schemas.microsoft.com/office/drawing/2016/SVG/main" r:embed="rId15"/>
                 </a:ext>
               </a:extLst>
             </a:blip>
@@ -10481,7 +10799,7 @@
             <a:blip r:embed="rId3">
               <a:extLst>
                 <a:ext uri="{96DAC541-7B7A-43D3-8B79-37D633B846F1}">
-                  <asvg:svgBlip xmlns:asvg="http://schemas.microsoft.com/office/drawing/2016/SVG/main" xmlns="" r:embed="rId15"/>
+                  <asvg:svgBlip xmlns="" xmlns:asvg="http://schemas.microsoft.com/office/drawing/2016/SVG/main" r:embed="rId15"/>
                 </a:ext>
               </a:extLst>
             </a:blip>
@@ -10763,7 +11081,7 @@
             <a:blip r:embed="rId3">
               <a:extLst>
                 <a:ext uri="{96DAC541-7B7A-43D3-8B79-37D633B846F1}">
-                  <asvg:svgBlip xmlns:asvg="http://schemas.microsoft.com/office/drawing/2016/SVG/main" xmlns="" r:embed="rId15"/>
+                  <asvg:svgBlip xmlns="" xmlns:asvg="http://schemas.microsoft.com/office/drawing/2016/SVG/main" r:embed="rId15"/>
                 </a:ext>
               </a:extLst>
             </a:blip>
@@ -11045,7 +11363,7 @@
             <a:blip r:embed="rId3">
               <a:extLst>
                 <a:ext uri="{96DAC541-7B7A-43D3-8B79-37D633B846F1}">
-                  <asvg:svgBlip xmlns:asvg="http://schemas.microsoft.com/office/drawing/2016/SVG/main" xmlns="" r:embed="rId15"/>
+                  <asvg:svgBlip xmlns="" xmlns:asvg="http://schemas.microsoft.com/office/drawing/2016/SVG/main" r:embed="rId15"/>
                 </a:ext>
               </a:extLst>
             </a:blip>
@@ -11327,7 +11645,7 @@
             <a:blip r:embed="rId3">
               <a:extLst>
                 <a:ext uri="{96DAC541-7B7A-43D3-8B79-37D633B846F1}">
-                  <asvg:svgBlip xmlns:asvg="http://schemas.microsoft.com/office/drawing/2016/SVG/main" xmlns="" r:embed="rId15"/>
+                  <asvg:svgBlip xmlns="" xmlns:asvg="http://schemas.microsoft.com/office/drawing/2016/SVG/main" r:embed="rId15"/>
                 </a:ext>
               </a:extLst>
             </a:blip>
@@ -11609,7 +11927,7 @@
             <a:blip r:embed="rId3">
               <a:extLst>
                 <a:ext uri="{96DAC541-7B7A-43D3-8B79-37D633B846F1}">
-                  <asvg:svgBlip xmlns:asvg="http://schemas.microsoft.com/office/drawing/2016/SVG/main" xmlns="" r:embed="rId15"/>
+                  <asvg:svgBlip xmlns="" xmlns:asvg="http://schemas.microsoft.com/office/drawing/2016/SVG/main" r:embed="rId15"/>
                 </a:ext>
               </a:extLst>
             </a:blip>
@@ -11891,7 +12209,7 @@
             <a:blip r:embed="rId3">
               <a:extLst>
                 <a:ext uri="{96DAC541-7B7A-43D3-8B79-37D633B846F1}">
-                  <asvg:svgBlip xmlns:asvg="http://schemas.microsoft.com/office/drawing/2016/SVG/main" xmlns="" r:embed="rId15"/>
+                  <asvg:svgBlip xmlns="" xmlns:asvg="http://schemas.microsoft.com/office/drawing/2016/SVG/main" r:embed="rId15"/>
                 </a:ext>
               </a:extLst>
             </a:blip>
@@ -12173,7 +12491,7 @@
             <a:blip r:embed="rId3">
               <a:extLst>
                 <a:ext uri="{96DAC541-7B7A-43D3-8B79-37D633B846F1}">
-                  <asvg:svgBlip xmlns:asvg="http://schemas.microsoft.com/office/drawing/2016/SVG/main" xmlns="" r:embed="rId15"/>
+                  <asvg:svgBlip xmlns="" xmlns:asvg="http://schemas.microsoft.com/office/drawing/2016/SVG/main" r:embed="rId15"/>
                 </a:ext>
               </a:extLst>
             </a:blip>
@@ -12455,7 +12773,7 @@
             <a:blip r:embed="rId3">
               <a:extLst>
                 <a:ext uri="{96DAC541-7B7A-43D3-8B79-37D633B846F1}">
-                  <asvg:svgBlip xmlns:asvg="http://schemas.microsoft.com/office/drawing/2016/SVG/main" xmlns="" r:embed="rId15"/>
+                  <asvg:svgBlip xmlns="" xmlns:asvg="http://schemas.microsoft.com/office/drawing/2016/SVG/main" r:embed="rId15"/>
                 </a:ext>
               </a:extLst>
             </a:blip>
@@ -12737,7 +13055,7 @@
             <a:blip r:embed="rId3">
               <a:extLst>
                 <a:ext uri="{96DAC541-7B7A-43D3-8B79-37D633B846F1}">
-                  <asvg:svgBlip xmlns:asvg="http://schemas.microsoft.com/office/drawing/2016/SVG/main" xmlns="" r:embed="rId15"/>
+                  <asvg:svgBlip xmlns="" xmlns:asvg="http://schemas.microsoft.com/office/drawing/2016/SVG/main" r:embed="rId15"/>
                 </a:ext>
               </a:extLst>
             </a:blip>
@@ -13019,7 +13337,7 @@
             <a:blip r:embed="rId3">
               <a:extLst>
                 <a:ext uri="{96DAC541-7B7A-43D3-8B79-37D633B846F1}">
-                  <asvg:svgBlip xmlns:asvg="http://schemas.microsoft.com/office/drawing/2016/SVG/main" xmlns="" r:embed="rId15"/>
+                  <asvg:svgBlip xmlns="" xmlns:asvg="http://schemas.microsoft.com/office/drawing/2016/SVG/main" r:embed="rId15"/>
                 </a:ext>
               </a:extLst>
             </a:blip>
@@ -13103,7 +13421,7 @@
 </p:sld>
 </file>
 
-<file path=ppt/slides/slide14.xml><?xml version="1.0" encoding="utf-8"?>
+<file path=ppt/slides/slide15.xml><?xml version="1.0" encoding="utf-8"?>
 <p:sld xmlns:a="http://schemas.openxmlformats.org/drawingml/2006/main" xmlns:r="http://schemas.openxmlformats.org/officeDocument/2006/relationships" xmlns:p="http://schemas.openxmlformats.org/presentationml/2006/main">
   <p:cSld>
     <p:spTree>
@@ -17471,7 +17789,7 @@
             <a:blip r:embed="rId4">
               <a:extLst>
                 <a:ext uri="{96DAC541-7B7A-43D3-8B79-37D633B846F1}">
-                  <asvg:svgBlip xmlns:asvg="http://schemas.microsoft.com/office/drawing/2016/SVG/main" xmlns="" r:embed="rId15"/>
+                  <asvg:svgBlip xmlns="" xmlns:asvg="http://schemas.microsoft.com/office/drawing/2016/SVG/main" r:embed="rId15"/>
                 </a:ext>
               </a:extLst>
             </a:blip>
@@ -17753,7 +18071,7 @@
             <a:blip r:embed="rId4">
               <a:extLst>
                 <a:ext uri="{96DAC541-7B7A-43D3-8B79-37D633B846F1}">
-                  <asvg:svgBlip xmlns:asvg="http://schemas.microsoft.com/office/drawing/2016/SVG/main" xmlns="" r:embed="rId15"/>
+                  <asvg:svgBlip xmlns="" xmlns:asvg="http://schemas.microsoft.com/office/drawing/2016/SVG/main" r:embed="rId15"/>
                 </a:ext>
               </a:extLst>
             </a:blip>
@@ -18039,7 +18357,7 @@
             <a:blip r:embed="rId4">
               <a:extLst>
                 <a:ext uri="{96DAC541-7B7A-43D3-8B79-37D633B846F1}">
-                  <asvg:svgBlip xmlns:asvg="http://schemas.microsoft.com/office/drawing/2016/SVG/main" xmlns="" r:embed="rId15"/>
+                  <asvg:svgBlip xmlns="" xmlns:asvg="http://schemas.microsoft.com/office/drawing/2016/SVG/main" r:embed="rId15"/>
                 </a:ext>
               </a:extLst>
             </a:blip>
@@ -18319,7 +18637,7 @@
             <a:blip r:embed="rId4">
               <a:extLst>
                 <a:ext uri="{96DAC541-7B7A-43D3-8B79-37D633B846F1}">
-                  <asvg:svgBlip xmlns:asvg="http://schemas.microsoft.com/office/drawing/2016/SVG/main" xmlns="" r:embed="rId15"/>
+                  <asvg:svgBlip xmlns="" xmlns:asvg="http://schemas.microsoft.com/office/drawing/2016/SVG/main" r:embed="rId15"/>
                 </a:ext>
               </a:extLst>
             </a:blip>
@@ -18626,7 +18944,7 @@
             <a:blip r:embed="rId4">
               <a:extLst>
                 <a:ext uri="{96DAC541-7B7A-43D3-8B79-37D633B846F1}">
-                  <asvg:svgBlip xmlns:asvg="http://schemas.microsoft.com/office/drawing/2016/SVG/main" xmlns="" r:embed="rId15"/>
+                  <asvg:svgBlip xmlns="" xmlns:asvg="http://schemas.microsoft.com/office/drawing/2016/SVG/main" r:embed="rId15"/>
                 </a:ext>
               </a:extLst>
             </a:blip>
@@ -18912,7 +19230,7 @@
             <a:blip r:embed="rId4">
               <a:extLst>
                 <a:ext uri="{96DAC541-7B7A-43D3-8B79-37D633B846F1}">
-                  <asvg:svgBlip xmlns:asvg="http://schemas.microsoft.com/office/drawing/2016/SVG/main" xmlns="" r:embed="rId15"/>
+                  <asvg:svgBlip xmlns="" xmlns:asvg="http://schemas.microsoft.com/office/drawing/2016/SVG/main" r:embed="rId15"/>
                 </a:ext>
               </a:extLst>
             </a:blip>
@@ -19198,7 +19516,7 @@
             <a:blip r:embed="rId4">
               <a:extLst>
                 <a:ext uri="{96DAC541-7B7A-43D3-8B79-37D633B846F1}">
-                  <asvg:svgBlip xmlns:asvg="http://schemas.microsoft.com/office/drawing/2016/SVG/main" xmlns="" r:embed="rId15"/>
+                  <asvg:svgBlip xmlns="" xmlns:asvg="http://schemas.microsoft.com/office/drawing/2016/SVG/main" r:embed="rId15"/>
                 </a:ext>
               </a:extLst>
             </a:blip>
@@ -19484,7 +19802,7 @@
             <a:blip r:embed="rId4">
               <a:extLst>
                 <a:ext uri="{96DAC541-7B7A-43D3-8B79-37D633B846F1}">
-                  <asvg:svgBlip xmlns:asvg="http://schemas.microsoft.com/office/drawing/2016/SVG/main" xmlns="" r:embed="rId15"/>
+                  <asvg:svgBlip xmlns="" xmlns:asvg="http://schemas.microsoft.com/office/drawing/2016/SVG/main" r:embed="rId15"/>
                 </a:ext>
               </a:extLst>
             </a:blip>
@@ -19770,7 +20088,7 @@
             <a:blip r:embed="rId4">
               <a:extLst>
                 <a:ext uri="{96DAC541-7B7A-43D3-8B79-37D633B846F1}">
-                  <asvg:svgBlip xmlns:asvg="http://schemas.microsoft.com/office/drawing/2016/SVG/main" xmlns="" r:embed="rId15"/>
+                  <asvg:svgBlip xmlns="" xmlns:asvg="http://schemas.microsoft.com/office/drawing/2016/SVG/main" r:embed="rId15"/>
                 </a:ext>
               </a:extLst>
             </a:blip>
@@ -20056,7 +20374,7 @@
             <a:blip r:embed="rId4">
               <a:extLst>
                 <a:ext uri="{96DAC541-7B7A-43D3-8B79-37D633B846F1}">
-                  <asvg:svgBlip xmlns:asvg="http://schemas.microsoft.com/office/drawing/2016/SVG/main" xmlns="" r:embed="rId15"/>
+                  <asvg:svgBlip xmlns="" xmlns:asvg="http://schemas.microsoft.com/office/drawing/2016/SVG/main" r:embed="rId15"/>
                 </a:ext>
               </a:extLst>
             </a:blip>
@@ -20342,7 +20660,7 @@
             <a:blip r:embed="rId4">
               <a:extLst>
                 <a:ext uri="{96DAC541-7B7A-43D3-8B79-37D633B846F1}">
-                  <asvg:svgBlip xmlns:asvg="http://schemas.microsoft.com/office/drawing/2016/SVG/main" xmlns="" r:embed="rId15"/>
+                  <asvg:svgBlip xmlns="" xmlns:asvg="http://schemas.microsoft.com/office/drawing/2016/SVG/main" r:embed="rId15"/>
                 </a:ext>
               </a:extLst>
             </a:blip>
@@ -20628,7 +20946,7 @@
             <a:blip r:embed="rId4">
               <a:extLst>
                 <a:ext uri="{96DAC541-7B7A-43D3-8B79-37D633B846F1}">
-                  <asvg:svgBlip xmlns:asvg="http://schemas.microsoft.com/office/drawing/2016/SVG/main" xmlns="" r:embed="rId15"/>
+                  <asvg:svgBlip xmlns="" xmlns:asvg="http://schemas.microsoft.com/office/drawing/2016/SVG/main" r:embed="rId15"/>
                 </a:ext>
               </a:extLst>
             </a:blip>
@@ -20914,7 +21232,7 @@
             <a:blip r:embed="rId4">
               <a:extLst>
                 <a:ext uri="{96DAC541-7B7A-43D3-8B79-37D633B846F1}">
-                  <asvg:svgBlip xmlns:asvg="http://schemas.microsoft.com/office/drawing/2016/SVG/main" xmlns="" r:embed="rId15"/>
+                  <asvg:svgBlip xmlns="" xmlns:asvg="http://schemas.microsoft.com/office/drawing/2016/SVG/main" r:embed="rId15"/>
                 </a:ext>
               </a:extLst>
             </a:blip>
@@ -21200,7 +21518,7 @@
             <a:blip r:embed="rId4">
               <a:extLst>
                 <a:ext uri="{96DAC541-7B7A-43D3-8B79-37D633B846F1}">
-                  <asvg:svgBlip xmlns:asvg="http://schemas.microsoft.com/office/drawing/2016/SVG/main" xmlns="" r:embed="rId15"/>
+                  <asvg:svgBlip xmlns="" xmlns:asvg="http://schemas.microsoft.com/office/drawing/2016/SVG/main" r:embed="rId15"/>
                 </a:ext>
               </a:extLst>
             </a:blip>
@@ -21486,7 +21804,7 @@
             <a:blip r:embed="rId4">
               <a:extLst>
                 <a:ext uri="{96DAC541-7B7A-43D3-8B79-37D633B846F1}">
-                  <asvg:svgBlip xmlns:asvg="http://schemas.microsoft.com/office/drawing/2016/SVG/main" xmlns="" r:embed="rId15"/>
+                  <asvg:svgBlip xmlns="" xmlns:asvg="http://schemas.microsoft.com/office/drawing/2016/SVG/main" r:embed="rId15"/>
                 </a:ext>
               </a:extLst>
             </a:blip>
@@ -21772,7 +22090,7 @@
             <a:blip r:embed="rId4">
               <a:extLst>
                 <a:ext uri="{96DAC541-7B7A-43D3-8B79-37D633B846F1}">
-                  <asvg:svgBlip xmlns:asvg="http://schemas.microsoft.com/office/drawing/2016/SVG/main" xmlns="" r:embed="rId15"/>
+                  <asvg:svgBlip xmlns="" xmlns:asvg="http://schemas.microsoft.com/office/drawing/2016/SVG/main" r:embed="rId15"/>
                 </a:ext>
               </a:extLst>
             </a:blip>
@@ -22058,7 +22376,7 @@
             <a:blip r:embed="rId4">
               <a:extLst>
                 <a:ext uri="{96DAC541-7B7A-43D3-8B79-37D633B846F1}">
-                  <asvg:svgBlip xmlns:asvg="http://schemas.microsoft.com/office/drawing/2016/SVG/main" xmlns="" r:embed="rId15"/>
+                  <asvg:svgBlip xmlns="" xmlns:asvg="http://schemas.microsoft.com/office/drawing/2016/SVG/main" r:embed="rId15"/>
                 </a:ext>
               </a:extLst>
             </a:blip>
@@ -22344,7 +22662,7 @@
             <a:blip r:embed="rId4">
               <a:extLst>
                 <a:ext uri="{96DAC541-7B7A-43D3-8B79-37D633B846F1}">
-                  <asvg:svgBlip xmlns:asvg="http://schemas.microsoft.com/office/drawing/2016/SVG/main" xmlns="" r:embed="rId15"/>
+                  <asvg:svgBlip xmlns="" xmlns:asvg="http://schemas.microsoft.com/office/drawing/2016/SVG/main" r:embed="rId15"/>
                 </a:ext>
               </a:extLst>
             </a:blip>
@@ -22630,7 +22948,7 @@
             <a:blip r:embed="rId4">
               <a:extLst>
                 <a:ext uri="{96DAC541-7B7A-43D3-8B79-37D633B846F1}">
-                  <asvg:svgBlip xmlns:asvg="http://schemas.microsoft.com/office/drawing/2016/SVG/main" xmlns="" r:embed="rId15"/>
+                  <asvg:svgBlip xmlns="" xmlns:asvg="http://schemas.microsoft.com/office/drawing/2016/SVG/main" r:embed="rId15"/>
                 </a:ext>
               </a:extLst>
             </a:blip>
@@ -22958,7 +23276,7 @@
             <a:blip r:embed="rId4">
               <a:extLst>
                 <a:ext uri="{96DAC541-7B7A-43D3-8B79-37D633B846F1}">
-                  <asvg:svgBlip xmlns:asvg="http://schemas.microsoft.com/office/drawing/2016/SVG/main" xmlns="" r:embed="rId15"/>
+                  <asvg:svgBlip xmlns="" xmlns:asvg="http://schemas.microsoft.com/office/drawing/2016/SVG/main" r:embed="rId15"/>
                 </a:ext>
               </a:extLst>
             </a:blip>
@@ -23047,7 +23365,7 @@
 </p:sld>
 </file>
 
-<file path=ppt/slides/slide15.xml><?xml version="1.0" encoding="utf-8"?>
+<file path=ppt/slides/slide16.xml><?xml version="1.0" encoding="utf-8"?>
 <p:sld xmlns:a="http://schemas.openxmlformats.org/drawingml/2006/main" xmlns:r="http://schemas.openxmlformats.org/officeDocument/2006/relationships" xmlns:p="http://schemas.openxmlformats.org/presentationml/2006/main">
   <p:cSld>
     <p:spTree>
@@ -23582,7 +23900,7 @@
             <a:blip r:embed="rId3">
               <a:extLst>
                 <a:ext uri="{96DAC541-7B7A-43D3-8B79-37D633B846F1}">
-                  <asvg:svgBlip xmlns="" xmlns:asvg="http://schemas.microsoft.com/office/drawing/2016/SVG/main" r:embed="rId7"/>
+                  <asvg:svgBlip xmlns:asvg="http://schemas.microsoft.com/office/drawing/2016/SVG/main" xmlns="" r:embed="rId7"/>
                 </a:ext>
               </a:extLst>
             </a:blip>
@@ -23605,7 +23923,7 @@
 </p:sld>
 </file>
 
-<file path=ppt/slides/slide16.xml><?xml version="1.0" encoding="utf-8"?>
+<file path=ppt/slides/slide17.xml><?xml version="1.0" encoding="utf-8"?>
 <p:sld xmlns:a="http://schemas.openxmlformats.org/drawingml/2006/main" xmlns:r="http://schemas.openxmlformats.org/officeDocument/2006/relationships" xmlns:p="http://schemas.openxmlformats.org/presentationml/2006/main">
   <p:cSld>
     <p:spTree>
@@ -23900,7 +24218,7 @@
 </p:sld>
 </file>
 
-<file path=ppt/slides/slide17.xml><?xml version="1.0" encoding="utf-8"?>
+<file path=ppt/slides/slide18.xml><?xml version="1.0" encoding="utf-8"?>
 <p:sld xmlns:a="http://schemas.openxmlformats.org/drawingml/2006/main" xmlns:r="http://schemas.openxmlformats.org/officeDocument/2006/relationships" xmlns:p="http://schemas.openxmlformats.org/presentationml/2006/main">
   <p:cSld>
     <p:spTree>
@@ -24435,7 +24753,7 @@
             <a:blip r:embed="rId3">
               <a:extLst>
                 <a:ext uri="{96DAC541-7B7A-43D3-8B79-37D633B846F1}">
-                  <asvg:svgBlip xmlns="" xmlns:asvg="http://schemas.microsoft.com/office/drawing/2016/SVG/main" r:embed="rId4"/>
+                  <asvg:svgBlip xmlns:asvg="http://schemas.microsoft.com/office/drawing/2016/SVG/main" xmlns="" r:embed="rId4"/>
                 </a:ext>
               </a:extLst>
             </a:blip>
@@ -24458,7 +24776,7 @@
 </p:sld>
 </file>
 
-<file path=ppt/slides/slide18.xml><?xml version="1.0" encoding="utf-8"?>
+<file path=ppt/slides/slide19.xml><?xml version="1.0" encoding="utf-8"?>
 <p:sld xmlns:a="http://schemas.openxmlformats.org/drawingml/2006/main" xmlns:r="http://schemas.openxmlformats.org/officeDocument/2006/relationships" xmlns:p="http://schemas.openxmlformats.org/presentationml/2006/main">
   <p:cSld>
     <p:spTree>
@@ -24731,319 +25049,6 @@
     <p:extLst>
       <p:ext uri="{BB962C8B-B14F-4D97-AF65-F5344CB8AC3E}">
         <p14:creationId xmlns:p14="http://schemas.microsoft.com/office/powerpoint/2010/main" val="970912986"/>
-      </p:ext>
-    </p:extLst>
-  </p:cSld>
-  <p:clrMapOvr>
-    <a:masterClrMapping/>
-  </p:clrMapOvr>
-  <p:timing>
-    <p:tnLst>
-      <p:par>
-        <p:cTn id="1" dur="indefinite" restart="never" nodeType="tmRoot"/>
-      </p:par>
-    </p:tnLst>
-  </p:timing>
-</p:sld>
-</file>
-
-<file path=ppt/slides/slide19.xml><?xml version="1.0" encoding="utf-8"?>
-<p:sld xmlns:a="http://schemas.openxmlformats.org/drawingml/2006/main" xmlns:r="http://schemas.openxmlformats.org/officeDocument/2006/relationships" xmlns:p="http://schemas.openxmlformats.org/presentationml/2006/main">
-  <p:cSld>
-    <p:spTree>
-      <p:nvGrpSpPr>
-        <p:cNvPr id="1" name=""/>
-        <p:cNvGrpSpPr/>
-        <p:nvPr/>
-      </p:nvGrpSpPr>
-      <p:grpSpPr>
-        <a:xfrm>
-          <a:off x="0" y="0"/>
-          <a:ext cx="0" cy="0"/>
-          <a:chOff x="0" y="0"/>
-          <a:chExt cx="0" cy="0"/>
-        </a:xfrm>
-      </p:grpSpPr>
-      <p:pic>
-        <p:nvPicPr>
-          <p:cNvPr id="10" name="그림 9"/>
-          <p:cNvPicPr>
-            <a:picLocks noChangeAspect="1"/>
-          </p:cNvPicPr>
-          <p:nvPr/>
-        </p:nvPicPr>
-        <p:blipFill>
-          <a:blip r:embed="rId2"/>
-          <a:stretch>
-            <a:fillRect/>
-          </a:stretch>
-        </p:blipFill>
-        <p:spPr>
-          <a:xfrm>
-            <a:off x="15163800" y="416861"/>
-            <a:ext cx="816084" cy="621422"/>
-          </a:xfrm>
-          <a:prstGeom prst="rect">
-            <a:avLst/>
-          </a:prstGeom>
-        </p:spPr>
-      </p:pic>
-      <p:grpSp>
-        <p:nvGrpSpPr>
-          <p:cNvPr id="4" name="Group 4"/>
-          <p:cNvGrpSpPr/>
-          <p:nvPr/>
-        </p:nvGrpSpPr>
-        <p:grpSpPr>
-          <a:xfrm>
-            <a:off x="762000" y="541020"/>
-            <a:ext cx="16764000" cy="506730"/>
-            <a:chOff x="0" y="-38100"/>
-            <a:chExt cx="22352000" cy="675640"/>
-          </a:xfrm>
-        </p:grpSpPr>
-        <p:sp>
-          <p:nvSpPr>
-            <p:cNvPr id="5" name="AutoShape 5"/>
-            <p:cNvSpPr/>
-            <p:nvPr/>
-          </p:nvSpPr>
-          <p:spPr>
-            <a:xfrm>
-              <a:off x="0" y="637540"/>
-              <a:ext cx="22352000" cy="0"/>
-            </a:xfrm>
-            <a:prstGeom prst="line">
-              <a:avLst/>
-            </a:prstGeom>
-            <a:ln w="38100" cap="rnd">
-              <a:solidFill>
-                <a:srgbClr val="3B8AFF"/>
-              </a:solidFill>
-              <a:prstDash val="solid"/>
-              <a:headEnd type="none" w="sm" len="sm"/>
-              <a:tailEnd type="none" w="sm" len="sm"/>
-            </a:ln>
-          </p:spPr>
-        </p:sp>
-        <p:sp>
-          <p:nvSpPr>
-            <p:cNvPr id="7" name="TextBox 7"/>
-            <p:cNvSpPr txBox="1"/>
-            <p:nvPr/>
-          </p:nvSpPr>
-          <p:spPr>
-            <a:xfrm>
-              <a:off x="0" y="-38100"/>
-              <a:ext cx="5080000" cy="427468"/>
-            </a:xfrm>
-            <a:prstGeom prst="rect">
-              <a:avLst/>
-            </a:prstGeom>
-          </p:spPr>
-          <p:txBody>
-            <a:bodyPr wrap="square" lIns="0" tIns="0" rIns="0" bIns="0" rtlCol="0" anchor="t">
-              <a:spAutoFit/>
-            </a:bodyPr>
-            <a:lstStyle/>
-            <a:p>
-              <a:pPr algn="just">
-                <a:lnSpc>
-                  <a:spcPts val="2520"/>
-                </a:lnSpc>
-              </a:pPr>
-              <a:r>
-                <a:rPr lang="en-US" altLang="ko-KR" b="1" dirty="0">
-                  <a:latin typeface="+mj-ea"/>
-                  <a:ea typeface="+mj-ea"/>
-                  <a:cs typeface="Montserrat Bold"/>
-                  <a:sym typeface="Montserrat Bold"/>
-                </a:rPr>
-                <a:t>4</a:t>
-              </a:r>
-              <a:r>
-                <a:rPr lang="en-US" altLang="ko-KR" b="1" dirty="0" smtClean="0">
-                  <a:latin typeface="+mj-ea"/>
-                  <a:ea typeface="+mj-ea"/>
-                  <a:cs typeface="Montserrat Bold"/>
-                  <a:sym typeface="Montserrat Bold"/>
-                </a:rPr>
-                <a:t>. </a:t>
-              </a:r>
-              <a:r>
-                <a:rPr lang="ko-KR" altLang="en-US" b="1" dirty="0" smtClean="0">
-                  <a:latin typeface="+mj-ea"/>
-                  <a:ea typeface="+mj-ea"/>
-                  <a:cs typeface="Montserrat Bold"/>
-                  <a:sym typeface="Montserrat Bold"/>
-                </a:rPr>
-                <a:t>프로젝트 수행 결과</a:t>
-              </a:r>
-              <a:endParaRPr lang="en-US" sz="1800" b="1" dirty="0">
-                <a:latin typeface="+mj-ea"/>
-                <a:ea typeface="+mj-ea"/>
-                <a:cs typeface="Montserrat Bold"/>
-                <a:sym typeface="Montserrat Bold"/>
-              </a:endParaRPr>
-            </a:p>
-          </p:txBody>
-        </p:sp>
-      </p:grpSp>
-      <p:sp>
-        <p:nvSpPr>
-          <p:cNvPr id="69" name="TextBox 19"/>
-          <p:cNvSpPr txBox="1"/>
-          <p:nvPr/>
-        </p:nvSpPr>
-        <p:spPr>
-          <a:xfrm>
-            <a:off x="1304639" y="1656632"/>
-            <a:ext cx="6543961" cy="359073"/>
-          </a:xfrm>
-          <a:prstGeom prst="rect">
-            <a:avLst/>
-          </a:prstGeom>
-        </p:spPr>
-        <p:txBody>
-          <a:bodyPr lIns="0" tIns="0" rIns="0" bIns="0" rtlCol="0" anchor="t">
-            <a:spAutoFit/>
-          </a:bodyPr>
-          <a:lstStyle/>
-          <a:p>
-            <a:pPr algn="l">
-              <a:lnSpc>
-                <a:spcPts val="2800"/>
-              </a:lnSpc>
-            </a:pPr>
-            <a:r>
-              <a:rPr lang="en-US" sz="2000" b="1" dirty="0" smtClean="0">
-                <a:latin typeface="+mj-ea"/>
-                <a:ea typeface="+mj-ea"/>
-                <a:cs typeface="Montserrat Bold"/>
-                <a:sym typeface="Montserrat Bold"/>
-              </a:rPr>
-              <a:t>4-2. </a:t>
-            </a:r>
-            <a:r>
-              <a:rPr lang="ko-KR" altLang="en-US" sz="2000" b="1" dirty="0" smtClean="0">
-                <a:latin typeface="+mj-ea"/>
-                <a:ea typeface="+mj-ea"/>
-                <a:cs typeface="Montserrat Bold"/>
-                <a:sym typeface="Montserrat Bold"/>
-              </a:rPr>
-              <a:t>회원 가입</a:t>
-            </a:r>
-            <a:endParaRPr lang="en-US" sz="2000" b="1" dirty="0">
-              <a:latin typeface="+mj-ea"/>
-              <a:ea typeface="+mj-ea"/>
-              <a:cs typeface="Montserrat Bold"/>
-              <a:sym typeface="Montserrat Bold"/>
-            </a:endParaRPr>
-          </a:p>
-        </p:txBody>
-      </p:sp>
-      <p:sp>
-        <p:nvSpPr>
-          <p:cNvPr id="9" name="TextBox 4"/>
-          <p:cNvSpPr txBox="1"/>
-          <p:nvPr/>
-        </p:nvSpPr>
-        <p:spPr>
-          <a:xfrm>
-            <a:off x="15381864" y="541020"/>
-            <a:ext cx="2144138" cy="297517"/>
-          </a:xfrm>
-          <a:prstGeom prst="rect">
-            <a:avLst/>
-          </a:prstGeom>
-        </p:spPr>
-        <p:txBody>
-          <a:bodyPr lIns="0" tIns="0" rIns="0" bIns="0" rtlCol="0" anchor="t">
-            <a:spAutoFit/>
-          </a:bodyPr>
-          <a:lstStyle/>
-          <a:p>
-            <a:pPr algn="r">
-              <a:lnSpc>
-                <a:spcPts val="2520"/>
-              </a:lnSpc>
-            </a:pPr>
-            <a:r>
-              <a:rPr lang="en-US" b="1" dirty="0" smtClean="0">
-                <a:solidFill>
-                  <a:srgbClr val="3B8AFF"/>
-                </a:solidFill>
-                <a:latin typeface="Montserrat Bold"/>
-                <a:ea typeface="Montserrat Bold"/>
-                <a:cs typeface="Montserrat Bold"/>
-                <a:sym typeface="Montserrat Bold"/>
-              </a:rPr>
-              <a:t>Bravo My Life</a:t>
-            </a:r>
-            <a:endParaRPr lang="en-US" sz="1800" b="1" dirty="0">
-              <a:solidFill>
-                <a:srgbClr val="3B8AFF"/>
-              </a:solidFill>
-              <a:latin typeface="Montserrat Bold"/>
-              <a:ea typeface="Montserrat Bold"/>
-              <a:cs typeface="Montserrat Bold"/>
-              <a:sym typeface="Montserrat Bold"/>
-            </a:endParaRPr>
-          </a:p>
-        </p:txBody>
-      </p:sp>
-      <p:pic>
-        <p:nvPicPr>
-          <p:cNvPr id="3" name="그림 2"/>
-          <p:cNvPicPr>
-            <a:picLocks noChangeAspect="1"/>
-          </p:cNvPicPr>
-          <p:nvPr/>
-        </p:nvPicPr>
-        <p:blipFill>
-          <a:blip r:embed="rId3"/>
-          <a:stretch>
-            <a:fillRect/>
-          </a:stretch>
-        </p:blipFill>
-        <p:spPr>
-          <a:xfrm>
-            <a:off x="1066800" y="2247900"/>
-            <a:ext cx="5374231" cy="7477565"/>
-          </a:xfrm>
-          <a:prstGeom prst="rect">
-            <a:avLst/>
-          </a:prstGeom>
-        </p:spPr>
-      </p:pic>
-      <p:pic>
-        <p:nvPicPr>
-          <p:cNvPr id="6" name="그림 5"/>
-          <p:cNvPicPr>
-            <a:picLocks noChangeAspect="1"/>
-          </p:cNvPicPr>
-          <p:nvPr/>
-        </p:nvPicPr>
-        <p:blipFill>
-          <a:blip r:embed="rId4"/>
-          <a:stretch>
-            <a:fillRect/>
-          </a:stretch>
-        </p:blipFill>
-        <p:spPr>
-          <a:xfrm>
-            <a:off x="6441031" y="3619500"/>
-            <a:ext cx="6134956" cy="4925112"/>
-          </a:xfrm>
-          <a:prstGeom prst="rect">
-            <a:avLst/>
-          </a:prstGeom>
-        </p:spPr>
-      </p:pic>
-    </p:spTree>
-    <p:extLst>
-      <p:ext uri="{BB962C8B-B14F-4D97-AF65-F5344CB8AC3E}">
-        <p14:creationId xmlns:p14="http://schemas.microsoft.com/office/powerpoint/2010/main" val="2263351590"/>
       </p:ext>
     </p:extLst>
   </p:cSld>
@@ -26504,6 +26509,319 @@
                 <a:cs typeface="Montserrat Bold"/>
                 <a:sym typeface="Montserrat Bold"/>
               </a:rPr>
+              <a:t>4-2. </a:t>
+            </a:r>
+            <a:r>
+              <a:rPr lang="ko-KR" altLang="en-US" sz="2000" b="1" dirty="0" smtClean="0">
+                <a:latin typeface="+mj-ea"/>
+                <a:ea typeface="+mj-ea"/>
+                <a:cs typeface="Montserrat Bold"/>
+                <a:sym typeface="Montserrat Bold"/>
+              </a:rPr>
+              <a:t>회원 가입</a:t>
+            </a:r>
+            <a:endParaRPr lang="en-US" sz="2000" b="1" dirty="0">
+              <a:latin typeface="+mj-ea"/>
+              <a:ea typeface="+mj-ea"/>
+              <a:cs typeface="Montserrat Bold"/>
+              <a:sym typeface="Montserrat Bold"/>
+            </a:endParaRPr>
+          </a:p>
+        </p:txBody>
+      </p:sp>
+      <p:sp>
+        <p:nvSpPr>
+          <p:cNvPr id="9" name="TextBox 4"/>
+          <p:cNvSpPr txBox="1"/>
+          <p:nvPr/>
+        </p:nvSpPr>
+        <p:spPr>
+          <a:xfrm>
+            <a:off x="15381864" y="541020"/>
+            <a:ext cx="2144138" cy="297517"/>
+          </a:xfrm>
+          <a:prstGeom prst="rect">
+            <a:avLst/>
+          </a:prstGeom>
+        </p:spPr>
+        <p:txBody>
+          <a:bodyPr lIns="0" tIns="0" rIns="0" bIns="0" rtlCol="0" anchor="t">
+            <a:spAutoFit/>
+          </a:bodyPr>
+          <a:lstStyle/>
+          <a:p>
+            <a:pPr algn="r">
+              <a:lnSpc>
+                <a:spcPts val="2520"/>
+              </a:lnSpc>
+            </a:pPr>
+            <a:r>
+              <a:rPr lang="en-US" b="1" dirty="0" smtClean="0">
+                <a:solidFill>
+                  <a:srgbClr val="3B8AFF"/>
+                </a:solidFill>
+                <a:latin typeface="Montserrat Bold"/>
+                <a:ea typeface="Montserrat Bold"/>
+                <a:cs typeface="Montserrat Bold"/>
+                <a:sym typeface="Montserrat Bold"/>
+              </a:rPr>
+              <a:t>Bravo My Life</a:t>
+            </a:r>
+            <a:endParaRPr lang="en-US" sz="1800" b="1" dirty="0">
+              <a:solidFill>
+                <a:srgbClr val="3B8AFF"/>
+              </a:solidFill>
+              <a:latin typeface="Montserrat Bold"/>
+              <a:ea typeface="Montserrat Bold"/>
+              <a:cs typeface="Montserrat Bold"/>
+              <a:sym typeface="Montserrat Bold"/>
+            </a:endParaRPr>
+          </a:p>
+        </p:txBody>
+      </p:sp>
+      <p:pic>
+        <p:nvPicPr>
+          <p:cNvPr id="3" name="그림 2"/>
+          <p:cNvPicPr>
+            <a:picLocks noChangeAspect="1"/>
+          </p:cNvPicPr>
+          <p:nvPr/>
+        </p:nvPicPr>
+        <p:blipFill>
+          <a:blip r:embed="rId3"/>
+          <a:stretch>
+            <a:fillRect/>
+          </a:stretch>
+        </p:blipFill>
+        <p:spPr>
+          <a:xfrm>
+            <a:off x="1066800" y="2247900"/>
+            <a:ext cx="5374231" cy="7477565"/>
+          </a:xfrm>
+          <a:prstGeom prst="rect">
+            <a:avLst/>
+          </a:prstGeom>
+        </p:spPr>
+      </p:pic>
+      <p:pic>
+        <p:nvPicPr>
+          <p:cNvPr id="6" name="그림 5"/>
+          <p:cNvPicPr>
+            <a:picLocks noChangeAspect="1"/>
+          </p:cNvPicPr>
+          <p:nvPr/>
+        </p:nvPicPr>
+        <p:blipFill>
+          <a:blip r:embed="rId4"/>
+          <a:stretch>
+            <a:fillRect/>
+          </a:stretch>
+        </p:blipFill>
+        <p:spPr>
+          <a:xfrm>
+            <a:off x="6441031" y="3619500"/>
+            <a:ext cx="6134956" cy="4925112"/>
+          </a:xfrm>
+          <a:prstGeom prst="rect">
+            <a:avLst/>
+          </a:prstGeom>
+        </p:spPr>
+      </p:pic>
+    </p:spTree>
+    <p:extLst>
+      <p:ext uri="{BB962C8B-B14F-4D97-AF65-F5344CB8AC3E}">
+        <p14:creationId xmlns:p14="http://schemas.microsoft.com/office/powerpoint/2010/main" val="2263351590"/>
+      </p:ext>
+    </p:extLst>
+  </p:cSld>
+  <p:clrMapOvr>
+    <a:masterClrMapping/>
+  </p:clrMapOvr>
+  <p:timing>
+    <p:tnLst>
+      <p:par>
+        <p:cTn id="1" dur="indefinite" restart="never" nodeType="tmRoot"/>
+      </p:par>
+    </p:tnLst>
+  </p:timing>
+</p:sld>
+</file>
+
+<file path=ppt/slides/slide21.xml><?xml version="1.0" encoding="utf-8"?>
+<p:sld xmlns:a="http://schemas.openxmlformats.org/drawingml/2006/main" xmlns:r="http://schemas.openxmlformats.org/officeDocument/2006/relationships" xmlns:p="http://schemas.openxmlformats.org/presentationml/2006/main">
+  <p:cSld>
+    <p:spTree>
+      <p:nvGrpSpPr>
+        <p:cNvPr id="1" name=""/>
+        <p:cNvGrpSpPr/>
+        <p:nvPr/>
+      </p:nvGrpSpPr>
+      <p:grpSpPr>
+        <a:xfrm>
+          <a:off x="0" y="0"/>
+          <a:ext cx="0" cy="0"/>
+          <a:chOff x="0" y="0"/>
+          <a:chExt cx="0" cy="0"/>
+        </a:xfrm>
+      </p:grpSpPr>
+      <p:pic>
+        <p:nvPicPr>
+          <p:cNvPr id="10" name="그림 9"/>
+          <p:cNvPicPr>
+            <a:picLocks noChangeAspect="1"/>
+          </p:cNvPicPr>
+          <p:nvPr/>
+        </p:nvPicPr>
+        <p:blipFill>
+          <a:blip r:embed="rId2"/>
+          <a:stretch>
+            <a:fillRect/>
+          </a:stretch>
+        </p:blipFill>
+        <p:spPr>
+          <a:xfrm>
+            <a:off x="15163800" y="416861"/>
+            <a:ext cx="816084" cy="621422"/>
+          </a:xfrm>
+          <a:prstGeom prst="rect">
+            <a:avLst/>
+          </a:prstGeom>
+        </p:spPr>
+      </p:pic>
+      <p:grpSp>
+        <p:nvGrpSpPr>
+          <p:cNvPr id="4" name="Group 4"/>
+          <p:cNvGrpSpPr/>
+          <p:nvPr/>
+        </p:nvGrpSpPr>
+        <p:grpSpPr>
+          <a:xfrm>
+            <a:off x="762000" y="541020"/>
+            <a:ext cx="16764000" cy="506730"/>
+            <a:chOff x="0" y="-38100"/>
+            <a:chExt cx="22352000" cy="675640"/>
+          </a:xfrm>
+        </p:grpSpPr>
+        <p:sp>
+          <p:nvSpPr>
+            <p:cNvPr id="5" name="AutoShape 5"/>
+            <p:cNvSpPr/>
+            <p:nvPr/>
+          </p:nvSpPr>
+          <p:spPr>
+            <a:xfrm>
+              <a:off x="0" y="637540"/>
+              <a:ext cx="22352000" cy="0"/>
+            </a:xfrm>
+            <a:prstGeom prst="line">
+              <a:avLst/>
+            </a:prstGeom>
+            <a:ln w="38100" cap="rnd">
+              <a:solidFill>
+                <a:srgbClr val="3B8AFF"/>
+              </a:solidFill>
+              <a:prstDash val="solid"/>
+              <a:headEnd type="none" w="sm" len="sm"/>
+              <a:tailEnd type="none" w="sm" len="sm"/>
+            </a:ln>
+          </p:spPr>
+        </p:sp>
+        <p:sp>
+          <p:nvSpPr>
+            <p:cNvPr id="7" name="TextBox 7"/>
+            <p:cNvSpPr txBox="1"/>
+            <p:nvPr/>
+          </p:nvSpPr>
+          <p:spPr>
+            <a:xfrm>
+              <a:off x="0" y="-38100"/>
+              <a:ext cx="5080000" cy="427468"/>
+            </a:xfrm>
+            <a:prstGeom prst="rect">
+              <a:avLst/>
+            </a:prstGeom>
+          </p:spPr>
+          <p:txBody>
+            <a:bodyPr wrap="square" lIns="0" tIns="0" rIns="0" bIns="0" rtlCol="0" anchor="t">
+              <a:spAutoFit/>
+            </a:bodyPr>
+            <a:lstStyle/>
+            <a:p>
+              <a:pPr algn="just">
+                <a:lnSpc>
+                  <a:spcPts val="2520"/>
+                </a:lnSpc>
+              </a:pPr>
+              <a:r>
+                <a:rPr lang="en-US" altLang="ko-KR" b="1" dirty="0">
+                  <a:latin typeface="+mj-ea"/>
+                  <a:ea typeface="+mj-ea"/>
+                  <a:cs typeface="Montserrat Bold"/>
+                  <a:sym typeface="Montserrat Bold"/>
+                </a:rPr>
+                <a:t>4</a:t>
+              </a:r>
+              <a:r>
+                <a:rPr lang="en-US" altLang="ko-KR" b="1" dirty="0" smtClean="0">
+                  <a:latin typeface="+mj-ea"/>
+                  <a:ea typeface="+mj-ea"/>
+                  <a:cs typeface="Montserrat Bold"/>
+                  <a:sym typeface="Montserrat Bold"/>
+                </a:rPr>
+                <a:t>. </a:t>
+              </a:r>
+              <a:r>
+                <a:rPr lang="ko-KR" altLang="en-US" b="1" dirty="0" smtClean="0">
+                  <a:latin typeface="+mj-ea"/>
+                  <a:ea typeface="+mj-ea"/>
+                  <a:cs typeface="Montserrat Bold"/>
+                  <a:sym typeface="Montserrat Bold"/>
+                </a:rPr>
+                <a:t>프로젝트 수행 결과</a:t>
+              </a:r>
+              <a:endParaRPr lang="en-US" sz="1800" b="1" dirty="0">
+                <a:latin typeface="+mj-ea"/>
+                <a:ea typeface="+mj-ea"/>
+                <a:cs typeface="Montserrat Bold"/>
+                <a:sym typeface="Montserrat Bold"/>
+              </a:endParaRPr>
+            </a:p>
+          </p:txBody>
+        </p:sp>
+      </p:grpSp>
+      <p:sp>
+        <p:nvSpPr>
+          <p:cNvPr id="69" name="TextBox 19"/>
+          <p:cNvSpPr txBox="1"/>
+          <p:nvPr/>
+        </p:nvSpPr>
+        <p:spPr>
+          <a:xfrm>
+            <a:off x="1304639" y="1656632"/>
+            <a:ext cx="6543961" cy="359073"/>
+          </a:xfrm>
+          <a:prstGeom prst="rect">
+            <a:avLst/>
+          </a:prstGeom>
+        </p:spPr>
+        <p:txBody>
+          <a:bodyPr lIns="0" tIns="0" rIns="0" bIns="0" rtlCol="0" anchor="t">
+            <a:spAutoFit/>
+          </a:bodyPr>
+          <a:lstStyle/>
+          <a:p>
+            <a:pPr algn="l">
+              <a:lnSpc>
+                <a:spcPts val="2800"/>
+              </a:lnSpc>
+            </a:pPr>
+            <a:r>
+              <a:rPr lang="en-US" sz="2000" b="1" dirty="0" smtClean="0">
+                <a:latin typeface="+mj-ea"/>
+                <a:ea typeface="+mj-ea"/>
+                <a:cs typeface="Montserrat Bold"/>
+                <a:sym typeface="Montserrat Bold"/>
+              </a:rPr>
               <a:t>4-3. </a:t>
             </a:r>
             <a:r>
@@ -26618,7 +26936,7 @@
 </p:sld>
 </file>
 
-<file path=ppt/slides/slide21.xml><?xml version="1.0" encoding="utf-8"?>
+<file path=ppt/slides/slide22.xml><?xml version="1.0" encoding="utf-8"?>
 <p:sld xmlns:a="http://schemas.openxmlformats.org/drawingml/2006/main" xmlns:r="http://schemas.openxmlformats.org/officeDocument/2006/relationships" xmlns:p="http://schemas.openxmlformats.org/presentationml/2006/main">
   <p:cSld>
     <p:spTree>
@@ -26907,7 +27225,7 @@
 </p:sld>
 </file>
 
-<file path=ppt/slides/slide22.xml><?xml version="1.0" encoding="utf-8"?>
+<file path=ppt/slides/slide23.xml><?xml version="1.0" encoding="utf-8"?>
 <p:sld xmlns:a="http://schemas.openxmlformats.org/drawingml/2006/main" xmlns:r="http://schemas.openxmlformats.org/officeDocument/2006/relationships" xmlns:p="http://schemas.openxmlformats.org/presentationml/2006/main">
   <p:cSld>
     <p:spTree>
@@ -27450,7 +27768,7 @@
             <a:blip r:embed="rId3">
               <a:extLst>
                 <a:ext uri="{96DAC541-7B7A-43D3-8B79-37D633B846F1}">
-                  <asvg:svgBlip xmlns="" xmlns:asvg="http://schemas.microsoft.com/office/drawing/2016/SVG/main" r:embed="rId5"/>
+                  <asvg:svgBlip xmlns:asvg="http://schemas.microsoft.com/office/drawing/2016/SVG/main" xmlns="" r:embed="rId5"/>
                 </a:ext>
               </a:extLst>
             </a:blip>
@@ -27473,7 +27791,7 @@
 </p:sld>
 </file>
 
-<file path=ppt/slides/slide23.xml><?xml version="1.0" encoding="utf-8"?>
+<file path=ppt/slides/slide24.xml><?xml version="1.0" encoding="utf-8"?>
 <p:sld xmlns:a="http://schemas.openxmlformats.org/drawingml/2006/main" xmlns:r="http://schemas.openxmlformats.org/officeDocument/2006/relationships" xmlns:p="http://schemas.openxmlformats.org/presentationml/2006/main">
   <p:cSld>
     <p:bg>
@@ -28271,7 +28589,7 @@
             <a:blip r:embed="rId3">
               <a:extLst>
                 <a:ext uri="{96DAC541-7B7A-43D3-8B79-37D633B846F1}">
-                  <asvg:svgBlip xmlns="" xmlns:asvg="http://schemas.microsoft.com/office/drawing/2016/SVG/main" r:embed="rId4"/>
+                  <asvg:svgBlip xmlns:asvg="http://schemas.microsoft.com/office/drawing/2016/SVG/main" xmlns="" r:embed="rId4"/>
                 </a:ext>
               </a:extLst>
             </a:blip>
@@ -31236,7 +31554,7 @@
             <a:blip r:embed="rId4">
               <a:extLst>
                 <a:ext uri="{96DAC541-7B7A-43D3-8B79-37D633B846F1}">
-                  <asvg:svgBlip xmlns:asvg="http://schemas.microsoft.com/office/drawing/2016/SVG/main" xmlns="" r:embed="rId5"/>
+                  <asvg:svgBlip xmlns="" xmlns:asvg="http://schemas.microsoft.com/office/drawing/2016/SVG/main" r:embed="rId5"/>
                 </a:ext>
               </a:extLst>
             </a:blip>
@@ -31288,7 +31606,7 @@
             <a:blip r:embed="rId6">
               <a:extLst>
                 <a:ext uri="{96DAC541-7B7A-43D3-8B79-37D633B846F1}">
-                  <asvg:svgBlip xmlns:asvg="http://schemas.microsoft.com/office/drawing/2016/SVG/main" xmlns="" r:embed="rId10"/>
+                  <asvg:svgBlip xmlns="" xmlns:asvg="http://schemas.microsoft.com/office/drawing/2016/SVG/main" r:embed="rId10"/>
                 </a:ext>
               </a:extLst>
             </a:blip>
